--- a/PROGRAMACION/FOL/TEMA 1 FOL ALUMNOS.pptx
+++ b/PROGRAMACION/FOL/TEMA 1 FOL ALUMNOS.pptx
@@ -264,7 +264,7 @@
       <p15:sldGuideLst xmlns:p15="http://schemas.microsoft.com/office/powerpoint/2012/main"/>
     </p:ext>
     <p:ext uri="http://customooxmlschemas.google.com/">
-      <go:slidesCustomData xmlns:go="http://customooxmlschemas.google.com/" xmlns:ahyp="http://schemas.microsoft.com/office/drawing/2018/hyperlinkcolor" xmlns:p15="http://schemas.microsoft.com/office/powerpoint/2012/main" xmlns:p14="http://schemas.microsoft.com/office/powerpoint/2010/main" xmlns:com="http://schemas.openxmlformats.org/drawingml/2006/compatibility" xmlns:pvml="urn:schemas-microsoft-com:office:powerpoint" xmlns:v="urn:schemas-microsoft-com:vml" xmlns:o="urn:schemas-microsoft-com:office:office" xmlns:dgm="http://schemas.openxmlformats.org/drawingml/2006/diagram" xmlns:c="http://schemas.openxmlformats.org/drawingml/2006/chart" xmlns:mv="urn:schemas-microsoft-com:mac:vml" xmlns:mc="http://schemas.openxmlformats.org/markup-compatibility/2006" xmlns="" r:id="rId26" roundtripDataSignature="AMtx7mj7n5HUuEFIm90kBBpDjxwRYlDioQ=="/>
+      <go:slidesCustomData xmlns="" xmlns:mc="http://schemas.openxmlformats.org/markup-compatibility/2006" xmlns:mv="urn:schemas-microsoft-com:mac:vml" xmlns:c="http://schemas.openxmlformats.org/drawingml/2006/chart" xmlns:dgm="http://schemas.openxmlformats.org/drawingml/2006/diagram" xmlns:o="urn:schemas-microsoft-com:office:office" xmlns:v="urn:schemas-microsoft-com:vml" xmlns:pvml="urn:schemas-microsoft-com:office:powerpoint" xmlns:com="http://schemas.openxmlformats.org/drawingml/2006/compatibility" xmlns:p14="http://schemas.microsoft.com/office/powerpoint/2010/main" xmlns:p15="http://schemas.microsoft.com/office/powerpoint/2012/main" xmlns:ahyp="http://schemas.microsoft.com/office/drawing/2018/hyperlinkcolor" xmlns:go="http://customooxmlschemas.google.com/" r:id="rId26" roundtripDataSignature="AMtx7mj7n5HUuEFIm90kBBpDjxwRYlDioQ=="/>
     </p:ext>
   </p:extLst>
 </p:presentation>
@@ -16395,192 +16395,6 @@
       </p:sp>
       <p:sp>
         <p:nvSpPr>
-          <p:cNvPr id="251" name="Google Shape;251;p10"/>
-          <p:cNvSpPr txBox="1">
-            <a:spLocks noGrp="1"/>
-          </p:cNvSpPr>
-          <p:nvPr>
-            <p:ph type="body" idx="1"/>
-          </p:nvPr>
-        </p:nvSpPr>
-        <p:spPr>
-          <a:xfrm>
-            <a:off x="465678" y="1208085"/>
-            <a:ext cx="6117102" cy="5150512"/>
-          </a:xfrm>
-          <a:prstGeom prst="rect">
-            <a:avLst/>
-          </a:prstGeom>
-          <a:solidFill>
-            <a:schemeClr val="lt1"/>
-          </a:solidFill>
-          <a:ln>
-            <a:noFill/>
-          </a:ln>
-        </p:spPr>
-        <p:txBody>
-          <a:bodyPr spcFirstLastPara="1" wrap="square" lIns="91425" tIns="45700" rIns="91425" bIns="45700" anchor="t" anchorCtr="0">
-            <a:noAutofit/>
-          </a:bodyPr>
-          <a:lstStyle/>
-          <a:p>
-            <a:pPr marL="0" lvl="0" indent="0" algn="l" rtl="0">
-              <a:lnSpc>
-                <a:spcPct val="130000"/>
-              </a:lnSpc>
-              <a:spcBef>
-                <a:spcPts val="0"/>
-              </a:spcBef>
-              <a:spcAft>
-                <a:spcPts val="0"/>
-              </a:spcAft>
-              <a:buClr>
-                <a:schemeClr val="dk1"/>
-              </a:buClr>
-              <a:buSzPts val="1700"/>
-              <a:buNone/>
-            </a:pPr>
-            <a:r>
-              <a:rPr lang="es-ES" sz="1600" dirty="0">
-                <a:solidFill>
-                  <a:schemeClr val="dk1"/>
-                </a:solidFill>
-              </a:rPr>
-              <a:t>Los administrativos de una empresa aeronáutica están pendientes de determinadas situaciones que se están produciendo en la empresa y ante las que no saben muy bien qué hacer:</a:t>
-            </a:r>
-            <a:endParaRPr sz="1600" dirty="0"/>
-          </a:p>
-          <a:p>
-            <a:pPr marL="342900" lvl="0" indent="-342900" algn="l" rtl="0">
-              <a:lnSpc>
-                <a:spcPct val="130000"/>
-              </a:lnSpc>
-              <a:spcBef>
-                <a:spcPts val="1000"/>
-              </a:spcBef>
-              <a:spcAft>
-                <a:spcPts val="0"/>
-              </a:spcAft>
-              <a:buClr>
-                <a:schemeClr val="dk1"/>
-              </a:buClr>
-              <a:buSzPts val="1700"/>
-              <a:buAutoNum type="alphaLcParenR"/>
-            </a:pPr>
-            <a:r>
-              <a:rPr lang="es-ES" sz="1600" dirty="0">
-                <a:solidFill>
-                  <a:schemeClr val="dk1"/>
-                </a:solidFill>
-              </a:rPr>
-              <a:t>A Patricia –la más veterana- lleva 10 años trabajando en la empresa, se le concedía un tiempo para desayunar de media hora, derecho que venía recogido en contrato. No obstante, el nuevo gerente quiere modificarle el contrato y suprimir esa pausa a 15 minutos, que es lo que establece la ley.</a:t>
-            </a:r>
-            <a:endParaRPr sz="1600" dirty="0"/>
-          </a:p>
-          <a:p>
-            <a:pPr marL="342900" lvl="0" indent="-342900" algn="l" rtl="0">
-              <a:lnSpc>
-                <a:spcPct val="130000"/>
-              </a:lnSpc>
-              <a:spcBef>
-                <a:spcPts val="1000"/>
-              </a:spcBef>
-              <a:spcAft>
-                <a:spcPts val="0"/>
-              </a:spcAft>
-              <a:buClr>
-                <a:schemeClr val="dk1"/>
-              </a:buClr>
-              <a:buSzPts val="1700"/>
-              <a:buAutoNum type="alphaLcParenR"/>
-            </a:pPr>
-            <a:r>
-              <a:rPr lang="es-ES" sz="1600" dirty="0">
-                <a:solidFill>
-                  <a:schemeClr val="dk1"/>
-                </a:solidFill>
-              </a:rPr>
-              <a:t>Juan, ante la cercanía del verano, quiere renunciar a 10 días de vacaciones de los 30 que le corresponden, y cambiar esos días por una compensación económica.</a:t>
-            </a:r>
-            <a:endParaRPr sz="1600" dirty="0"/>
-          </a:p>
-          <a:p>
-            <a:pPr marL="342900" lvl="0" indent="-342900" algn="l" rtl="0">
-              <a:lnSpc>
-                <a:spcPct val="130000"/>
-              </a:lnSpc>
-              <a:spcBef>
-                <a:spcPts val="1000"/>
-              </a:spcBef>
-              <a:spcAft>
-                <a:spcPts val="0"/>
-              </a:spcAft>
-              <a:buClr>
-                <a:schemeClr val="dk1"/>
-              </a:buClr>
-              <a:buSzPts val="1700"/>
-              <a:buAutoNum type="alphaLcParenR"/>
-            </a:pPr>
-            <a:r>
-              <a:rPr lang="es-ES" sz="1600" dirty="0">
-                <a:solidFill>
-                  <a:schemeClr val="dk1"/>
-                </a:solidFill>
-              </a:rPr>
-              <a:t>Pedro tiene recogido por contrato un salario bruto de 850 euros mientras el Convenio establece 910 euros. ¿Crees que puede reclamar algo?</a:t>
-            </a:r>
-            <a:endParaRPr sz="1600" dirty="0"/>
-          </a:p>
-          <a:p>
-            <a:pPr marL="342900" lvl="0" indent="-234950" algn="l" rtl="0">
-              <a:lnSpc>
-                <a:spcPct val="130000"/>
-              </a:lnSpc>
-              <a:spcBef>
-                <a:spcPts val="1000"/>
-              </a:spcBef>
-              <a:spcAft>
-                <a:spcPts val="0"/>
-              </a:spcAft>
-              <a:buClr>
-                <a:schemeClr val="lt1"/>
-              </a:buClr>
-              <a:buSzPts val="1700"/>
-              <a:buNone/>
-            </a:pPr>
-            <a:endParaRPr sz="1600" dirty="0">
-              <a:solidFill>
-                <a:schemeClr val="dk1"/>
-              </a:solidFill>
-            </a:endParaRPr>
-          </a:p>
-          <a:p>
-            <a:pPr marL="228600" lvl="0" indent="-120650" algn="l" rtl="0">
-              <a:lnSpc>
-                <a:spcPct val="130000"/>
-              </a:lnSpc>
-              <a:spcBef>
-                <a:spcPts val="1000"/>
-              </a:spcBef>
-              <a:spcAft>
-                <a:spcPts val="0"/>
-              </a:spcAft>
-              <a:buClr>
-                <a:schemeClr val="lt1"/>
-              </a:buClr>
-              <a:buSzPts val="1700"/>
-              <a:buNone/>
-            </a:pPr>
-            <a:endParaRPr sz="1600" dirty="0">
-              <a:solidFill>
-                <a:schemeClr val="dk1"/>
-              </a:solidFill>
-            </a:endParaRPr>
-          </a:p>
-        </p:txBody>
-      </p:sp>
-      <p:sp>
-        <p:nvSpPr>
           <p:cNvPr id="252" name="Google Shape;252;p10"/>
           <p:cNvSpPr/>
           <p:nvPr/>
@@ -16736,6 +16550,306 @@
           </a:ln>
         </p:spPr>
       </p:pic>
+      <p:sp>
+        <p:nvSpPr>
+          <p:cNvPr id="251" name="Google Shape;251;p10"/>
+          <p:cNvSpPr txBox="1">
+            <a:spLocks noGrp="1"/>
+          </p:cNvSpPr>
+          <p:nvPr>
+            <p:ph type="body" idx="1"/>
+          </p:nvPr>
+        </p:nvSpPr>
+        <p:spPr>
+          <a:xfrm>
+            <a:off x="465677" y="1208085"/>
+            <a:ext cx="9337746" cy="5150512"/>
+          </a:xfrm>
+          <a:prstGeom prst="rect">
+            <a:avLst/>
+          </a:prstGeom>
+          <a:solidFill>
+            <a:schemeClr val="lt1"/>
+          </a:solidFill>
+          <a:ln>
+            <a:noFill/>
+          </a:ln>
+        </p:spPr>
+        <p:txBody>
+          <a:bodyPr spcFirstLastPara="1" wrap="square" lIns="91425" tIns="45700" rIns="91425" bIns="45700" anchor="t" anchorCtr="0">
+            <a:noAutofit/>
+          </a:bodyPr>
+          <a:lstStyle/>
+          <a:p>
+            <a:pPr marL="0" lvl="0" indent="0" algn="l" rtl="0">
+              <a:lnSpc>
+                <a:spcPct val="130000"/>
+              </a:lnSpc>
+              <a:spcBef>
+                <a:spcPts val="0"/>
+              </a:spcBef>
+              <a:spcAft>
+                <a:spcPts val="0"/>
+              </a:spcAft>
+              <a:buClr>
+                <a:schemeClr val="dk1"/>
+              </a:buClr>
+              <a:buSzPts val="1700"/>
+              <a:buNone/>
+            </a:pPr>
+            <a:r>
+              <a:rPr lang="es-ES" sz="1600" dirty="0">
+                <a:solidFill>
+                  <a:schemeClr val="dk1"/>
+                </a:solidFill>
+              </a:rPr>
+              <a:t>Los administrativos de una empresa aeronáutica están pendientes de determinadas situaciones que se están produciendo en la empresa y ante las que no saben muy bien qué hacer:</a:t>
+            </a:r>
+            <a:endParaRPr sz="1600" dirty="0"/>
+          </a:p>
+          <a:p>
+            <a:pPr marL="342900" lvl="0">
+              <a:lnSpc>
+                <a:spcPct val="130000"/>
+              </a:lnSpc>
+              <a:buClr>
+                <a:schemeClr val="dk1"/>
+              </a:buClr>
+              <a:buSzPts val="1700"/>
+              <a:buAutoNum type="alphaLcParenR"/>
+            </a:pPr>
+            <a:r>
+              <a:rPr lang="es-ES" sz="1600" dirty="0">
+                <a:solidFill>
+                  <a:schemeClr val="dk1"/>
+                </a:solidFill>
+              </a:rPr>
+              <a:t>A Patricia –la más veterana- lleva 10 años trabajando en la empresa, se le concedía un tiempo para desayunar de media hora, derecho que venía recogido en contrato. No obstante, el nuevo gerente quiere modificarle el contrato y suprimir esa pausa a 15 minutos, que es lo que establece la ley</a:t>
+            </a:r>
+            <a:r>
+              <a:rPr lang="es-ES" sz="1600" dirty="0" smtClean="0">
+                <a:solidFill>
+                  <a:schemeClr val="dk1"/>
+                </a:solidFill>
+              </a:rPr>
+              <a:t>. </a:t>
+            </a:r>
+            <a:r>
+              <a:rPr lang="es-ES" sz="1600" dirty="0" smtClean="0">
+                <a:solidFill>
+                  <a:schemeClr val="accent2"/>
+                </a:solidFill>
+              </a:rPr>
+              <a:t>Ella tiene la opción de renunciar y no aceptar el nuevo contrato, pero el empresario tiene derecho a realizar el cambio. </a:t>
+            </a:r>
+            <a:r>
+              <a:rPr lang="es-ES" sz="1600" b="1" dirty="0">
+                <a:solidFill>
+                  <a:schemeClr val="tx1"/>
+                </a:solidFill>
+              </a:rPr>
+              <a:t>PRINCIPIO DE CONDICIÓN MÁS </a:t>
+            </a:r>
+            <a:r>
+              <a:rPr lang="es-ES" sz="1600" b="1" dirty="0" smtClean="0">
+                <a:solidFill>
+                  <a:schemeClr val="tx1"/>
+                </a:solidFill>
+              </a:rPr>
+              <a:t>BENEFICIOSA (se puede quedar con sus 30 minutos de descanso) aunque si se siguiera el principio de </a:t>
+            </a:r>
+            <a:r>
+              <a:rPr lang="es-ES" sz="1600" b="1" dirty="0" err="1" smtClean="0">
+                <a:solidFill>
+                  <a:schemeClr val="tx1"/>
+                </a:solidFill>
+              </a:rPr>
+              <a:t>irrenunciabilidad</a:t>
+            </a:r>
+            <a:r>
+              <a:rPr lang="es-ES" sz="1600" b="1" dirty="0" smtClean="0">
+                <a:solidFill>
+                  <a:schemeClr val="tx1"/>
+                </a:solidFill>
+              </a:rPr>
+              <a:t> de derechos, Patricia sí podría renunciar a ello.</a:t>
+            </a:r>
+            <a:endParaRPr sz="1600" dirty="0">
+              <a:solidFill>
+                <a:schemeClr val="accent2"/>
+              </a:solidFill>
+            </a:endParaRPr>
+          </a:p>
+          <a:p>
+            <a:pPr marL="342900" lvl="0">
+              <a:lnSpc>
+                <a:spcPct val="130000"/>
+              </a:lnSpc>
+              <a:buClr>
+                <a:schemeClr val="dk1"/>
+              </a:buClr>
+              <a:buSzPts val="1700"/>
+              <a:buAutoNum type="alphaLcParenR"/>
+            </a:pPr>
+            <a:r>
+              <a:rPr lang="es-ES" sz="1600" dirty="0">
+                <a:solidFill>
+                  <a:schemeClr val="dk1"/>
+                </a:solidFill>
+              </a:rPr>
+              <a:t>Juan, ante la cercanía del verano, quiere renunciar a 10 días de vacaciones de los 30 que le corresponden, y cambiar esos días por una compensación económica</a:t>
+            </a:r>
+            <a:r>
+              <a:rPr lang="es-ES" sz="1600" dirty="0" smtClean="0">
+                <a:solidFill>
+                  <a:schemeClr val="dk1"/>
+                </a:solidFill>
+              </a:rPr>
+              <a:t>.</a:t>
+            </a:r>
+            <a:r>
+              <a:rPr lang="es-ES" sz="1600" dirty="0" smtClean="0">
+                <a:solidFill>
+                  <a:schemeClr val="accent2"/>
+                </a:solidFill>
+              </a:rPr>
+              <a:t> </a:t>
+            </a:r>
+            <a:r>
+              <a:rPr lang="es-ES" sz="1600" dirty="0" smtClean="0">
+                <a:solidFill>
+                  <a:schemeClr val="accent2"/>
+                </a:solidFill>
+              </a:rPr>
+              <a:t>No podría hacerse legalmente. </a:t>
+            </a:r>
+            <a:r>
+              <a:rPr lang="es-ES" sz="1600" b="1" dirty="0">
+                <a:solidFill>
+                  <a:schemeClr val="tx1"/>
+                </a:solidFill>
+              </a:rPr>
+              <a:t>PRINCIPIO DE IRRENUNCIABILIDAD DE DERECHOS</a:t>
+            </a:r>
+            <a:endParaRPr sz="1600" dirty="0">
+              <a:solidFill>
+                <a:schemeClr val="accent2"/>
+              </a:solidFill>
+            </a:endParaRPr>
+          </a:p>
+          <a:p>
+            <a:pPr marL="342900" lvl="0">
+              <a:lnSpc>
+                <a:spcPct val="130000"/>
+              </a:lnSpc>
+              <a:buClr>
+                <a:schemeClr val="dk1"/>
+              </a:buClr>
+              <a:buSzPts val="1700"/>
+              <a:buAutoNum type="alphaLcParenR"/>
+            </a:pPr>
+            <a:r>
+              <a:rPr lang="es-ES" sz="1600" dirty="0">
+                <a:solidFill>
+                  <a:schemeClr val="dk1"/>
+                </a:solidFill>
+              </a:rPr>
+              <a:t>Pedro tiene recogido por contrato un salario bruto de 850 euros mientras el Convenio establece 910 </a:t>
+            </a:r>
+            <a:r>
+              <a:rPr lang="es-ES" sz="1600" dirty="0" smtClean="0">
+                <a:solidFill>
+                  <a:schemeClr val="dk1"/>
+                </a:solidFill>
+              </a:rPr>
+              <a:t>euros y el salario mínimo interprofesional a 1080 euros. </a:t>
+            </a:r>
+            <a:r>
+              <a:rPr lang="es-ES" sz="1600" dirty="0">
+                <a:solidFill>
+                  <a:schemeClr val="dk1"/>
+                </a:solidFill>
+              </a:rPr>
+              <a:t>¿Crees que puede reclamar algo</a:t>
+            </a:r>
+            <a:r>
+              <a:rPr lang="es-ES" sz="1600" dirty="0" smtClean="0">
+                <a:solidFill>
+                  <a:schemeClr val="dk1"/>
+                </a:solidFill>
+              </a:rPr>
+              <a:t>? </a:t>
+            </a:r>
+            <a:r>
+              <a:rPr lang="es-ES" sz="1600" dirty="0" smtClean="0">
+                <a:solidFill>
+                  <a:schemeClr val="accent2"/>
+                </a:solidFill>
+              </a:rPr>
+              <a:t>Sí, siempre y cuando el contrato sea a jornada completa. </a:t>
+            </a:r>
+            <a:r>
+              <a:rPr lang="es-ES" sz="1600" b="1" dirty="0">
+                <a:solidFill>
+                  <a:schemeClr val="tx1"/>
+                </a:solidFill>
+              </a:rPr>
+              <a:t>PRINCIPIO DE JERARQUÍA Y DE NORMA MÍNIMA</a:t>
+            </a:r>
+            <a:endParaRPr sz="1600" dirty="0">
+              <a:solidFill>
+                <a:schemeClr val="accent2"/>
+              </a:solidFill>
+            </a:endParaRPr>
+          </a:p>
+          <a:p>
+            <a:pPr marL="342900" lvl="0" indent="-234950" algn="l" rtl="0">
+              <a:lnSpc>
+                <a:spcPct val="130000"/>
+              </a:lnSpc>
+              <a:spcBef>
+                <a:spcPts val="1000"/>
+              </a:spcBef>
+              <a:spcAft>
+                <a:spcPts val="0"/>
+              </a:spcAft>
+              <a:buClr>
+                <a:schemeClr val="lt1"/>
+              </a:buClr>
+              <a:buSzPts val="1700"/>
+              <a:buNone/>
+            </a:pPr>
+            <a:endParaRPr sz="1600" dirty="0">
+              <a:solidFill>
+                <a:schemeClr val="dk1"/>
+              </a:solidFill>
+            </a:endParaRPr>
+          </a:p>
+          <a:p>
+            <a:pPr marL="228600" lvl="0" indent="-120650" algn="l" rtl="0">
+              <a:lnSpc>
+                <a:spcPct val="130000"/>
+              </a:lnSpc>
+              <a:spcBef>
+                <a:spcPts val="1000"/>
+              </a:spcBef>
+              <a:spcAft>
+                <a:spcPts val="0"/>
+              </a:spcAft>
+              <a:buClr>
+                <a:schemeClr val="lt1"/>
+              </a:buClr>
+              <a:buSzPts val="1700"/>
+              <a:buNone/>
+            </a:pPr>
+            <a:endParaRPr sz="1600" dirty="0">
+              <a:solidFill>
+                <a:schemeClr val="dk1"/>
+              </a:solidFill>
+            </a:endParaRPr>
+          </a:p>
+        </p:txBody>
+      </p:sp>
     </p:spTree>
   </p:cSld>
   <p:clrMapOvr>
@@ -16823,8 +16937,8 @@
         </p:nvGrpSpPr>
         <p:grpSpPr>
           <a:xfrm>
-            <a:off x="1908313" y="1762540"/>
-            <a:ext cx="8135694" cy="4145100"/>
+            <a:off x="677008" y="1762540"/>
+            <a:ext cx="10478672" cy="4145100"/>
             <a:chOff x="0" y="0"/>
             <a:chExt cx="8135694" cy="3460022"/>
           </a:xfrm>
@@ -16890,7 +17004,7 @@
           <p:spPr>
             <a:xfrm>
               <a:off x="26813" y="26813"/>
-              <a:ext cx="5910734" cy="861834"/>
+              <a:ext cx="6815244" cy="861834"/>
             </a:xfrm>
             <a:prstGeom prst="rect">
               <a:avLst/>
@@ -16957,7 +17071,19 @@
                   <a:cs typeface="Calibri"/>
                   <a:sym typeface="Calibri"/>
                 </a:rPr>
-                <a:t>NORMA MÍNIMA</a:t>
+                <a:t>NORMA </a:t>
+              </a:r>
+              <a:r>
+                <a:rPr lang="es-ES" sz="2000" b="1" i="0" u="none" strike="noStrike" cap="none" dirty="0" smtClean="0">
+                  <a:solidFill>
+                    <a:schemeClr val="tx1"/>
+                  </a:solidFill>
+                  <a:latin typeface="Calibri"/>
+                  <a:ea typeface="Calibri"/>
+                  <a:cs typeface="Calibri"/>
+                  <a:sym typeface="Calibri"/>
+                </a:rPr>
+                <a:t>MÍNIMA: Una norma superior establece un mínimo que la norma inferior puede mejorar, pero nunca empeorar.</a:t>
               </a:r>
               <a:endParaRPr sz="2000" b="1" i="0" u="none" strike="noStrike" cap="none" dirty="0">
                 <a:solidFill>
@@ -17032,7 +17158,7 @@
           <p:spPr>
             <a:xfrm>
               <a:off x="611048" y="1108720"/>
-              <a:ext cx="5743033" cy="861834"/>
+              <a:ext cx="6929597" cy="861834"/>
             </a:xfrm>
             <a:prstGeom prst="rect">
               <a:avLst/>
@@ -17066,7 +17192,7 @@
                 <a:buNone/>
               </a:pPr>
               <a:r>
-                <a:rPr lang="es-ES" sz="2000" b="1" i="0" u="none" strike="noStrike" cap="none">
+                <a:rPr lang="es-ES" sz="2000" b="1" i="0" u="none" strike="noStrike" cap="none" dirty="0">
                   <a:solidFill>
                     <a:schemeClr val="tx1"/>
                   </a:solidFill>
@@ -17075,9 +17201,21 @@
                   <a:cs typeface="Calibri"/>
                   <a:sym typeface="Calibri"/>
                 </a:rPr>
-                <a:t>PRINCIPIO DE CONDICIÓN MÁS BENEFICIOSA</a:t>
+                <a:t>PRINCIPIO DE CONDICIÓN MÁS </a:t>
               </a:r>
-              <a:endParaRPr sz="2000" b="1" i="0" u="none" strike="noStrike" cap="none">
+              <a:r>
+                <a:rPr lang="es-ES" sz="2000" b="1" i="0" u="none" strike="noStrike" cap="none" dirty="0" smtClean="0">
+                  <a:solidFill>
+                    <a:schemeClr val="tx1"/>
+                  </a:solidFill>
+                  <a:latin typeface="Calibri"/>
+                  <a:ea typeface="Calibri"/>
+                  <a:cs typeface="Calibri"/>
+                  <a:sym typeface="Calibri"/>
+                </a:rPr>
+                <a:t>BENEFICIOSA: Un trabajador tendrá derecho a conservar sus condiciones laborales pactadas incluso cuando esas condiciones no se ajusten a lo que la ley diga.</a:t>
+              </a:r>
+              <a:endParaRPr sz="2000" b="1" i="0" u="none" strike="noStrike" cap="none" dirty="0">
                 <a:solidFill>
                   <a:schemeClr val="tx1"/>
                 </a:solidFill>
@@ -17150,7 +17288,7 @@
           <p:spPr>
             <a:xfrm>
               <a:off x="1186563" y="2190627"/>
-              <a:ext cx="5751753" cy="861834"/>
+              <a:ext cx="6949131" cy="861834"/>
             </a:xfrm>
             <a:prstGeom prst="rect">
               <a:avLst/>
@@ -17184,7 +17322,7 @@
                 <a:buNone/>
               </a:pPr>
               <a:r>
-                <a:rPr lang="es-ES" sz="2000" b="1" i="0" u="none" strike="noStrike" cap="none">
+                <a:rPr lang="es-ES" sz="2000" b="1" i="0" u="none" strike="noStrike" cap="none" dirty="0">
                   <a:solidFill>
                     <a:schemeClr val="tx1"/>
                   </a:solidFill>
@@ -17193,9 +17331,21 @@
                   <a:cs typeface="Calibri"/>
                   <a:sym typeface="Calibri"/>
                 </a:rPr>
-                <a:t>PRINCIPIO DE IRRENUNCIABILIDAD DE DERECHOS </a:t>
+                <a:t>PRINCIPIO DE IRRENUNCIABILIDAD DE </a:t>
               </a:r>
-              <a:endParaRPr>
+              <a:r>
+                <a:rPr lang="es-ES" sz="2000" b="1" i="0" u="none" strike="noStrike" cap="none" dirty="0" smtClean="0">
+                  <a:solidFill>
+                    <a:schemeClr val="tx1"/>
+                  </a:solidFill>
+                  <a:latin typeface="Calibri"/>
+                  <a:ea typeface="Calibri"/>
+                  <a:cs typeface="Calibri"/>
+                  <a:sym typeface="Calibri"/>
+                </a:rPr>
+                <a:t>DERECHOS: Un trabajador no puede renunciar a los derechos recogidos en una ley pero si podrá renunciar a aquellos derechos reconocidos en su contrato que supongan un exceso de lo que marca la ley. </a:t>
+              </a:r>
+              <a:endParaRPr dirty="0">
                 <a:solidFill>
                   <a:schemeClr val="tx1"/>
                 </a:solidFill>
@@ -23218,7 +23368,7 @@
         <p:spPr>
           <a:xfrm>
             <a:off x="720992" y="1669774"/>
-            <a:ext cx="4492454" cy="2690685"/>
+            <a:ext cx="4492454" cy="3099762"/>
           </a:xfrm>
           <a:prstGeom prst="rect">
             <a:avLst/>
@@ -23232,11 +23382,11 @@
         </p:spPr>
         <p:txBody>
           <a:bodyPr spcFirstLastPara="1" wrap="square" lIns="91425" tIns="45700" rIns="91425" bIns="45700" anchor="t" anchorCtr="0">
-            <a:normAutofit fontScale="92500" lnSpcReduction="20000"/>
+            <a:normAutofit lnSpcReduction="10000"/>
           </a:bodyPr>
           <a:lstStyle/>
           <a:p>
-            <a:pPr marL="914400" lvl="2" indent="0" algn="l" rtl="0">
+            <a:pPr marL="914400" lvl="2" indent="0" rtl="0">
               <a:lnSpc>
                 <a:spcPct val="90000"/>
               </a:lnSpc>
@@ -23253,22 +23403,30 @@
               <a:buNone/>
             </a:pPr>
             <a:r>
-              <a:rPr lang="es-ES" sz="1800" b="1" dirty="0" smtClean="0">
+              <a:rPr lang="es-ES" sz="1200" b="1" dirty="0" smtClean="0">
                 <a:solidFill>
                   <a:schemeClr val="tx1"/>
                 </a:solidFill>
               </a:rPr>
-              <a:t>ACUERDO ENTRE EMPRESARIO </a:t>
+              <a:t>ACUERDO ENTRE EMPRESARIO Y </a:t>
             </a:r>
             <a:r>
-              <a:rPr lang="es-ES" sz="1800" b="1" smtClean="0">
+              <a:rPr lang="es-ES" sz="1200" b="1" dirty="0" smtClean="0">
                 <a:solidFill>
                   <a:schemeClr val="tx1"/>
                 </a:solidFill>
               </a:rPr>
-              <a:t>Y TRABAJADORQUE REGULA LAS CONDICIONES DE TRABAJO</a:t>
+              <a:t>TRABAJADOR QUE </a:t>
             </a:r>
-            <a:endParaRPr sz="1800" b="1" dirty="0">
+            <a:r>
+              <a:rPr lang="es-ES" sz="1200" b="1" dirty="0" smtClean="0">
+                <a:solidFill>
+                  <a:schemeClr val="tx1"/>
+                </a:solidFill>
+              </a:rPr>
+              <a:t>REGULA LAS CONDICIONES DE TRABAJO</a:t>
+            </a:r>
+            <a:endParaRPr sz="1200" b="1" dirty="0">
               <a:solidFill>
                 <a:schemeClr val="tx1"/>
               </a:solidFill>
@@ -23328,8 +23486,21 @@
                   <a:schemeClr val="tx1"/>
                 </a:solidFill>
               </a:rPr>
-              <a:t>- VALONTARIO </a:t>
+              <a:t>- </a:t>
             </a:r>
+            <a:r>
+              <a:rPr lang="es-ES" sz="1800" b="1" dirty="0" smtClean="0">
+                <a:solidFill>
+                  <a:schemeClr val="tx1"/>
+                </a:solidFill>
+              </a:rPr>
+              <a:t>VOLUNTARIO </a:t>
+            </a:r>
+            <a:endParaRPr lang="es-ES" sz="1800" b="1" dirty="0" smtClean="0">
+              <a:solidFill>
+                <a:schemeClr val="tx1"/>
+              </a:solidFill>
+            </a:endParaRPr>
           </a:p>
           <a:p>
             <a:pPr marL="228600" lvl="0" indent="-228600" algn="l" rtl="0">
@@ -23437,9 +23608,51 @@
                   <a:schemeClr val="tx1"/>
                 </a:solidFill>
               </a:rPr>
-              <a:t>- POR CUENTA AJENA</a:t>
+              <a:t>- POR CUENTA </a:t>
             </a:r>
-            <a:endParaRPr dirty="0">
+            <a:r>
+              <a:rPr lang="es-ES" sz="1800" b="1" dirty="0" smtClean="0">
+                <a:solidFill>
+                  <a:schemeClr val="tx1"/>
+                </a:solidFill>
+              </a:rPr>
+              <a:t>AJENA: </a:t>
+            </a:r>
+            <a:r>
+              <a:rPr lang="es-ES" sz="1100" b="1" dirty="0" smtClean="0">
+                <a:solidFill>
+                  <a:schemeClr val="tx1"/>
+                </a:solidFill>
+              </a:rPr>
+              <a:t>EL RESULTADO DE MI TRABAJO PERTENECE AL EMPRESARIO.</a:t>
+            </a:r>
+          </a:p>
+          <a:p>
+            <a:pPr marL="0" lvl="0" indent="0" algn="l" rtl="0">
+              <a:lnSpc>
+                <a:spcPct val="90000"/>
+              </a:lnSpc>
+              <a:spcBef>
+                <a:spcPts val="1000"/>
+              </a:spcBef>
+              <a:spcAft>
+                <a:spcPts val="0"/>
+              </a:spcAft>
+              <a:buClr>
+                <a:schemeClr val="dk1"/>
+              </a:buClr>
+              <a:buSzPts val="1800"/>
+              <a:buNone/>
+            </a:pPr>
+            <a:r>
+              <a:rPr lang="es-ES" sz="1100" b="1" dirty="0" smtClean="0">
+                <a:solidFill>
+                  <a:schemeClr val="tx1"/>
+                </a:solidFill>
+              </a:rPr>
+              <a:t>SI SE CUMPLE TODO ESTO SE LE APLICA LA LET (LEY DE ESTATUTOS DE TRABAJADORES)</a:t>
+            </a:r>
+            <a:endParaRPr sz="1100" dirty="0">
               <a:solidFill>
                 <a:schemeClr val="tx1"/>
               </a:solidFill>
@@ -24243,10 +24456,22 @@
               <a:buNone/>
             </a:pPr>
             <a:r>
-              <a:rPr lang="es-ES" sz="3200" b="1"/>
-              <a:t>RELACIONES QUE NO SE CONSIDERAN CONTRATO DE TRABAJO</a:t>
+              <a:rPr lang="es-ES" sz="3200" b="1" dirty="0"/>
+              <a:t>RELACIONES QUE </a:t>
             </a:r>
-            <a:endParaRPr/>
+            <a:r>
+              <a:rPr lang="es-ES" sz="3200" b="1" u="sng" dirty="0">
+                <a:solidFill>
+                  <a:srgbClr val="FF0000"/>
+                </a:solidFill>
+              </a:rPr>
+              <a:t>NO</a:t>
+            </a:r>
+            <a:r>
+              <a:rPr lang="es-ES" sz="3200" b="1" dirty="0"/>
+              <a:t> SE CONSIDERAN CONTRATO DE TRABAJO</a:t>
+            </a:r>
+            <a:endParaRPr dirty="0"/>
           </a:p>
         </p:txBody>
       </p:sp>
@@ -24283,7 +24508,7 @@
         </p:spPr>
         <p:txBody>
           <a:bodyPr spcFirstLastPara="1" wrap="square" lIns="91425" tIns="45700" rIns="91425" bIns="45700" anchor="t" anchorCtr="0">
-            <a:normAutofit/>
+            <a:normAutofit fontScale="77500" lnSpcReduction="20000"/>
           </a:bodyPr>
           <a:lstStyle/>
           <a:p>
@@ -24304,14 +24529,108 @@
               <a:buNone/>
             </a:pPr>
             <a:r>
-              <a:rPr lang="es-ES" sz="2590">
+              <a:rPr lang="es-ES" sz="2590" dirty="0" smtClean="0">
                 <a:solidFill>
                   <a:srgbClr val="2F5496"/>
                 </a:solidFill>
               </a:rPr>
-              <a:t>EXCLUIDAS</a:t>
+              <a:t>EXCLUIDAS DEL DERECHO LABORAL </a:t>
             </a:r>
-            <a:endParaRPr/>
+          </a:p>
+          <a:p>
+            <a:pPr marL="0" lvl="0" indent="0" algn="ctr" rtl="0">
+              <a:lnSpc>
+                <a:spcPct val="190000"/>
+              </a:lnSpc>
+              <a:spcBef>
+                <a:spcPts val="0"/>
+              </a:spcBef>
+              <a:spcAft>
+                <a:spcPts val="0"/>
+              </a:spcAft>
+              <a:buClr>
+                <a:srgbClr val="2F5496"/>
+              </a:buClr>
+              <a:buSzPts val="2590"/>
+              <a:buNone/>
+            </a:pPr>
+            <a:r>
+              <a:rPr lang="es-ES" sz="1300" dirty="0" smtClean="0">
+                <a:solidFill>
+                  <a:srgbClr val="2F5496"/>
+                </a:solidFill>
+              </a:rPr>
+              <a:t>(LE FALTA 1 </a:t>
+            </a:r>
+            <a:r>
+              <a:rPr lang="es-ES" sz="1300" dirty="0" err="1" smtClean="0">
+                <a:solidFill>
+                  <a:srgbClr val="2F5496"/>
+                </a:solidFill>
+              </a:rPr>
+              <a:t>ó</a:t>
+            </a:r>
+            <a:r>
+              <a:rPr lang="es-ES" sz="1300" dirty="0" smtClean="0">
+                <a:solidFill>
+                  <a:srgbClr val="2F5496"/>
+                </a:solidFill>
+              </a:rPr>
+              <a:t> MAS DE LOS ANTERIORES REQUISITOS Y NO SE LES APLICA LA LET)</a:t>
+            </a:r>
+            <a:endParaRPr sz="1300" dirty="0"/>
+          </a:p>
+          <a:p>
+            <a:pPr marL="228600" lvl="0" indent="-228600"/>
+            <a:r>
+              <a:rPr lang="es-ES" sz="2590" dirty="0" smtClean="0"/>
+              <a:t>Autónomos </a:t>
+            </a:r>
+            <a:r>
+              <a:rPr lang="es-ES" sz="1200" dirty="0" smtClean="0"/>
+              <a:t>(falta </a:t>
+            </a:r>
+            <a:r>
+              <a:rPr lang="es-ES" sz="1200" b="1" dirty="0" smtClean="0">
+                <a:solidFill>
+                  <a:schemeClr val="tx1"/>
+                </a:solidFill>
+              </a:rPr>
+              <a:t>RELACION DEPENDIENTE</a:t>
+            </a:r>
+            <a:r>
+              <a:rPr lang="es-ES" sz="1200" dirty="0" smtClean="0">
+                <a:solidFill>
+                  <a:schemeClr val="tx1"/>
+                </a:solidFill>
+              </a:rPr>
+              <a:t> y </a:t>
+            </a:r>
+            <a:r>
+              <a:rPr lang="es-ES" sz="1200" b="1" dirty="0" smtClean="0">
+                <a:solidFill>
+                  <a:schemeClr val="tx1"/>
+                </a:solidFill>
+              </a:rPr>
+              <a:t>POR </a:t>
+            </a:r>
+            <a:r>
+              <a:rPr lang="es-ES" sz="1200" b="1" dirty="0">
+                <a:solidFill>
+                  <a:schemeClr val="tx1"/>
+                </a:solidFill>
+              </a:rPr>
+              <a:t>CUENTA </a:t>
+            </a:r>
+            <a:r>
+              <a:rPr lang="es-ES" sz="1200" b="1" dirty="0" smtClean="0">
+                <a:solidFill>
+                  <a:schemeClr val="tx1"/>
+                </a:solidFill>
+              </a:rPr>
+              <a:t>AJENA)</a:t>
+            </a:r>
+            <a:endParaRPr sz="1200" dirty="0"/>
           </a:p>
           <a:p>
             <a:pPr marL="285750" lvl="0" indent="-285750" algn="l" rtl="0">
@@ -24331,10 +24650,14 @@
               <a:buChar char="•"/>
             </a:pPr>
             <a:r>
-              <a:rPr lang="es-ES" sz="2590"/>
-              <a:t>Autónomos</a:t>
+              <a:rPr lang="es-ES" sz="2590" dirty="0"/>
+              <a:t>Trabajo en </a:t>
             </a:r>
-            <a:endParaRPr/>
+            <a:r>
+              <a:rPr lang="es-ES" sz="2590" dirty="0" smtClean="0"/>
+              <a:t>ONG (FALRA REMUNERACION)</a:t>
+            </a:r>
+            <a:endParaRPr dirty="0"/>
           </a:p>
           <a:p>
             <a:pPr marL="285750" lvl="0" indent="-285750" algn="l" rtl="0">
@@ -24354,33 +24677,14 @@
               <a:buChar char="•"/>
             </a:pPr>
             <a:r>
-              <a:rPr lang="es-ES" sz="2590"/>
-              <a:t>Trabajo en ONG</a:t>
+              <a:rPr lang="es-ES" sz="2590" dirty="0"/>
+              <a:t>Trabajos a la comunidad, representante en mesa </a:t>
             </a:r>
-            <a:endParaRPr/>
-          </a:p>
-          <a:p>
-            <a:pPr marL="285750" lvl="0" indent="-285750" algn="l" rtl="0">
-              <a:lnSpc>
-                <a:spcPct val="190000"/>
-              </a:lnSpc>
-              <a:spcBef>
-                <a:spcPts val="1000"/>
-              </a:spcBef>
-              <a:spcAft>
-                <a:spcPts val="0"/>
-              </a:spcAft>
-              <a:buClr>
-                <a:schemeClr val="dk1"/>
-              </a:buClr>
-              <a:buSzPts val="2590"/>
-              <a:buChar char="•"/>
-            </a:pPr>
             <a:r>
-              <a:rPr lang="es-ES" sz="2590"/>
-              <a:t>Trabajos a la comunidad, representante en mesa electoral</a:t>
+              <a:rPr lang="es-ES" sz="2590" dirty="0" smtClean="0"/>
+              <a:t>electoral(FALTA VOLUNTARIEDAD)</a:t>
             </a:r>
-            <a:endParaRPr/>
+            <a:endParaRPr dirty="0"/>
           </a:p>
           <a:p>
             <a:pPr marL="228600" lvl="0" indent="-64135" algn="l" rtl="0">
@@ -24399,7 +24703,7 @@
               <a:buSzPts val="2590"/>
               <a:buNone/>
             </a:pPr>
-            <a:endParaRPr sz="2590"/>
+            <a:endParaRPr sz="2590" dirty="0"/>
           </a:p>
         </p:txBody>
       </p:sp>
@@ -24476,14 +24780,48 @@
               <a:buNone/>
             </a:pPr>
             <a:r>
-              <a:rPr lang="es-ES" sz="2590" dirty="0">
+              <a:rPr lang="es-ES" sz="2590" dirty="0" smtClean="0">
                 <a:solidFill>
                   <a:srgbClr val="C55A11"/>
                 </a:solidFill>
               </a:rPr>
-              <a:t>ESPECIALES</a:t>
+              <a:t>ESPECIALES </a:t>
             </a:r>
-            <a:endParaRPr dirty="0"/>
+          </a:p>
+          <a:p>
+            <a:pPr marL="0" lvl="0" indent="0" algn="ctr" rtl="0">
+              <a:lnSpc>
+                <a:spcPct val="80000"/>
+              </a:lnSpc>
+              <a:spcBef>
+                <a:spcPts val="1000"/>
+              </a:spcBef>
+              <a:spcAft>
+                <a:spcPts val="0"/>
+              </a:spcAft>
+              <a:buClr>
+                <a:srgbClr val="C55A11"/>
+              </a:buClr>
+              <a:buSzPts val="2590"/>
+              <a:buNone/>
+            </a:pPr>
+            <a:r>
+              <a:rPr lang="es-ES" sz="1200" dirty="0" smtClean="0">
+                <a:solidFill>
+                  <a:srgbClr val="C55A11"/>
+                </a:solidFill>
+              </a:rPr>
+              <a:t>(R</a:t>
+            </a:r>
+            <a:r>
+              <a:rPr lang="es-ES" sz="1200" dirty="0" smtClean="0">
+                <a:solidFill>
+                  <a:srgbClr val="C55A11"/>
+                </a:solidFill>
+              </a:rPr>
+              <a:t>equieren ley propia y si esa ley no regula algo, supletoriamente se le aplica la LET)</a:t>
+            </a:r>
+            <a:endParaRPr sz="1200" dirty="0"/>
           </a:p>
           <a:p>
             <a:pPr marL="228600" lvl="0" indent="-64135" algn="l" rtl="0">
@@ -24658,7 +24996,7 @@
         </p:nvGrpSpPr>
         <p:grpSpPr>
           <a:xfrm>
-            <a:off x="1242173" y="1325218"/>
+            <a:off x="1215796" y="1325452"/>
             <a:ext cx="4061509" cy="4543643"/>
             <a:chOff x="500051" y="0"/>
             <a:chExt cx="4061509" cy="4543643"/>
@@ -25702,7 +26040,7 @@
                 <a:buNone/>
               </a:pPr>
               <a:r>
-                <a:rPr lang="es-ES" sz="2000" b="1" i="0" u="none" strike="noStrike" cap="none">
+                <a:rPr lang="es-ES" sz="2000" b="1" i="0" u="none" strike="noStrike" cap="none" dirty="0" smtClean="0">
                   <a:solidFill>
                     <a:schemeClr val="tx1"/>
                   </a:solidFill>
@@ -25711,11 +26049,23 @@
                   <a:cs typeface="Calibri"/>
                   <a:sym typeface="Calibri"/>
                 </a:rPr>
-                <a:t>Tío</a:t>
+                <a:t>Tío </a:t>
               </a:r>
-              <a:endParaRPr>
+              <a:r>
+                <a:rPr lang="es-ES" sz="2000" b="1" i="0" u="none" strike="noStrike" cap="none" dirty="0" smtClean="0">
+                  <a:solidFill>
+                    <a:schemeClr val="accent1"/>
+                  </a:solidFill>
+                  <a:latin typeface="Calibri"/>
+                  <a:ea typeface="Calibri"/>
+                  <a:cs typeface="Calibri"/>
+                  <a:sym typeface="Calibri"/>
+                </a:rPr>
+                <a:t>(3 GRADO)</a:t>
+              </a:r>
+              <a:endParaRPr dirty="0">
                 <a:solidFill>
-                  <a:schemeClr val="tx1"/>
+                  <a:schemeClr val="accent1"/>
                 </a:solidFill>
               </a:endParaRPr>
             </a:p>
@@ -25749,7 +26099,7 @@
         </p:spPr>
         <p:txBody>
           <a:bodyPr spcFirstLastPara="1" wrap="square" lIns="91425" tIns="45700" rIns="91425" bIns="45700" anchor="t" anchorCtr="0">
-            <a:normAutofit/>
+            <a:normAutofit lnSpcReduction="10000"/>
           </a:bodyPr>
           <a:lstStyle/>
           <a:p>
@@ -25770,14 +26120,14 @@
               <a:buNone/>
             </a:pPr>
             <a:r>
-              <a:rPr lang="es-ES" sz="2380" b="1">
+              <a:rPr lang="es-ES" sz="2380" b="1" dirty="0">
                 <a:solidFill>
                   <a:srgbClr val="1F3864"/>
                 </a:solidFill>
               </a:rPr>
               <a:t>RÉGIMEN TRABAJOS FAMILIARES</a:t>
             </a:r>
-            <a:endParaRPr/>
+            <a:endParaRPr dirty="0"/>
           </a:p>
           <a:p>
             <a:pPr marL="0" lvl="0" indent="0" algn="l" rtl="0">
@@ -25797,10 +26147,26 @@
               <a:buNone/>
             </a:pPr>
             <a:r>
-              <a:rPr lang="es-ES" sz="2380"/>
-              <a:t>Hasta el segundo grado, no se considera trabajador con contrato laboral</a:t>
+              <a:rPr lang="es-ES" sz="2380" dirty="0"/>
+              <a:t>Hasta el segundo grado, no se considera trabajador con contrato </a:t>
             </a:r>
-            <a:endParaRPr/>
+            <a:r>
+              <a:rPr lang="es-ES" sz="2380" dirty="0" smtClean="0"/>
+              <a:t>laboral </a:t>
+            </a:r>
+            <a:r>
+              <a:rPr lang="es-ES" sz="1100" dirty="0" smtClean="0">
+                <a:solidFill>
+                  <a:srgbClr val="FF0000"/>
+                </a:solidFill>
+              </a:rPr>
+              <a:t>(NO CUENTA AJENA)</a:t>
+            </a:r>
+            <a:endParaRPr sz="1100" dirty="0">
+              <a:solidFill>
+                <a:srgbClr val="FF0000"/>
+              </a:solidFill>
+            </a:endParaRPr>
           </a:p>
           <a:p>
             <a:pPr marL="1143000" lvl="2" indent="-228600" algn="l" rtl="0">
@@ -25821,10 +26187,18 @@
               <a:buChar char="▪"/>
             </a:pPr>
             <a:r>
-              <a:rPr lang="es-ES" sz="1700"/>
-              <a:t>Tendrá que darse de alta como autónomo colaborador </a:t>
+              <a:rPr lang="es-ES" sz="1700" dirty="0" smtClean="0"/>
+              <a:t>Regla general: Tendrá </a:t>
             </a:r>
-            <a:endParaRPr/>
+            <a:r>
+              <a:rPr lang="es-ES" sz="1700" dirty="0"/>
+              <a:t>que darse de alta como </a:t>
+            </a:r>
+            <a:r>
+              <a:rPr lang="es-ES" sz="1700" u="sng" dirty="0"/>
+              <a:t>autónomo colaborador </a:t>
+            </a:r>
+            <a:endParaRPr u="sng" dirty="0"/>
           </a:p>
           <a:p>
             <a:pPr marL="1143000" lvl="2" indent="-228600" algn="l" rtl="0">
@@ -25845,10 +26219,22 @@
               <a:buChar char="▪"/>
             </a:pPr>
             <a:r>
-              <a:rPr lang="es-ES" sz="1700"/>
-              <a:t>Salvo prueba en contrario (que viva fuera del hogar familiar y por sus propios medios)</a:t>
+              <a:rPr lang="es-ES" sz="1700" dirty="0" smtClean="0">
+                <a:solidFill>
+                  <a:srgbClr val="FF0000"/>
+                </a:solidFill>
+              </a:rPr>
+              <a:t>Primera excepción: </a:t>
             </a:r>
-            <a:endParaRPr/>
+            <a:r>
+              <a:rPr lang="es-ES" sz="1700" dirty="0" smtClean="0"/>
+              <a:t>Salvo </a:t>
+            </a:r>
+            <a:r>
+              <a:rPr lang="es-ES" sz="1700" dirty="0"/>
+              <a:t>prueba en contrario (que viva fuera del hogar familiar y por sus propios medios)</a:t>
+            </a:r>
+            <a:endParaRPr dirty="0"/>
           </a:p>
           <a:p>
             <a:pPr marL="1143000" lvl="2" indent="-228600" algn="l" rtl="0">
@@ -25869,13 +26255,124 @@
               <a:buChar char="▪"/>
             </a:pPr>
             <a:r>
-              <a:rPr lang="es-ES" sz="1700"/>
-              <a:t>Los hijos menores de 30 años que convivan con el empresario= contrato laboral, pero sin desempleo.</a:t>
+              <a:rPr lang="es-ES" sz="1700" dirty="0" smtClean="0">
+                <a:solidFill>
+                  <a:srgbClr val="FF0000"/>
+                </a:solidFill>
+              </a:rPr>
+              <a:t>Segunda excepción: </a:t>
             </a:r>
-            <a:endParaRPr/>
+            <a:r>
+              <a:rPr lang="es-ES" sz="1700" dirty="0" smtClean="0"/>
+              <a:t>Los </a:t>
+            </a:r>
+            <a:r>
+              <a:rPr lang="es-ES" sz="1700" dirty="0"/>
+              <a:t>hijos menores de 30 años que convivan con el empresario= contrato laboral, pero sin desempleo.</a:t>
+            </a:r>
+            <a:endParaRPr dirty="0"/>
           </a:p>
         </p:txBody>
       </p:sp>
+      <p:cxnSp>
+        <p:nvCxnSpPr>
+          <p:cNvPr id="3" name="Conector recto de flecha 2"/>
+          <p:cNvCxnSpPr/>
+          <p:nvPr/>
+        </p:nvCxnSpPr>
+        <p:spPr>
+          <a:xfrm flipV="1">
+            <a:off x="2294792" y="2804746"/>
+            <a:ext cx="307683" cy="518746"/>
+          </a:xfrm>
+          <a:prstGeom prst="straightConnector1">
+            <a:avLst/>
+          </a:prstGeom>
+          <a:ln>
+            <a:tailEnd type="triangle"/>
+          </a:ln>
+        </p:spPr>
+        <p:style>
+          <a:lnRef idx="1">
+            <a:schemeClr val="accent1"/>
+          </a:lnRef>
+          <a:fillRef idx="0">
+            <a:schemeClr val="accent1"/>
+          </a:fillRef>
+          <a:effectRef idx="0">
+            <a:schemeClr val="accent1"/>
+          </a:effectRef>
+          <a:fontRef idx="minor">
+            <a:schemeClr val="tx1"/>
+          </a:fontRef>
+        </p:style>
+      </p:cxnSp>
+      <p:cxnSp>
+        <p:nvCxnSpPr>
+          <p:cNvPr id="5" name="Conector recto de flecha 4"/>
+          <p:cNvCxnSpPr/>
+          <p:nvPr/>
+        </p:nvCxnSpPr>
+        <p:spPr>
+          <a:xfrm flipV="1">
+            <a:off x="2791749" y="1920909"/>
+            <a:ext cx="369277" cy="509954"/>
+          </a:xfrm>
+          <a:prstGeom prst="straightConnector1">
+            <a:avLst/>
+          </a:prstGeom>
+          <a:ln>
+            <a:tailEnd type="triangle"/>
+          </a:ln>
+        </p:spPr>
+        <p:style>
+          <a:lnRef idx="1">
+            <a:schemeClr val="accent1"/>
+          </a:lnRef>
+          <a:fillRef idx="0">
+            <a:schemeClr val="accent1"/>
+          </a:fillRef>
+          <a:effectRef idx="0">
+            <a:schemeClr val="accent1"/>
+          </a:effectRef>
+          <a:fontRef idx="minor">
+            <a:schemeClr val="tx1"/>
+          </a:fontRef>
+        </p:style>
+      </p:cxnSp>
+      <p:cxnSp>
+        <p:nvCxnSpPr>
+          <p:cNvPr id="7" name="Conector recto de flecha 6"/>
+          <p:cNvCxnSpPr/>
+          <p:nvPr/>
+        </p:nvCxnSpPr>
+        <p:spPr>
+          <a:xfrm>
+            <a:off x="3727096" y="1837592"/>
+            <a:ext cx="381347" cy="606670"/>
+          </a:xfrm>
+          <a:prstGeom prst="straightConnector1">
+            <a:avLst/>
+          </a:prstGeom>
+          <a:ln>
+            <a:tailEnd type="triangle"/>
+          </a:ln>
+        </p:spPr>
+        <p:style>
+          <a:lnRef idx="1">
+            <a:schemeClr val="accent1"/>
+          </a:lnRef>
+          <a:fillRef idx="0">
+            <a:schemeClr val="accent1"/>
+          </a:fillRef>
+          <a:effectRef idx="0">
+            <a:schemeClr val="accent1"/>
+          </a:effectRef>
+          <a:fontRef idx="minor">
+            <a:schemeClr val="tx1"/>
+          </a:fontRef>
+        </p:style>
+      </p:cxnSp>
     </p:spTree>
   </p:cSld>
   <p:clrMapOvr>
@@ -26242,7 +26739,7 @@
         </p:spPr>
         <p:txBody>
           <a:bodyPr spcFirstLastPara="1" wrap="square" lIns="91425" tIns="45700" rIns="91425" bIns="45700" anchor="ctr" anchorCtr="0">
-            <a:normAutofit/>
+            <a:normAutofit fontScale="62500" lnSpcReduction="20000"/>
           </a:bodyPr>
           <a:lstStyle/>
           <a:p>
@@ -26296,20 +26793,10 @@
             </a:endParaRPr>
           </a:p>
           <a:p>
-            <a:pPr marL="685800" lvl="1" indent="-228600" algn="l" rtl="0">
-              <a:lnSpc>
-                <a:spcPct val="90000"/>
-              </a:lnSpc>
-              <a:spcBef>
-                <a:spcPts val="500"/>
-              </a:spcBef>
-              <a:spcAft>
-                <a:spcPts val="0"/>
-              </a:spcAft>
+            <a:pPr marL="685800" lvl="1" indent="-228600">
               <a:buClr>
                 <a:srgbClr val="000000"/>
               </a:buClr>
-              <a:buSzPts val="1800"/>
               <a:buFont typeface="Noto Sans Symbols"/>
               <a:buChar char="▪"/>
             </a:pPr>
@@ -26319,8 +26806,100 @@
                   <a:srgbClr val="000000"/>
                 </a:solidFill>
               </a:rPr>
-              <a:t>Juan tiene 25 años pero vive independizado desde hace 2 años siendo económicamente independiente.</a:t>
+              <a:t>Juan tiene 25 años pero vive independizado desde hace 2 años siendo económicamente independiente</a:t>
             </a:r>
+            <a:r>
+              <a:rPr lang="es-ES" sz="1800" dirty="0" smtClean="0">
+                <a:solidFill>
+                  <a:srgbClr val="000000"/>
+                </a:solidFill>
+              </a:rPr>
+              <a:t>.</a:t>
+            </a:r>
+            <a:r>
+              <a:rPr lang="es-ES" dirty="0">
+                <a:solidFill>
+                  <a:srgbClr val="FF0000"/>
+                </a:solidFill>
+              </a:rPr>
+              <a:t> Solo lo podrá tener Juan, ya que, aunque tiene 25 años, vive fuera de la unidad familiar. Primera excepción.</a:t>
+            </a:r>
+          </a:p>
+          <a:p>
+            <a:pPr marL="685800" lvl="1" indent="-114300" algn="l" rtl="0">
+              <a:lnSpc>
+                <a:spcPct val="90000"/>
+              </a:lnSpc>
+              <a:spcBef>
+                <a:spcPts val="500"/>
+              </a:spcBef>
+              <a:spcAft>
+                <a:spcPts val="0"/>
+              </a:spcAft>
+              <a:buClr>
+                <a:schemeClr val="dk1"/>
+              </a:buClr>
+              <a:buSzPts val="1800"/>
+              <a:buFont typeface="Noto Sans Symbols"/>
+              <a:buNone/>
+            </a:pPr>
+            <a:endParaRPr sz="1800" dirty="0">
+              <a:solidFill>
+                <a:srgbClr val="000000"/>
+              </a:solidFill>
+            </a:endParaRPr>
+          </a:p>
+          <a:p>
+            <a:pPr marL="685800" lvl="1" indent="-228600">
+              <a:buClr>
+                <a:srgbClr val="000000"/>
+              </a:buClr>
+              <a:buFont typeface="Noto Sans Symbols"/>
+              <a:buChar char="▪"/>
+            </a:pPr>
+            <a:r>
+              <a:rPr lang="es-ES" sz="1800" dirty="0">
+                <a:solidFill>
+                  <a:srgbClr val="000000"/>
+                </a:solidFill>
+              </a:rPr>
+              <a:t>Pedro tiene 26 años pero convive en el hogar familiar con su padre y con su madre</a:t>
+            </a:r>
+            <a:r>
+              <a:rPr lang="es-ES" sz="1800" dirty="0" smtClean="0">
+                <a:solidFill>
+                  <a:srgbClr val="000000"/>
+                </a:solidFill>
+              </a:rPr>
+              <a:t>.</a:t>
+            </a:r>
+            <a:r>
+              <a:rPr lang="es-ES" dirty="0">
+                <a:solidFill>
+                  <a:srgbClr val="FF0000"/>
+                </a:solidFill>
+              </a:rPr>
+              <a:t> Un contrato de trabajo normal: Un contrato sin derecho a paro. Pedro, ya que es menor de 30 y dependiente de la unidad familiar. Segunda excepción.</a:t>
+            </a:r>
+          </a:p>
+          <a:p>
+            <a:pPr marL="685800" lvl="1" indent="-228600" algn="l" rtl="0">
+              <a:lnSpc>
+                <a:spcPct val="90000"/>
+              </a:lnSpc>
+              <a:spcBef>
+                <a:spcPts val="500"/>
+              </a:spcBef>
+              <a:spcAft>
+                <a:spcPts val="0"/>
+              </a:spcAft>
+              <a:buClr>
+                <a:srgbClr val="000000"/>
+              </a:buClr>
+              <a:buSzPts val="1800"/>
+              <a:buFont typeface="Noto Sans Symbols"/>
+              <a:buChar char="▪"/>
+            </a:pPr>
             <a:endParaRPr dirty="0"/>
           </a:p>
           <a:p>
@@ -26339,6 +26918,93 @@
               </a:buClr>
               <a:buSzPts val="1800"/>
               <a:buFont typeface="Noto Sans Symbols"/>
+              <a:buNone/>
+            </a:pPr>
+            <a:endParaRPr sz="1800" dirty="0">
+              <a:solidFill>
+                <a:srgbClr val="000000"/>
+              </a:solidFill>
+            </a:endParaRPr>
+          </a:p>
+          <a:p>
+            <a:pPr marL="685800" lvl="1" indent="-228600">
+              <a:buClr>
+                <a:srgbClr val="000000"/>
+              </a:buClr>
+              <a:buFont typeface="Noto Sans Symbols"/>
+              <a:buChar char="▪"/>
+            </a:pPr>
+            <a:r>
+              <a:rPr lang="es-ES" sz="1800" dirty="0">
+                <a:solidFill>
+                  <a:srgbClr val="000000"/>
+                </a:solidFill>
+              </a:rPr>
+              <a:t>Luis tiene 31 años y al igual que Pedro convive en el hogar familiar con su padre y con su madre</a:t>
+            </a:r>
+            <a:r>
+              <a:rPr lang="es-ES" sz="1800" dirty="0" smtClean="0">
+                <a:solidFill>
+                  <a:srgbClr val="000000"/>
+                </a:solidFill>
+              </a:rPr>
+              <a:t>. </a:t>
+            </a:r>
+            <a:r>
+              <a:rPr lang="es-ES" sz="1800" dirty="0" smtClean="0">
+                <a:solidFill>
+                  <a:srgbClr val="FF0000"/>
+                </a:solidFill>
+              </a:rPr>
+              <a:t>Autónomo colaborador </a:t>
+            </a:r>
+            <a:r>
+              <a:rPr lang="es-ES" dirty="0">
+                <a:solidFill>
+                  <a:srgbClr val="FF0000"/>
+                </a:solidFill>
+              </a:rPr>
+              <a:t>(siguiendo la regla general).</a:t>
+            </a:r>
+          </a:p>
+          <a:p>
+            <a:pPr marL="457200" lvl="1" indent="0" algn="l" rtl="0">
+              <a:lnSpc>
+                <a:spcPct val="90000"/>
+              </a:lnSpc>
+              <a:spcBef>
+                <a:spcPts val="500"/>
+              </a:spcBef>
+              <a:spcAft>
+                <a:spcPts val="0"/>
+              </a:spcAft>
+              <a:buClr>
+                <a:srgbClr val="000000"/>
+              </a:buClr>
+              <a:buSzPts val="1800"/>
+              <a:buNone/>
+            </a:pPr>
+            <a:endParaRPr dirty="0">
+              <a:solidFill>
+                <a:srgbClr val="FF0000"/>
+              </a:solidFill>
+            </a:endParaRPr>
+          </a:p>
+          <a:p>
+            <a:pPr marL="685800" lvl="1" indent="-114300" algn="l" rtl="0">
+              <a:lnSpc>
+                <a:spcPct val="90000"/>
+              </a:lnSpc>
+              <a:spcBef>
+                <a:spcPts val="500"/>
+              </a:spcBef>
+              <a:spcAft>
+                <a:spcPts val="0"/>
+              </a:spcAft>
+              <a:buClr>
+                <a:schemeClr val="dk1"/>
+              </a:buClr>
+              <a:buSzPts val="1800"/>
               <a:buNone/>
             </a:pPr>
             <a:endParaRPr sz="1800" dirty="0">
@@ -26362,109 +27028,6 @@
                 <a:srgbClr val="000000"/>
               </a:buClr>
               <a:buSzPts val="1800"/>
-              <a:buFont typeface="Noto Sans Symbols"/>
-              <a:buChar char="▪"/>
-            </a:pPr>
-            <a:r>
-              <a:rPr lang="es-ES" sz="1800" dirty="0">
-                <a:solidFill>
-                  <a:srgbClr val="000000"/>
-                </a:solidFill>
-              </a:rPr>
-              <a:t>Pedro tiene 26 años pero convive en el hogar familiar con su padre y con su madre.</a:t>
-            </a:r>
-            <a:endParaRPr dirty="0"/>
-          </a:p>
-          <a:p>
-            <a:pPr marL="685800" lvl="1" indent="-114300" algn="l" rtl="0">
-              <a:lnSpc>
-                <a:spcPct val="90000"/>
-              </a:lnSpc>
-              <a:spcBef>
-                <a:spcPts val="500"/>
-              </a:spcBef>
-              <a:spcAft>
-                <a:spcPts val="0"/>
-              </a:spcAft>
-              <a:buClr>
-                <a:schemeClr val="dk1"/>
-              </a:buClr>
-              <a:buSzPts val="1800"/>
-              <a:buFont typeface="Noto Sans Symbols"/>
-              <a:buNone/>
-            </a:pPr>
-            <a:endParaRPr sz="1800" dirty="0">
-              <a:solidFill>
-                <a:srgbClr val="000000"/>
-              </a:solidFill>
-            </a:endParaRPr>
-          </a:p>
-          <a:p>
-            <a:pPr marL="685800" lvl="1" indent="-228600" algn="l" rtl="0">
-              <a:lnSpc>
-                <a:spcPct val="90000"/>
-              </a:lnSpc>
-              <a:spcBef>
-                <a:spcPts val="500"/>
-              </a:spcBef>
-              <a:spcAft>
-                <a:spcPts val="0"/>
-              </a:spcAft>
-              <a:buClr>
-                <a:srgbClr val="000000"/>
-              </a:buClr>
-              <a:buSzPts val="1800"/>
-              <a:buFont typeface="Noto Sans Symbols"/>
-              <a:buChar char="▪"/>
-            </a:pPr>
-            <a:r>
-              <a:rPr lang="es-ES" sz="1800" dirty="0">
-                <a:solidFill>
-                  <a:srgbClr val="000000"/>
-                </a:solidFill>
-              </a:rPr>
-              <a:t>Luis tiene 31 años y al igual que Pedro convive en el hogar familiar con su padre y con su madre.</a:t>
-            </a:r>
-            <a:endParaRPr dirty="0"/>
-          </a:p>
-          <a:p>
-            <a:pPr marL="685800" lvl="1" indent="-114300" algn="l" rtl="0">
-              <a:lnSpc>
-                <a:spcPct val="90000"/>
-              </a:lnSpc>
-              <a:spcBef>
-                <a:spcPts val="500"/>
-              </a:spcBef>
-              <a:spcAft>
-                <a:spcPts val="0"/>
-              </a:spcAft>
-              <a:buClr>
-                <a:schemeClr val="dk1"/>
-              </a:buClr>
-              <a:buSzPts val="1800"/>
-              <a:buNone/>
-            </a:pPr>
-            <a:endParaRPr sz="1800" dirty="0">
-              <a:solidFill>
-                <a:srgbClr val="000000"/>
-              </a:solidFill>
-            </a:endParaRPr>
-          </a:p>
-          <a:p>
-            <a:pPr marL="685800" lvl="1" indent="-228600" algn="l" rtl="0">
-              <a:lnSpc>
-                <a:spcPct val="90000"/>
-              </a:lnSpc>
-              <a:spcBef>
-                <a:spcPts val="500"/>
-              </a:spcBef>
-              <a:spcAft>
-                <a:spcPts val="0"/>
-              </a:spcAft>
-              <a:buClr>
-                <a:srgbClr val="000000"/>
-              </a:buClr>
-              <a:buSzPts val="1800"/>
               <a:buChar char="•"/>
             </a:pPr>
             <a:r>
@@ -26473,8 +27036,80 @@
                   <a:srgbClr val="000000"/>
                 </a:solidFill>
               </a:rPr>
-              <a:t>¿Cuál de los 5 miembros de la familia reúne todos los requisitos para tener un contrato de trabajo?</a:t>
+              <a:t>¿Cuál de los 5 miembros de la familia reúne todos los requisitos para tener un contrato de trabajo</a:t>
             </a:r>
+            <a:r>
+              <a:rPr lang="es-ES" sz="1800" dirty="0" smtClean="0">
+                <a:solidFill>
+                  <a:srgbClr val="000000"/>
+                </a:solidFill>
+              </a:rPr>
+              <a:t>?</a:t>
+            </a:r>
+          </a:p>
+          <a:p>
+            <a:pPr fontAlgn="base"/>
+            <a:r>
+              <a:rPr lang="es-ES" dirty="0" smtClean="0">
+                <a:solidFill>
+                  <a:srgbClr val="FF0000"/>
+                </a:solidFill>
+              </a:rPr>
+              <a:t>Autónomo</a:t>
+            </a:r>
+            <a:r>
+              <a:rPr lang="es-ES" dirty="0">
+                <a:solidFill>
+                  <a:srgbClr val="FF0000"/>
+                </a:solidFill>
+              </a:rPr>
+              <a:t>. Solo la madre.</a:t>
+            </a:r>
+          </a:p>
+          <a:p>
+            <a:pPr fontAlgn="base"/>
+            <a:r>
+              <a:rPr lang="es-ES" dirty="0">
+                <a:solidFill>
+                  <a:srgbClr val="FF0000"/>
+                </a:solidFill>
+              </a:rPr>
+              <a:t>Autónomo colaborador. El padre </a:t>
+            </a:r>
+            <a:r>
+              <a:rPr lang="es-ES" dirty="0" smtClean="0">
+                <a:solidFill>
+                  <a:srgbClr val="FF0000"/>
+                </a:solidFill>
+              </a:rPr>
+              <a:t>(</a:t>
+            </a:r>
+            <a:r>
+              <a:rPr lang="es-ES" dirty="0">
+                <a:solidFill>
+                  <a:srgbClr val="FF0000"/>
+                </a:solidFill>
+              </a:rPr>
+              <a:t>siguiendo la regla general).</a:t>
+            </a:r>
+          </a:p>
+          <a:p>
+            <a:pPr marL="685800" lvl="1" indent="-228600" algn="l" rtl="0">
+              <a:lnSpc>
+                <a:spcPct val="90000"/>
+              </a:lnSpc>
+              <a:spcBef>
+                <a:spcPts val="500"/>
+              </a:spcBef>
+              <a:spcAft>
+                <a:spcPts val="0"/>
+              </a:spcAft>
+              <a:buClr>
+                <a:srgbClr val="000000"/>
+              </a:buClr>
+              <a:buSzPts val="1800"/>
+              <a:buChar char="•"/>
+            </a:pPr>
             <a:endParaRPr dirty="0"/>
           </a:p>
           <a:p>
@@ -26766,8 +27401,8 @@
         </p:nvGrpSpPr>
         <p:grpSpPr>
           <a:xfrm>
-            <a:off x="7756990" y="534256"/>
-            <a:ext cx="4107464" cy="5858025"/>
+            <a:off x="7675685" y="457200"/>
+            <a:ext cx="4188769" cy="5935081"/>
             <a:chOff x="86067" y="1425"/>
             <a:chExt cx="3466289" cy="5188676"/>
           </a:xfrm>
@@ -26833,7 +27468,7 @@
           <p:spPr>
             <a:xfrm>
               <a:off x="123846" y="39204"/>
-              <a:ext cx="698343" cy="754630"/>
+              <a:ext cx="736122" cy="754630"/>
             </a:xfrm>
             <a:prstGeom prst="rect">
               <a:avLst/>
@@ -26876,7 +27511,49 @@
                   <a:cs typeface="Calibri"/>
                   <a:sym typeface="Calibri"/>
                 </a:rPr>
-                <a:t>UNIÓN EUROPEA</a:t>
+                <a:t>UNIÓN </a:t>
+              </a:r>
+              <a:r>
+                <a:rPr lang="es-ES" sz="1100" b="1" i="0" u="none" strike="noStrike" cap="none" dirty="0" smtClean="0">
+                  <a:solidFill>
+                    <a:schemeClr val="tx1"/>
+                  </a:solidFill>
+                  <a:latin typeface="Calibri"/>
+                  <a:ea typeface="Calibri"/>
+                  <a:cs typeface="Calibri"/>
+                  <a:sym typeface="Calibri"/>
+                </a:rPr>
+                <a:t>EUROPEA</a:t>
+              </a:r>
+            </a:p>
+            <a:p>
+              <a:pPr marL="0" marR="0" lvl="0" indent="0" algn="ctr" rtl="0">
+                <a:lnSpc>
+                  <a:spcPct val="90000"/>
+                </a:lnSpc>
+                <a:spcBef>
+                  <a:spcPts val="0"/>
+                </a:spcBef>
+                <a:spcAft>
+                  <a:spcPts val="0"/>
+                </a:spcAft>
+                <a:buClr>
+                  <a:schemeClr val="lt1"/>
+                </a:buClr>
+                <a:buSzPts val="1100"/>
+                <a:buFont typeface="Calibri"/>
+                <a:buNone/>
+              </a:pPr>
+              <a:r>
+                <a:rPr lang="es-ES" sz="1100" b="1" dirty="0" smtClean="0">
+                  <a:solidFill>
+                    <a:schemeClr val="tx1"/>
+                  </a:solidFill>
+                  <a:latin typeface="Calibri"/>
+                  <a:cs typeface="Calibri"/>
+                  <a:sym typeface="Calibri"/>
+                </a:rPr>
+                <a:t>Directiva europea y reglamento europeo</a:t>
               </a:r>
               <a:endParaRPr dirty="0">
                 <a:solidFill>
@@ -26981,7 +27658,7 @@
                 <a:buNone/>
               </a:pPr>
               <a:r>
-                <a:rPr lang="es-ES" sz="1100" b="1" i="0" u="none" strike="noStrike" cap="none">
+                <a:rPr lang="es-ES" sz="1100" b="1" i="0" u="none" strike="noStrike" cap="none" dirty="0">
                   <a:solidFill>
                     <a:schemeClr val="tx1"/>
                   </a:solidFill>
@@ -26990,9 +27667,51 @@
                   <a:cs typeface="Calibri"/>
                   <a:sym typeface="Calibri"/>
                 </a:rPr>
-                <a:t>CONSTITUCIÓN ESPAÑOLA</a:t>
+                <a:t>CONSTITUCIÓN </a:t>
               </a:r>
-              <a:endParaRPr>
+              <a:r>
+                <a:rPr lang="es-ES" sz="1100" b="1" i="0" u="none" strike="noStrike" cap="none" dirty="0" smtClean="0">
+                  <a:solidFill>
+                    <a:schemeClr val="tx1"/>
+                  </a:solidFill>
+                  <a:latin typeface="Calibri"/>
+                  <a:ea typeface="Calibri"/>
+                  <a:cs typeface="Calibri"/>
+                  <a:sym typeface="Calibri"/>
+                </a:rPr>
+                <a:t>ESPAÑOLA</a:t>
+              </a:r>
+            </a:p>
+            <a:p>
+              <a:pPr marL="0" marR="0" lvl="0" indent="0" algn="ctr" rtl="0">
+                <a:lnSpc>
+                  <a:spcPct val="90000"/>
+                </a:lnSpc>
+                <a:spcBef>
+                  <a:spcPts val="0"/>
+                </a:spcBef>
+                <a:spcAft>
+                  <a:spcPts val="0"/>
+                </a:spcAft>
+                <a:buClr>
+                  <a:schemeClr val="lt1"/>
+                </a:buClr>
+                <a:buSzPts val="1100"/>
+                <a:buFont typeface="Calibri"/>
+                <a:buNone/>
+              </a:pPr>
+              <a:r>
+                <a:rPr lang="es-ES" sz="1100" b="1" dirty="0" smtClean="0">
+                  <a:solidFill>
+                    <a:schemeClr val="tx1"/>
+                  </a:solidFill>
+                  <a:latin typeface="Calibri"/>
+                  <a:cs typeface="Calibri"/>
+                  <a:sym typeface="Calibri"/>
+                </a:rPr>
+                <a:t>Se recogen los derechos fundamentales entre otras cosas 1978</a:t>
+              </a:r>
+              <a:endParaRPr dirty="0">
                 <a:solidFill>
                   <a:schemeClr val="tx1"/>
                 </a:solidFill>
@@ -27095,7 +27814,7 @@
                 <a:buNone/>
               </a:pPr>
               <a:r>
-                <a:rPr lang="es-ES" sz="1100" b="1" i="0" u="none" strike="noStrike" cap="none">
+                <a:rPr lang="es-ES" sz="1100" b="1" i="0" u="none" strike="noStrike" cap="none" dirty="0" smtClean="0">
                   <a:solidFill>
                     <a:schemeClr val="tx1"/>
                   </a:solidFill>
@@ -27106,7 +27825,37 @@
                 </a:rPr>
                 <a:t>LEYES</a:t>
               </a:r>
-              <a:endParaRPr>
+            </a:p>
+            <a:p>
+              <a:pPr marL="0" marR="0" lvl="0" indent="0" algn="ctr" rtl="0">
+                <a:lnSpc>
+                  <a:spcPct val="90000"/>
+                </a:lnSpc>
+                <a:spcBef>
+                  <a:spcPts val="0"/>
+                </a:spcBef>
+                <a:spcAft>
+                  <a:spcPts val="0"/>
+                </a:spcAft>
+                <a:buClr>
+                  <a:schemeClr val="lt1"/>
+                </a:buClr>
+                <a:buSzPts val="1100"/>
+                <a:buFont typeface="Calibri"/>
+                <a:buNone/>
+              </a:pPr>
+              <a:r>
+                <a:rPr lang="es-ES" sz="1100" b="1" dirty="0" smtClean="0">
+                  <a:solidFill>
+                    <a:schemeClr val="tx1"/>
+                  </a:solidFill>
+                  <a:latin typeface="Calibri"/>
+                  <a:cs typeface="Calibri"/>
+                  <a:sym typeface="Calibri"/>
+                </a:rPr>
+                <a:t>Varios tipos: Nos centramos en Ley orgánica (Para asuntos mas importantes Mayoría absoluta) y ley ordinaria (Asuntos menos importantes. Mayoría simple)</a:t>
+              </a:r>
+              <a:endParaRPr dirty="0">
                 <a:solidFill>
                   <a:schemeClr val="tx1"/>
                 </a:solidFill>
@@ -27209,7 +27958,7 @@
                 <a:buNone/>
               </a:pPr>
               <a:r>
-                <a:rPr lang="es-ES" sz="1100" b="1" i="0" u="none" strike="noStrike" cap="none" dirty="0">
+                <a:rPr lang="es-ES" sz="1100" b="1" i="0" u="none" strike="noStrike" cap="none" dirty="0" smtClean="0">
                   <a:solidFill>
                     <a:schemeClr val="tx1"/>
                   </a:solidFill>
@@ -27220,6 +27969,65 @@
                 </a:rPr>
                 <a:t>REGLAMENTOS</a:t>
               </a:r>
+            </a:p>
+            <a:p>
+              <a:pPr marL="0" marR="0" lvl="0" indent="0" algn="ctr" rtl="0">
+                <a:lnSpc>
+                  <a:spcPct val="90000"/>
+                </a:lnSpc>
+                <a:spcBef>
+                  <a:spcPts val="0"/>
+                </a:spcBef>
+                <a:spcAft>
+                  <a:spcPts val="0"/>
+                </a:spcAft>
+                <a:buClr>
+                  <a:schemeClr val="lt1"/>
+                </a:buClr>
+                <a:buSzPts val="1100"/>
+                <a:buFont typeface="Calibri"/>
+                <a:buNone/>
+              </a:pPr>
+              <a:r>
+                <a:rPr lang="es-ES" sz="1100" b="1" dirty="0" smtClean="0">
+                  <a:solidFill>
+                    <a:schemeClr val="tx1"/>
+                  </a:solidFill>
+                  <a:latin typeface="Calibri"/>
+                  <a:ea typeface="Calibri"/>
+                  <a:cs typeface="Calibri"/>
+                  <a:sym typeface="Calibri"/>
+                </a:rPr>
+                <a:t>Normas que sirven para desarrollar una ley que se ha aprobado previamente</a:t>
+              </a:r>
+              <a:endParaRPr lang="es-ES" sz="1100" b="1" i="0" u="none" strike="noStrike" cap="none" dirty="0" smtClean="0">
+                <a:solidFill>
+                  <a:schemeClr val="tx1"/>
+                </a:solidFill>
+                <a:latin typeface="Calibri"/>
+                <a:ea typeface="Calibri"/>
+                <a:cs typeface="Calibri"/>
+                <a:sym typeface="Calibri"/>
+              </a:endParaRPr>
+            </a:p>
+            <a:p>
+              <a:pPr marL="0" marR="0" lvl="0" indent="0" algn="ctr" rtl="0">
+                <a:lnSpc>
+                  <a:spcPct val="90000"/>
+                </a:lnSpc>
+                <a:spcBef>
+                  <a:spcPts val="0"/>
+                </a:spcBef>
+                <a:spcAft>
+                  <a:spcPts val="0"/>
+                </a:spcAft>
+                <a:buClr>
+                  <a:schemeClr val="lt1"/>
+                </a:buClr>
+                <a:buSzPts val="1100"/>
+                <a:buFont typeface="Calibri"/>
+                <a:buNone/>
+              </a:pPr>
               <a:endParaRPr dirty="0">
                 <a:solidFill>
                   <a:schemeClr val="tx1"/>
@@ -27288,7 +28096,7 @@
           </p:nvSpPr>
           <p:spPr>
             <a:xfrm>
-              <a:off x="126593" y="3528741"/>
+              <a:off x="134810" y="3524611"/>
               <a:ext cx="2918269" cy="749136"/>
             </a:xfrm>
             <a:prstGeom prst="rect">
@@ -27332,7 +28140,71 @@
                   <a:cs typeface="Calibri"/>
                   <a:sym typeface="Calibri"/>
                 </a:rPr>
-                <a:t>CONVENIOS COLECTIVOS</a:t>
+                <a:t>CONVENIOS </a:t>
+              </a:r>
+              <a:r>
+                <a:rPr lang="es-ES" sz="1100" b="1" i="0" u="none" strike="noStrike" cap="none" dirty="0" smtClean="0">
+                  <a:solidFill>
+                    <a:schemeClr val="tx1"/>
+                  </a:solidFill>
+                  <a:latin typeface="Calibri"/>
+                  <a:ea typeface="Calibri"/>
+                  <a:cs typeface="Calibri"/>
+                  <a:sym typeface="Calibri"/>
+                </a:rPr>
+                <a:t>COLECTIVOS</a:t>
+              </a:r>
+            </a:p>
+            <a:p>
+              <a:pPr marL="0" marR="0" lvl="0" indent="0" algn="ctr" rtl="0">
+                <a:lnSpc>
+                  <a:spcPct val="90000"/>
+                </a:lnSpc>
+                <a:spcBef>
+                  <a:spcPts val="0"/>
+                </a:spcBef>
+                <a:spcAft>
+                  <a:spcPts val="0"/>
+                </a:spcAft>
+                <a:buClr>
+                  <a:schemeClr val="lt1"/>
+                </a:buClr>
+                <a:buSzPts val="1100"/>
+                <a:buFont typeface="Calibri"/>
+                <a:buNone/>
+              </a:pPr>
+              <a:r>
+                <a:rPr lang="es-ES" sz="1100" b="1" dirty="0" smtClean="0">
+                  <a:solidFill>
+                    <a:schemeClr val="tx1"/>
+                  </a:solidFill>
+                  <a:latin typeface="Calibri"/>
+                  <a:cs typeface="Calibri"/>
+                  <a:sym typeface="Calibri"/>
+                </a:rPr>
+                <a:t>(</a:t>
+              </a:r>
+              <a:r>
+                <a:rPr lang="es-ES" sz="1100" b="1" dirty="0" smtClean="0">
+                  <a:solidFill>
+                    <a:srgbClr val="FF0000"/>
+                  </a:solidFill>
+                  <a:latin typeface="Calibri"/>
+                  <a:cs typeface="Calibri"/>
+                  <a:sym typeface="Calibri"/>
+                </a:rPr>
+                <a:t>Solo en el derecho laboral. </a:t>
+              </a:r>
+              <a:r>
+                <a:rPr lang="es-ES" sz="1100" b="1" dirty="0" smtClean="0">
+                  <a:solidFill>
+                    <a:schemeClr val="tx1"/>
+                  </a:solidFill>
+                  <a:latin typeface="Calibri"/>
+                  <a:cs typeface="Calibri"/>
+                  <a:sym typeface="Calibri"/>
+                </a:rPr>
+                <a:t>Normas específicas de un sector profesional. Acuerdo entre empresarios, (sindicatos) y trabajadores. Puede mejorar )</a:t>
               </a:r>
               <a:endParaRPr dirty="0">
                 <a:solidFill>
@@ -27436,8 +28308,36 @@
                 <a:buFont typeface="Calibri"/>
                 <a:buNone/>
               </a:pPr>
+              <a:endParaRPr lang="es-ES" sz="1100" b="1" i="0" u="none" strike="noStrike" cap="none" dirty="0" smtClean="0">
+                <a:solidFill>
+                  <a:schemeClr val="tx1"/>
+                </a:solidFill>
+                <a:latin typeface="Calibri"/>
+                <a:ea typeface="Calibri"/>
+                <a:cs typeface="Calibri"/>
+                <a:sym typeface="Calibri"/>
+              </a:endParaRPr>
+            </a:p>
+            <a:p>
+              <a:pPr marL="0" marR="0" lvl="0" indent="0" algn="ctr" rtl="0">
+                <a:lnSpc>
+                  <a:spcPct val="90000"/>
+                </a:lnSpc>
+                <a:spcBef>
+                  <a:spcPts val="0"/>
+                </a:spcBef>
+                <a:spcAft>
+                  <a:spcPts val="0"/>
+                </a:spcAft>
+                <a:buClr>
+                  <a:schemeClr val="lt1"/>
+                </a:buClr>
+                <a:buSzPts val="1100"/>
+                <a:buFont typeface="Calibri"/>
+                <a:buNone/>
+              </a:pPr>
               <a:r>
-                <a:rPr lang="es-ES" sz="1100" b="1" i="0" u="none" strike="noStrike" cap="none">
+                <a:rPr lang="es-ES" sz="1100" b="1" i="0" u="none" strike="noStrike" cap="none" dirty="0" smtClean="0">
                   <a:solidFill>
                     <a:schemeClr val="tx1"/>
                   </a:solidFill>
@@ -27448,7 +28348,105 @@
                 </a:rPr>
                 <a:t>CONTRATOS</a:t>
               </a:r>
-              <a:endParaRPr>
+            </a:p>
+            <a:p>
+              <a:pPr algn="ctr">
+                <a:lnSpc>
+                  <a:spcPct val="90000"/>
+                </a:lnSpc>
+                <a:buClr>
+                  <a:schemeClr val="lt1"/>
+                </a:buClr>
+                <a:buSzPts val="1100"/>
+              </a:pPr>
+              <a:r>
+                <a:rPr lang="es-ES" b="1" dirty="0" smtClean="0">
+                  <a:solidFill>
+                    <a:schemeClr val="tx1"/>
+                  </a:solidFill>
+                  <a:latin typeface="Calibri"/>
+                  <a:cs typeface="Calibri"/>
+                  <a:sym typeface="Calibri"/>
+                </a:rPr>
+                <a:t>(</a:t>
+              </a:r>
+              <a:r>
+                <a:rPr lang="es-ES" b="1" dirty="0">
+                  <a:solidFill>
+                    <a:srgbClr val="FF0000"/>
+                  </a:solidFill>
+                  <a:latin typeface="Calibri"/>
+                  <a:cs typeface="Calibri"/>
+                  <a:sym typeface="Calibri"/>
+                </a:rPr>
+                <a:t>Solo en el derecho laboral. </a:t>
+              </a:r>
+              <a:r>
+                <a:rPr lang="es-ES" sz="1200" dirty="0">
+                  <a:solidFill>
+                    <a:schemeClr val="tx1"/>
+                  </a:solidFill>
+                  <a:latin typeface="Calibri"/>
+                  <a:cs typeface="Calibri"/>
+                  <a:sym typeface="Calibri"/>
+                </a:rPr>
+                <a:t>ACUERDO ENTRE EMPRESARIO Y TRABAJADOR QUE REGULA LAS CONDICIONES DE </a:t>
+              </a:r>
+              <a:r>
+                <a:rPr lang="es-ES" sz="1200" dirty="0" smtClean="0">
+                  <a:solidFill>
+                    <a:schemeClr val="tx1"/>
+                  </a:solidFill>
+                  <a:latin typeface="Calibri"/>
+                  <a:cs typeface="Calibri"/>
+                  <a:sym typeface="Calibri"/>
+                </a:rPr>
+                <a:t>TRABAJO)</a:t>
+              </a:r>
+              <a:endParaRPr lang="es-ES" sz="1200" dirty="0">
+                <a:solidFill>
+                  <a:schemeClr val="tx1"/>
+                </a:solidFill>
+                <a:latin typeface="Calibri"/>
+                <a:cs typeface="Calibri"/>
+                <a:sym typeface="Calibri"/>
+              </a:endParaRPr>
+            </a:p>
+            <a:p>
+              <a:pPr algn="ctr">
+                <a:lnSpc>
+                  <a:spcPct val="90000"/>
+                </a:lnSpc>
+                <a:buClr>
+                  <a:schemeClr val="lt1"/>
+                </a:buClr>
+                <a:buSzPts val="1100"/>
+              </a:pPr>
+              <a:endParaRPr lang="es-ES" dirty="0" smtClean="0">
+                <a:solidFill>
+                  <a:srgbClr val="FF0000"/>
+                </a:solidFill>
+              </a:endParaRPr>
+            </a:p>
+            <a:p>
+              <a:pPr marL="0" marR="0" lvl="0" indent="0" algn="ctr" rtl="0">
+                <a:lnSpc>
+                  <a:spcPct val="90000"/>
+                </a:lnSpc>
+                <a:spcBef>
+                  <a:spcPts val="0"/>
+                </a:spcBef>
+                <a:spcAft>
+                  <a:spcPts val="0"/>
+                </a:spcAft>
+                <a:buClr>
+                  <a:schemeClr val="lt1"/>
+                </a:buClr>
+                <a:buSzPts val="1100"/>
+                <a:buFont typeface="Calibri"/>
+                <a:buNone/>
+              </a:pPr>
+              <a:endParaRPr dirty="0">
                 <a:solidFill>
                   <a:schemeClr val="tx1"/>
                 </a:solidFill>

--- a/PROGRAMACION/FOL/TEMA 1 FOL ALUMNOS.pptx
+++ b/PROGRAMACION/FOL/TEMA 1 FOL ALUMNOS.pptx
@@ -16713,15 +16713,7 @@
                   <a:schemeClr val="accent2"/>
                 </a:solidFill>
               </a:rPr>
-              <a:t> </a:t>
-            </a:r>
-            <a:r>
-              <a:rPr lang="es-ES" sz="1600" dirty="0" smtClean="0">
-                <a:solidFill>
-                  <a:schemeClr val="accent2"/>
-                </a:solidFill>
-              </a:rPr>
-              <a:t>No podría hacerse legalmente. </a:t>
+              <a:t> No podría hacerse legalmente. </a:t>
             </a:r>
             <a:r>
               <a:rPr lang="es-ES" sz="1600" b="1" dirty="0">
@@ -17806,7 +17798,7 @@
         <p:spPr>
           <a:xfrm>
             <a:off x="4705848" y="1518962"/>
-            <a:ext cx="6752455" cy="3670180"/>
+            <a:ext cx="6752455" cy="4609276"/>
           </a:xfrm>
           <a:prstGeom prst="rect">
             <a:avLst/>
@@ -17820,7 +17812,7 @@
         </p:spPr>
         <p:txBody>
           <a:bodyPr spcFirstLastPara="1" wrap="square" lIns="0" tIns="45700" rIns="0" bIns="45700" anchor="t" anchorCtr="0">
-            <a:normAutofit/>
+            <a:normAutofit fontScale="62500" lnSpcReduction="20000"/>
           </a:bodyPr>
           <a:lstStyle/>
           <a:p>
@@ -17843,9 +17835,12 @@
             </a:pPr>
             <a:r>
               <a:rPr lang="es-ES" sz="1800" dirty="0"/>
-              <a:t>Plena capacidad de obrar</a:t>
+              <a:t>Plena capacidad de </a:t>
             </a:r>
-            <a:endParaRPr sz="1800" dirty="0"/>
+            <a:r>
+              <a:rPr lang="es-ES" sz="1800" dirty="0" smtClean="0"/>
+              <a:t>obrar.</a:t>
+            </a:r>
           </a:p>
           <a:p>
             <a:pPr marL="0" lvl="0" indent="0" algn="l" rtl="0">
@@ -17853,7 +17848,7 @@
                 <a:spcPct val="150000"/>
               </a:lnSpc>
               <a:spcBef>
-                <a:spcPts val="1000"/>
+                <a:spcPts val="0"/>
               </a:spcBef>
               <a:spcAft>
                 <a:spcPts val="0"/>
@@ -17864,7 +17859,19 @@
               <a:buSzPts val="2800"/>
               <a:buNone/>
             </a:pPr>
-            <a:endParaRPr sz="1800" dirty="0"/>
+            <a:r>
+              <a:rPr lang="es-ES" sz="1800" dirty="0" smtClean="0">
+                <a:solidFill>
+                  <a:schemeClr val="accent2"/>
+                </a:solidFill>
+              </a:rPr>
+              <a:t>Mayor de edad , 18 años.</a:t>
+            </a:r>
+            <a:endParaRPr sz="1800" dirty="0">
+              <a:solidFill>
+                <a:schemeClr val="accent2"/>
+              </a:solidFill>
+            </a:endParaRPr>
           </a:p>
           <a:p>
             <a:pPr marL="228600" lvl="0" indent="-228600" algn="l" rtl="0">
@@ -17885,10 +17892,48 @@
               <a:buChar char="⮚"/>
             </a:pPr>
             <a:r>
+              <a:rPr lang="es-ES" sz="1800" dirty="0" smtClean="0"/>
+              <a:t>Las </a:t>
+            </a:r>
+            <a:r>
               <a:rPr lang="es-ES" sz="1800" dirty="0"/>
-              <a:t>Las personas &gt; 16 años, si cuentan con la autorización de los padres.</a:t>
+              <a:t>personas &gt; 16 años, si cuentan con la autorización de los padres</a:t>
             </a:r>
-            <a:endParaRPr sz="1800" dirty="0"/>
+            <a:r>
+              <a:rPr lang="es-ES" sz="1800" dirty="0" smtClean="0"/>
+              <a:t>.</a:t>
+            </a:r>
+          </a:p>
+          <a:p>
+            <a:pPr marL="0" lvl="0" indent="0" algn="l" rtl="0">
+              <a:lnSpc>
+                <a:spcPct val="150000"/>
+              </a:lnSpc>
+              <a:spcBef>
+                <a:spcPts val="1000"/>
+              </a:spcBef>
+              <a:spcAft>
+                <a:spcPts val="0"/>
+              </a:spcAft>
+              <a:buClr>
+                <a:schemeClr val="dk1"/>
+              </a:buClr>
+              <a:buSzPts val="2800"/>
+              <a:buNone/>
+            </a:pPr>
+            <a:r>
+              <a:rPr lang="es-ES" sz="1800" dirty="0" smtClean="0">
+                <a:solidFill>
+                  <a:schemeClr val="accent2"/>
+                </a:solidFill>
+              </a:rPr>
+              <a:t>Es decir, su representante legal.</a:t>
+            </a:r>
+            <a:endParaRPr sz="1800" dirty="0">
+              <a:solidFill>
+                <a:schemeClr val="accent2"/>
+              </a:solidFill>
+            </a:endParaRPr>
           </a:p>
           <a:p>
             <a:pPr marL="1143000" lvl="2" indent="-228600" algn="l" rtl="0">
@@ -17909,9 +17954,69 @@
             </a:pPr>
             <a:r>
               <a:rPr lang="es-ES" sz="1800" dirty="0"/>
-              <a:t>¿Qué trabajo no puede hacer un menor de edad?</a:t>
+              <a:t>¿Qué trabajo no puede hacer un menor de edad</a:t>
             </a:r>
-            <a:endParaRPr sz="1800" dirty="0"/>
+            <a:r>
+              <a:rPr lang="es-ES" sz="1800" dirty="0" smtClean="0"/>
+              <a:t>?</a:t>
+            </a:r>
+          </a:p>
+          <a:p>
+            <a:pPr marL="914400" lvl="2" indent="0" algn="just" rtl="0">
+              <a:lnSpc>
+                <a:spcPct val="150000"/>
+              </a:lnSpc>
+              <a:spcBef>
+                <a:spcPts val="500"/>
+              </a:spcBef>
+              <a:spcAft>
+                <a:spcPts val="0"/>
+              </a:spcAft>
+              <a:buClr>
+                <a:schemeClr val="dk1"/>
+              </a:buClr>
+              <a:buSzPts val="2000"/>
+              <a:buNone/>
+            </a:pPr>
+            <a:r>
+              <a:rPr lang="es-ES" sz="1800" dirty="0" smtClean="0">
+                <a:solidFill>
+                  <a:schemeClr val="accent2"/>
+                </a:solidFill>
+              </a:rPr>
+              <a:t>En el ámbito del espectáculo se puede desde más pequeño, pero deben autorizarlo también la administración pública, además de los padres.</a:t>
+            </a:r>
+          </a:p>
+          <a:p>
+            <a:pPr marL="914400" lvl="2" indent="0" algn="l" rtl="0">
+              <a:lnSpc>
+                <a:spcPct val="150000"/>
+              </a:lnSpc>
+              <a:spcBef>
+                <a:spcPts val="500"/>
+              </a:spcBef>
+              <a:spcAft>
+                <a:spcPts val="0"/>
+              </a:spcAft>
+              <a:buClr>
+                <a:schemeClr val="dk1"/>
+              </a:buClr>
+              <a:buSzPts val="2000"/>
+              <a:buNone/>
+            </a:pPr>
+            <a:r>
+              <a:rPr lang="es-ES" sz="1800" dirty="0" smtClean="0">
+                <a:solidFill>
+                  <a:schemeClr val="accent2"/>
+                </a:solidFill>
+              </a:rPr>
+              <a:t>Aspectos que un menor de edad no puede hacer en su trabajo: trabajos peligrosos (que pongan en peligro su integridad física), tampoco jornadas nocturnas (la que transcurren entre las 22 y las 7 una franja al menos de tres horas). Tampoco puede hacer horas extras “legalmente”.</a:t>
+            </a:r>
+            <a:endParaRPr sz="1800" dirty="0">
+              <a:solidFill>
+                <a:schemeClr val="accent2"/>
+              </a:solidFill>
+            </a:endParaRPr>
           </a:p>
           <a:p>
             <a:pPr marL="228600" lvl="0" indent="-228600" algn="l" rtl="0">
@@ -17957,9 +18062,25 @@
             </a:pPr>
             <a:r>
               <a:rPr lang="es-ES" sz="1800" dirty="0"/>
-              <a:t>Si son de la UE</a:t>
+              <a:t>Si son de la </a:t>
             </a:r>
-            <a:endParaRPr sz="1800" dirty="0"/>
+            <a:r>
+              <a:rPr lang="es-ES" sz="1800" dirty="0" smtClean="0"/>
+              <a:t>UE: </a:t>
+            </a:r>
+            <a:r>
+              <a:rPr lang="es-ES" sz="1800" dirty="0" smtClean="0">
+                <a:solidFill>
+                  <a:schemeClr val="accent2"/>
+                </a:solidFill>
+              </a:rPr>
+              <a:t>Son españoles a todos los efectos, no tienen que cumplir ningún requisito.</a:t>
+            </a:r>
+            <a:endParaRPr sz="1800" dirty="0">
+              <a:solidFill>
+                <a:schemeClr val="accent2"/>
+              </a:solidFill>
+            </a:endParaRPr>
           </a:p>
           <a:p>
             <a:pPr marL="1143000" lvl="2" indent="-228600" algn="l" rtl="0">
@@ -17981,9 +18102,44 @@
             </a:pPr>
             <a:r>
               <a:rPr lang="es-ES" sz="1800" dirty="0"/>
-              <a:t>Si no son de la UE </a:t>
+              <a:t>Si no son de la </a:t>
             </a:r>
-            <a:endParaRPr sz="1800" dirty="0"/>
+            <a:r>
+              <a:rPr lang="es-ES" sz="1800" dirty="0" smtClean="0"/>
+              <a:t>UE: </a:t>
+            </a:r>
+            <a:r>
+              <a:rPr lang="es-ES" sz="1800" dirty="0" smtClean="0">
+                <a:solidFill>
+                  <a:schemeClr val="accent2"/>
+                </a:solidFill>
+              </a:rPr>
+              <a:t>Requieren el permiso de trabajo.</a:t>
+            </a:r>
+          </a:p>
+          <a:p>
+            <a:pPr marL="1143000" lvl="2" indent="-228600" algn="l" rtl="0">
+              <a:lnSpc>
+                <a:spcPct val="150000"/>
+              </a:lnSpc>
+              <a:spcBef>
+                <a:spcPts val="500"/>
+              </a:spcBef>
+              <a:spcAft>
+                <a:spcPts val="0"/>
+              </a:spcAft>
+              <a:buClr>
+                <a:schemeClr val="dk1"/>
+              </a:buClr>
+              <a:buSzPts val="2000"/>
+              <a:buFont typeface="Noto Sans Symbols"/>
+              <a:buChar char="▪"/>
+            </a:pPr>
+            <a:endParaRPr lang="es-ES" sz="1800" dirty="0">
+              <a:solidFill>
+                <a:schemeClr val="accent2"/>
+              </a:solidFill>
+            </a:endParaRPr>
           </a:p>
         </p:txBody>
       </p:sp>
@@ -18027,8 +18183,8 @@
         </p:blipFill>
         <p:spPr>
           <a:xfrm>
-            <a:off x="581693" y="2085703"/>
-            <a:ext cx="5451627" cy="3741707"/>
+            <a:off x="827877" y="2523396"/>
+            <a:ext cx="4517845" cy="3189718"/>
           </a:xfrm>
           <a:prstGeom prst="rect">
             <a:avLst/>
@@ -18105,8 +18261,8 @@
         </p:nvSpPr>
         <p:spPr>
           <a:xfrm>
-            <a:off x="6411684" y="2198914"/>
-            <a:ext cx="5127172" cy="3670180"/>
+            <a:off x="5644662" y="1397977"/>
+            <a:ext cx="5894194" cy="4471117"/>
           </a:xfrm>
           <a:prstGeom prst="rect">
             <a:avLst/>
@@ -18118,10 +18274,65 @@
         </p:spPr>
         <p:txBody>
           <a:bodyPr spcFirstLastPara="1" wrap="square" lIns="91425" tIns="45700" rIns="91425" bIns="45700" anchor="t" anchorCtr="0">
-            <a:normAutofit/>
+            <a:normAutofit fontScale="92500" lnSpcReduction="10000"/>
           </a:bodyPr>
           <a:lstStyle/>
           <a:p>
+            <a:pPr marL="228600" indent="-50800" algn="just">
+              <a:spcBef>
+                <a:spcPts val="0"/>
+              </a:spcBef>
+              <a:buSzPts val="2800"/>
+              <a:buNone/>
+            </a:pPr>
+            <a:r>
+              <a:rPr lang="es-ES" sz="1500" dirty="0" smtClean="0">
+                <a:solidFill>
+                  <a:schemeClr val="accent2"/>
+                </a:solidFill>
+              </a:rPr>
+              <a:t>Ojo: El </a:t>
+            </a:r>
+            <a:r>
+              <a:rPr lang="es-ES" sz="1500" dirty="0">
+                <a:solidFill>
+                  <a:schemeClr val="accent2"/>
+                </a:solidFill>
+              </a:rPr>
+              <a:t>contrato de apoderamiento entre torero y apoderado puede hacerse con un apretón de manos</a:t>
+            </a:r>
+            <a:r>
+              <a:rPr lang="es-ES" sz="1500" dirty="0" smtClean="0">
+                <a:solidFill>
+                  <a:schemeClr val="accent2"/>
+                </a:solidFill>
+              </a:rPr>
+              <a:t>.</a:t>
+            </a:r>
+          </a:p>
+          <a:p>
+            <a:pPr marL="228600" indent="-50800" algn="just">
+              <a:spcBef>
+                <a:spcPts val="0"/>
+              </a:spcBef>
+              <a:buSzPts val="2800"/>
+              <a:buNone/>
+            </a:pPr>
+            <a:r>
+              <a:rPr lang="es-ES" sz="1500" dirty="0" smtClean="0">
+                <a:solidFill>
+                  <a:schemeClr val="accent2"/>
+                </a:solidFill>
+              </a:rPr>
+              <a:t>El alta en la seguridad social “demuestra” que ya estoy “contratada” aunque aun no tenga el contrato físico.</a:t>
+            </a:r>
+            <a:endParaRPr lang="es-ES" sz="1500" dirty="0">
+              <a:solidFill>
+                <a:schemeClr val="accent2"/>
+              </a:solidFill>
+            </a:endParaRPr>
+          </a:p>
+          <a:p>
             <a:pPr marL="228600" lvl="0" indent="-50800" algn="ctr" rtl="0">
               <a:lnSpc>
                 <a:spcPct val="90000"/>
@@ -18138,7 +18349,7 @@
               <a:buSzPts val="2800"/>
               <a:buNone/>
             </a:pPr>
-            <a:endParaRPr sz="2800"/>
+            <a:endParaRPr sz="2800" dirty="0"/>
           </a:p>
           <a:p>
             <a:pPr marL="0" lvl="0" indent="0" algn="ctr" rtl="0">
@@ -18158,10 +18369,86 @@
               <a:buNone/>
             </a:pPr>
             <a:r>
-              <a:rPr lang="es-ES" sz="2800" b="1"/>
-              <a:t>¿Permiten nuestras leyes los contratos verbales?</a:t>
+              <a:rPr lang="es-ES" sz="2800" b="1" dirty="0"/>
+              <a:t>¿Permiten nuestras leyes los contratos verbales</a:t>
             </a:r>
-            <a:endParaRPr/>
+            <a:r>
+              <a:rPr lang="es-ES" sz="2800" b="1" dirty="0" smtClean="0"/>
+              <a:t>?</a:t>
+            </a:r>
+          </a:p>
+          <a:p>
+            <a:pPr marL="0" lvl="0" indent="0" algn="ctr" rtl="0">
+              <a:lnSpc>
+                <a:spcPct val="90000"/>
+              </a:lnSpc>
+              <a:spcBef>
+                <a:spcPts val="1000"/>
+              </a:spcBef>
+              <a:spcAft>
+                <a:spcPts val="0"/>
+              </a:spcAft>
+              <a:buClr>
+                <a:schemeClr val="dk1"/>
+              </a:buClr>
+              <a:buSzPts val="2800"/>
+              <a:buNone/>
+            </a:pPr>
+            <a:r>
+              <a:rPr lang="es-ES" dirty="0" smtClean="0">
+                <a:solidFill>
+                  <a:schemeClr val="accent2"/>
+                </a:solidFill>
+              </a:rPr>
+              <a:t>Sí, es posible en dos casos: los contratos indefinidos y los temporales inferiores a 4 semanas. Pero hay que dar de alta esos contratos en la seguridad social. Si una de las partes solicita contrato escrito, tiene que realizarse contrato escrito. </a:t>
+            </a:r>
+          </a:p>
+          <a:p>
+            <a:pPr marL="0" lvl="0" indent="0" algn="r" rtl="0">
+              <a:lnSpc>
+                <a:spcPct val="90000"/>
+              </a:lnSpc>
+              <a:spcBef>
+                <a:spcPts val="1000"/>
+              </a:spcBef>
+              <a:spcAft>
+                <a:spcPts val="0"/>
+              </a:spcAft>
+              <a:buClr>
+                <a:schemeClr val="dk1"/>
+              </a:buClr>
+              <a:buSzPts val="2800"/>
+              <a:buNone/>
+            </a:pPr>
+            <a:r>
+              <a:rPr lang="es-ES" sz="900" dirty="0" smtClean="0">
+                <a:solidFill>
+                  <a:schemeClr val="accent2"/>
+                </a:solidFill>
+              </a:rPr>
+              <a:t>Documental sobre </a:t>
+            </a:r>
+            <a:r>
+              <a:rPr lang="es-ES" sz="900" dirty="0">
+                <a:solidFill>
+                  <a:schemeClr val="accent2"/>
+                </a:solidFill>
+              </a:rPr>
+              <a:t>A</a:t>
+            </a:r>
+            <a:r>
+              <a:rPr lang="es-ES" sz="900" dirty="0" smtClean="0">
+                <a:solidFill>
+                  <a:schemeClr val="accent2"/>
+                </a:solidFill>
+              </a:rPr>
+              <a:t>gapito</a:t>
+            </a:r>
+            <a:endParaRPr sz="900" dirty="0">
+              <a:solidFill>
+                <a:schemeClr val="accent2"/>
+              </a:solidFill>
+            </a:endParaRPr>
           </a:p>
           <a:p>
             <a:pPr marL="228600" lvl="0" indent="-50800" algn="ctr" rtl="0">
@@ -18180,7 +18467,7 @@
               <a:buSzPts val="2800"/>
               <a:buNone/>
             </a:pPr>
-            <a:endParaRPr sz="2800"/>
+            <a:endParaRPr sz="2800" dirty="0"/>
           </a:p>
         </p:txBody>
       </p:sp>
@@ -18286,8 +18573,8 @@
         </p:blipFill>
         <p:spPr>
           <a:xfrm>
-            <a:off x="7416496" y="2325084"/>
-            <a:ext cx="3011774" cy="2308284"/>
+            <a:off x="8141677" y="2193199"/>
+            <a:ext cx="3236162" cy="2581024"/>
           </a:xfrm>
           <a:prstGeom prst="rect">
             <a:avLst/>
@@ -18306,8 +18593,8 @@
         </p:nvSpPr>
         <p:spPr>
           <a:xfrm>
-            <a:off x="1205948" y="2345632"/>
-            <a:ext cx="5297594" cy="2308284"/>
+            <a:off x="633046" y="1737360"/>
+            <a:ext cx="7227277" cy="4247276"/>
           </a:xfrm>
           <a:prstGeom prst="rect">
             <a:avLst/>
@@ -18323,7 +18610,91 @@
           </a:bodyPr>
           <a:lstStyle/>
           <a:p>
-            <a:pPr marL="285750" marR="0" lvl="0" indent="-285750" algn="l" rtl="0">
+            <a:pPr marR="0" lvl="0" algn="just" rtl="0">
+              <a:lnSpc>
+                <a:spcPct val="100000"/>
+              </a:lnSpc>
+              <a:spcBef>
+                <a:spcPts val="0"/>
+              </a:spcBef>
+              <a:spcAft>
+                <a:spcPts val="0"/>
+              </a:spcAft>
+              <a:buClr>
+                <a:srgbClr val="000000"/>
+              </a:buClr>
+              <a:buSzPts val="1800"/>
+            </a:pPr>
+            <a:r>
+              <a:rPr lang="es-ES" sz="1800" b="0" i="0" u="none" strike="noStrike" cap="none" dirty="0" smtClean="0">
+                <a:solidFill>
+                  <a:schemeClr val="accent2"/>
+                </a:solidFill>
+                <a:latin typeface="Calibri"/>
+                <a:ea typeface="Calibri"/>
+                <a:cs typeface="Calibri"/>
+                <a:sym typeface="Calibri"/>
+              </a:rPr>
+              <a:t>Contenido de un contrato: Identificación, horario, sueldo, categoría profesional, tipo de contrato y otros… </a:t>
+            </a:r>
+          </a:p>
+          <a:p>
+            <a:pPr marR="0" lvl="0" algn="just" rtl="0">
+              <a:lnSpc>
+                <a:spcPct val="100000"/>
+              </a:lnSpc>
+              <a:spcBef>
+                <a:spcPts val="0"/>
+              </a:spcBef>
+              <a:spcAft>
+                <a:spcPts val="0"/>
+              </a:spcAft>
+              <a:buClr>
+                <a:srgbClr val="000000"/>
+              </a:buClr>
+              <a:buSzPts val="1800"/>
+            </a:pPr>
+            <a:r>
+              <a:rPr lang="es-ES" sz="1800" b="0" i="0" u="none" strike="noStrike" cap="none" dirty="0" smtClean="0">
+                <a:solidFill>
+                  <a:schemeClr val="accent2"/>
+                </a:solidFill>
+                <a:latin typeface="Calibri"/>
+                <a:ea typeface="Calibri"/>
+                <a:cs typeface="Calibri"/>
+                <a:sym typeface="Calibri"/>
+              </a:rPr>
+              <a:t>No lo determina la ley, sino que es la práctica habitual la que ha establecido el contenido de un contrato.</a:t>
+            </a:r>
+          </a:p>
+          <a:p>
+            <a:pPr marR="0" lvl="0" algn="just" rtl="0">
+              <a:lnSpc>
+                <a:spcPct val="100000"/>
+              </a:lnSpc>
+              <a:spcBef>
+                <a:spcPts val="0"/>
+              </a:spcBef>
+              <a:spcAft>
+                <a:spcPts val="0"/>
+              </a:spcAft>
+              <a:buClr>
+                <a:srgbClr val="000000"/>
+              </a:buClr>
+              <a:buSzPts val="1800"/>
+            </a:pPr>
+            <a:endParaRPr lang="es-ES" sz="1800" b="0" i="0" u="none" strike="noStrike" cap="none" dirty="0" smtClean="0">
+              <a:solidFill>
+                <a:schemeClr val="accent2"/>
+              </a:solidFill>
+              <a:latin typeface="Calibri"/>
+              <a:ea typeface="Calibri"/>
+              <a:cs typeface="Calibri"/>
+              <a:sym typeface="Calibri"/>
+            </a:endParaRPr>
+          </a:p>
+          <a:p>
+            <a:pPr marL="285750" marR="0" lvl="0" indent="-285750" algn="just" rtl="0">
               <a:lnSpc>
                 <a:spcPct val="100000"/>
               </a:lnSpc>
@@ -18340,6 +18711,18 @@
               <a:buFont typeface="Noto Sans Symbols"/>
               <a:buChar char="⮚"/>
             </a:pPr>
+            <a:r>
+              <a:rPr lang="es-ES" sz="1800" b="0" i="0" u="none" strike="noStrike" cap="none" dirty="0" smtClean="0">
+                <a:solidFill>
+                  <a:srgbClr val="000000"/>
+                </a:solidFill>
+                <a:latin typeface="Calibri"/>
+                <a:ea typeface="Calibri"/>
+                <a:cs typeface="Calibri"/>
+                <a:sym typeface="Calibri"/>
+              </a:rPr>
+              <a:t>Pacto </a:t>
+            </a:r>
             <a:r>
               <a:rPr lang="es-ES" sz="1800" b="0" i="0" u="none" strike="noStrike" cap="none" dirty="0">
                 <a:solidFill>
@@ -18350,68 +18733,40 @@
                 <a:cs typeface="Calibri"/>
                 <a:sym typeface="Calibri"/>
               </a:rPr>
-              <a:t>Pacto de plena dedicación</a:t>
+              <a:t>de plena </a:t>
             </a:r>
-            <a:endParaRPr dirty="0"/>
-          </a:p>
-          <a:p>
-            <a:pPr marL="285750" marR="0" lvl="0" indent="-171450" algn="l" rtl="0">
-              <a:lnSpc>
-                <a:spcPct val="100000"/>
-              </a:lnSpc>
-              <a:spcBef>
-                <a:spcPts val="0"/>
-              </a:spcBef>
-              <a:spcAft>
-                <a:spcPts val="0"/>
-              </a:spcAft>
-              <a:buClr>
-                <a:schemeClr val="dk1"/>
-              </a:buClr>
-              <a:buSzPts val="1800"/>
-              <a:buFont typeface="Noto Sans Symbols"/>
-              <a:buNone/>
-            </a:pPr>
-            <a:endParaRPr sz="1800" b="0" i="0" u="none" strike="noStrike" cap="none" dirty="0">
+            <a:r>
+              <a:rPr lang="es-ES" sz="1800" b="0" i="0" u="none" strike="noStrike" cap="none" dirty="0" smtClean="0">
+                <a:solidFill>
+                  <a:srgbClr val="000000"/>
+                </a:solidFill>
+                <a:latin typeface="Calibri"/>
+                <a:ea typeface="Calibri"/>
+                <a:cs typeface="Calibri"/>
+                <a:sym typeface="Calibri"/>
+              </a:rPr>
+              <a:t>dedicación: </a:t>
+            </a:r>
+            <a:r>
+              <a:rPr lang="es-ES" sz="1800" b="0" i="0" u="none" strike="noStrike" cap="none" dirty="0" smtClean="0">
+                <a:solidFill>
+                  <a:schemeClr val="accent2"/>
+                </a:solidFill>
+                <a:latin typeface="Calibri"/>
+                <a:ea typeface="Calibri"/>
+                <a:cs typeface="Calibri"/>
+                <a:sym typeface="Calibri"/>
+              </a:rPr>
+              <a:t>Exclusividad que se firma para trabajar solo en una empresa a cambio de una compensación económica.</a:t>
+            </a:r>
+            <a:endParaRPr dirty="0">
               <a:solidFill>
-                <a:srgbClr val="000000"/>
+                <a:schemeClr val="accent2"/>
               </a:solidFill>
-              <a:latin typeface="Calibri"/>
-              <a:ea typeface="Calibri"/>
-              <a:cs typeface="Calibri"/>
-              <a:sym typeface="Calibri"/>
             </a:endParaRPr>
           </a:p>
           <a:p>
-            <a:pPr marL="285750" marR="0" lvl="0" indent="-171450" algn="l" rtl="0">
-              <a:lnSpc>
-                <a:spcPct val="100000"/>
-              </a:lnSpc>
-              <a:spcBef>
-                <a:spcPts val="0"/>
-              </a:spcBef>
-              <a:spcAft>
-                <a:spcPts val="0"/>
-              </a:spcAft>
-              <a:buClr>
-                <a:schemeClr val="dk1"/>
-              </a:buClr>
-              <a:buSzPts val="1800"/>
-              <a:buFont typeface="Noto Sans Symbols"/>
-              <a:buNone/>
-            </a:pPr>
-            <a:endParaRPr sz="1800" b="0" i="0" u="none" strike="noStrike" cap="none" dirty="0">
-              <a:solidFill>
-                <a:srgbClr val="000000"/>
-              </a:solidFill>
-              <a:latin typeface="Calibri"/>
-              <a:ea typeface="Calibri"/>
-              <a:cs typeface="Calibri"/>
-              <a:sym typeface="Calibri"/>
-            </a:endParaRPr>
-          </a:p>
-          <a:p>
-            <a:pPr marL="285750" marR="0" lvl="0" indent="-285750" algn="l" rtl="0">
+            <a:pPr marL="285750" marR="0" lvl="0" indent="-285750" algn="just" rtl="0">
               <a:lnSpc>
                 <a:spcPct val="100000"/>
               </a:lnSpc>
@@ -18428,6 +18783,18 @@
               <a:buFont typeface="Noto Sans Symbols"/>
               <a:buChar char="⮚"/>
             </a:pPr>
+            <a:r>
+              <a:rPr lang="es-ES" sz="1800" b="0" i="0" u="none" strike="noStrike" cap="none" dirty="0" smtClean="0">
+                <a:solidFill>
+                  <a:srgbClr val="000000"/>
+                </a:solidFill>
+                <a:latin typeface="Calibri"/>
+                <a:ea typeface="Calibri"/>
+                <a:cs typeface="Calibri"/>
+                <a:sym typeface="Calibri"/>
+              </a:rPr>
+              <a:t>Pacto </a:t>
+            </a:r>
             <a:r>
               <a:rPr lang="es-ES" sz="1800" b="0" i="0" u="none" strike="noStrike" cap="none" dirty="0">
                 <a:solidFill>
@@ -18438,12 +18805,45 @@
                 <a:cs typeface="Calibri"/>
                 <a:sym typeface="Calibri"/>
               </a:rPr>
-              <a:t>Pacto de no competencia.</a:t>
+              <a:t>de no </a:t>
+            </a:r>
+            <a:r>
+              <a:rPr lang="es-ES" sz="1800" b="0" i="0" u="none" strike="noStrike" cap="none" dirty="0" smtClean="0">
+                <a:solidFill>
+                  <a:srgbClr val="000000"/>
+                </a:solidFill>
+                <a:latin typeface="Calibri"/>
+                <a:ea typeface="Calibri"/>
+                <a:cs typeface="Calibri"/>
+                <a:sym typeface="Calibri"/>
+              </a:rPr>
+              <a:t>competencia</a:t>
+            </a:r>
+            <a:r>
+              <a:rPr lang="es-ES" sz="1800" dirty="0" smtClean="0">
+                <a:latin typeface="Calibri"/>
+                <a:ea typeface="Calibri"/>
+                <a:cs typeface="Calibri"/>
+                <a:sym typeface="Calibri"/>
+              </a:rPr>
+              <a:t>: </a:t>
+            </a:r>
+            <a:r>
+              <a:rPr lang="es-ES" sz="1800" dirty="0" smtClean="0">
+                <a:solidFill>
+                  <a:schemeClr val="accent2"/>
+                </a:solidFill>
+                <a:latin typeface="Calibri"/>
+                <a:ea typeface="Calibri"/>
+                <a:cs typeface="Calibri"/>
+                <a:sym typeface="Calibri"/>
+              </a:rPr>
+              <a:t>Un trabajador se compromete con su empresa a una vez terminado su contrato, no trabajar para la competencia.</a:t>
             </a:r>
             <a:endParaRPr dirty="0"/>
           </a:p>
           <a:p>
-            <a:pPr marL="742950" marR="0" lvl="1" indent="-285750" algn="l" rtl="0">
+            <a:pPr marL="742950" marR="0" lvl="1" indent="-285750" algn="just" rtl="0">
               <a:spcBef>
                 <a:spcPts val="0"/>
               </a:spcBef>
@@ -18467,11 +18867,35 @@
                 <a:cs typeface="Calibri"/>
                 <a:sym typeface="Calibri"/>
               </a:rPr>
-              <a:t>Duración. Técnicos y demás trabajadores.</a:t>
+              <a:t>Duración. Técnicos y demás trabajadores</a:t>
+            </a:r>
+            <a:r>
+              <a:rPr lang="es-ES" sz="1800" b="0" i="0" u="none" strike="noStrike" cap="none" dirty="0" smtClean="0">
+                <a:solidFill>
+                  <a:srgbClr val="000000"/>
+                </a:solidFill>
+                <a:latin typeface="Calibri"/>
+                <a:ea typeface="Calibri"/>
+                <a:cs typeface="Calibri"/>
+                <a:sym typeface="Calibri"/>
+              </a:rPr>
+              <a:t>. </a:t>
+            </a:r>
+            <a:r>
+              <a:rPr lang="es-ES" sz="1800" b="0" i="0" u="none" strike="noStrike" cap="none" dirty="0" smtClean="0">
+                <a:solidFill>
+                  <a:schemeClr val="accent2"/>
+                </a:solidFill>
+                <a:latin typeface="Calibri"/>
+                <a:ea typeface="Calibri"/>
+                <a:cs typeface="Calibri"/>
+                <a:sym typeface="Calibri"/>
+              </a:rPr>
+              <a:t>La duración máxima es de 2 años para técnicos titulados y 6 meses para el resto</a:t>
             </a:r>
             <a:endParaRPr sz="1800" b="0" i="0" u="none" strike="noStrike" cap="none" dirty="0">
               <a:solidFill>
-                <a:srgbClr val="000000"/>
+                <a:schemeClr val="accent2"/>
               </a:solidFill>
               <a:latin typeface="Calibri"/>
               <a:ea typeface="Calibri"/>
@@ -18480,63 +18904,7 @@
             </a:endParaRPr>
           </a:p>
           <a:p>
-            <a:pPr marL="285750" marR="0" lvl="0" indent="-171450" algn="l" rtl="0">
-              <a:lnSpc>
-                <a:spcPct val="100000"/>
-              </a:lnSpc>
-              <a:spcBef>
-                <a:spcPts val="0"/>
-              </a:spcBef>
-              <a:spcAft>
-                <a:spcPts val="0"/>
-              </a:spcAft>
-              <a:buClr>
-                <a:schemeClr val="dk1"/>
-              </a:buClr>
-              <a:buSzPts val="1800"/>
-              <a:buFont typeface="Noto Sans Symbols"/>
-              <a:buNone/>
-            </a:pPr>
-            <a:endParaRPr sz="1800" b="0" i="0" u="none" strike="noStrike" cap="none" dirty="0">
-              <a:solidFill>
-                <a:srgbClr val="000000"/>
-              </a:solidFill>
-              <a:latin typeface="Calibri"/>
-              <a:ea typeface="Calibri"/>
-              <a:cs typeface="Calibri"/>
-              <a:sym typeface="Calibri"/>
-            </a:endParaRPr>
-          </a:p>
-          <a:p>
-            <a:pPr marL="285750" marR="0" lvl="0" indent="-171450" algn="l" rtl="0">
-              <a:lnSpc>
-                <a:spcPct val="100000"/>
-              </a:lnSpc>
-              <a:spcBef>
-                <a:spcPts val="0"/>
-              </a:spcBef>
-              <a:spcAft>
-                <a:spcPts val="0"/>
-              </a:spcAft>
-              <a:buClr>
-                <a:schemeClr val="dk1"/>
-              </a:buClr>
-              <a:buSzPts val="1800"/>
-              <a:buFont typeface="Noto Sans Symbols"/>
-              <a:buNone/>
-            </a:pPr>
-            <a:endParaRPr sz="1800" b="0" i="0" u="none" strike="noStrike" cap="none" dirty="0">
-              <a:solidFill>
-                <a:srgbClr val="000000"/>
-              </a:solidFill>
-              <a:latin typeface="Calibri"/>
-              <a:ea typeface="Calibri"/>
-              <a:cs typeface="Calibri"/>
-              <a:sym typeface="Calibri"/>
-            </a:endParaRPr>
-          </a:p>
-          <a:p>
-            <a:pPr marL="285750" marR="0" lvl="0" indent="-285750" algn="l" rtl="0">
+            <a:pPr marL="285750" marR="0" lvl="0" indent="-285750" algn="just" rtl="0">
               <a:lnSpc>
                 <a:spcPct val="100000"/>
               </a:lnSpc>
@@ -18553,6 +18921,18 @@
               <a:buFont typeface="Noto Sans Symbols"/>
               <a:buChar char="⮚"/>
             </a:pPr>
+            <a:r>
+              <a:rPr lang="es-ES" sz="1800" b="0" i="0" u="none" strike="noStrike" cap="none" dirty="0" smtClean="0">
+                <a:solidFill>
+                  <a:srgbClr val="000000"/>
+                </a:solidFill>
+                <a:latin typeface="Calibri"/>
+                <a:ea typeface="Calibri"/>
+                <a:cs typeface="Calibri"/>
+                <a:sym typeface="Calibri"/>
+              </a:rPr>
+              <a:t>Pacto </a:t>
+            </a:r>
             <a:r>
               <a:rPr lang="es-ES" sz="1800" b="0" i="0" u="none" strike="noStrike" cap="none" dirty="0">
                 <a:solidFill>
@@ -18563,9 +18943,37 @@
                 <a:cs typeface="Calibri"/>
                 <a:sym typeface="Calibri"/>
               </a:rPr>
-              <a:t>Pacto de permanencia. Duración.</a:t>
+              <a:t>de permanencia. Duración</a:t>
             </a:r>
-            <a:endParaRPr dirty="0"/>
+            <a:r>
+              <a:rPr lang="es-ES" sz="1800" b="0" i="0" u="none" strike="noStrike" cap="none" dirty="0" smtClean="0">
+                <a:solidFill>
+                  <a:srgbClr val="000000"/>
+                </a:solidFill>
+                <a:latin typeface="Calibri"/>
+                <a:ea typeface="Calibri"/>
+                <a:cs typeface="Calibri"/>
+                <a:sym typeface="Calibri"/>
+              </a:rPr>
+              <a:t>. </a:t>
+            </a:r>
+            <a:r>
+              <a:rPr lang="es-ES" sz="1800" b="0" i="0" u="none" strike="noStrike" cap="none" dirty="0" smtClean="0">
+                <a:solidFill>
+                  <a:schemeClr val="accent2"/>
+                </a:solidFill>
+                <a:latin typeface="Calibri"/>
+                <a:ea typeface="Calibri"/>
+                <a:cs typeface="Calibri"/>
+                <a:sym typeface="Calibri"/>
+              </a:rPr>
+              <a:t>El trabajador se compromete a permanecer en la empresa, durante como máximo dos años cuando el empresario invierte en su formación.</a:t>
+            </a:r>
+            <a:endParaRPr dirty="0">
+              <a:solidFill>
+                <a:schemeClr val="accent2"/>
+              </a:solidFill>
+            </a:endParaRPr>
           </a:p>
         </p:txBody>
       </p:sp>
@@ -18677,25 +19085,6 @@
           </a:bodyPr>
           <a:lstStyle/>
           <a:p>
-            <a:pPr marL="228600" lvl="0" indent="-50800" algn="l" rtl="0">
-              <a:lnSpc>
-                <a:spcPct val="90000"/>
-              </a:lnSpc>
-              <a:spcBef>
-                <a:spcPts val="0"/>
-              </a:spcBef>
-              <a:spcAft>
-                <a:spcPts val="0"/>
-              </a:spcAft>
-              <a:buClr>
-                <a:schemeClr val="dk1"/>
-              </a:buClr>
-              <a:buSzPts val="2800"/>
-              <a:buNone/>
-            </a:pPr>
-            <a:endParaRPr/>
-          </a:p>
-          <a:p>
             <a:pPr marL="228600" lvl="0" indent="-228600" algn="l" rtl="0">
               <a:lnSpc>
                 <a:spcPct val="90000"/>
@@ -18714,14 +19103,22 @@
               <a:buChar char="⮚"/>
             </a:pPr>
             <a:r>
-              <a:rPr lang="es-ES" b="1">
+              <a:rPr lang="es-ES" b="1" dirty="0" smtClean="0">
                 <a:solidFill>
                   <a:schemeClr val="accent2"/>
                 </a:solidFill>
               </a:rPr>
-              <a:t>Concepto y requisito.</a:t>
+              <a:t>Concepto </a:t>
             </a:r>
-            <a:endParaRPr/>
+            <a:r>
+              <a:rPr lang="es-ES" b="1" dirty="0">
+                <a:solidFill>
+                  <a:schemeClr val="accent2"/>
+                </a:solidFill>
+              </a:rPr>
+              <a:t>y requisito.</a:t>
+            </a:r>
+            <a:endParaRPr dirty="0"/>
           </a:p>
           <a:p>
             <a:pPr marL="228600" lvl="0" indent="-50800" algn="l" rtl="0">
@@ -18741,7 +19138,7 @@
               <a:buFont typeface="Noto Sans Symbols"/>
               <a:buNone/>
             </a:pPr>
-            <a:endParaRPr b="1">
+            <a:endParaRPr b="1" dirty="0">
               <a:solidFill>
                 <a:schemeClr val="accent2"/>
               </a:solidFill>
@@ -18765,7 +19162,7 @@
               <a:buFont typeface="Noto Sans Symbols"/>
               <a:buNone/>
             </a:pPr>
-            <a:endParaRPr b="1">
+            <a:endParaRPr b="1" dirty="0">
               <a:solidFill>
                 <a:schemeClr val="accent2"/>
               </a:solidFill>
@@ -18789,7 +19186,7 @@
               <a:buFont typeface="Noto Sans Symbols"/>
               <a:buNone/>
             </a:pPr>
-            <a:endParaRPr b="1">
+            <a:endParaRPr b="1" dirty="0">
               <a:solidFill>
                 <a:schemeClr val="accent2"/>
               </a:solidFill>
@@ -18813,7 +19210,7 @@
               <a:buFont typeface="Noto Sans Symbols"/>
               <a:buNone/>
             </a:pPr>
-            <a:endParaRPr b="1">
+            <a:endParaRPr b="1" dirty="0">
               <a:solidFill>
                 <a:schemeClr val="accent2"/>
               </a:solidFill>
@@ -18837,7 +19234,7 @@
               <a:buFont typeface="Noto Sans Symbols"/>
               <a:buNone/>
             </a:pPr>
-            <a:endParaRPr b="1">
+            <a:endParaRPr b="1" dirty="0">
               <a:solidFill>
                 <a:schemeClr val="accent2"/>
               </a:solidFill>
@@ -18861,7 +19258,7 @@
               <a:buFont typeface="Noto Sans Symbols"/>
               <a:buNone/>
             </a:pPr>
-            <a:endParaRPr b="1">
+            <a:endParaRPr b="1" dirty="0">
               <a:solidFill>
                 <a:schemeClr val="accent2"/>
               </a:solidFill>
@@ -18873,11 +19270,17 @@
         <p:nvGraphicFramePr>
           <p:cNvPr id="301" name="Google Shape;301;p15"/>
           <p:cNvGraphicFramePr/>
-          <p:nvPr/>
+          <p:nvPr>
+            <p:extLst>
+              <p:ext uri="{D42A27DB-BD31-4B8C-83A1-F6EECF244321}">
+                <p14:modId xmlns:p14="http://schemas.microsoft.com/office/powerpoint/2010/main" val="3215575390"/>
+              </p:ext>
+            </p:extLst>
+          </p:nvPr>
         </p:nvGraphicFramePr>
         <p:xfrm>
           <a:off x="1298713" y="3052234"/>
-          <a:ext cx="9048600" cy="1849170"/>
+          <a:ext cx="9718049" cy="2387650"/>
         </p:xfrm>
         <a:graphic>
           <a:graphicData uri="http://schemas.openxmlformats.org/drawingml/2006/table">
@@ -18887,14 +19290,14 @@
                 <a:tableStyleId>{BCC7EC87-1176-4023-ADAF-338AC83C0ECF}</a:tableStyleId>
               </a:tblPr>
               <a:tblGrid>
-                <a:gridCol w="6395975">
+                <a:gridCol w="5729793">
                   <a:extLst>
                     <a:ext uri="{9D8B030D-6E8A-4147-A177-3AD203B41FA5}">
                       <a16:colId xmlns:a16="http://schemas.microsoft.com/office/drawing/2014/main" val="20000"/>
                     </a:ext>
                   </a:extLst>
                 </a:gridCol>
-                <a:gridCol w="2652625">
+                <a:gridCol w="3988256">
                   <a:extLst>
                     <a:ext uri="{9D8B030D-6E8A-4147-A177-3AD203B41FA5}">
                       <a16:colId xmlns:a16="http://schemas.microsoft.com/office/drawing/2014/main" val="20001"/>
@@ -18998,7 +19401,11 @@
                         </a:spcAft>
                         <a:buNone/>
                       </a:pPr>
-                      <a:endParaRPr sz="1800" u="none" strike="noStrike" cap="none"/>
+                      <a:r>
+                        <a:rPr lang="es-ES" sz="1800" u="none" strike="noStrike" cap="none" dirty="0" smtClean="0"/>
+                        <a:t>6 meses</a:t>
+                      </a:r>
+                      <a:endParaRPr sz="1800" u="none" strike="noStrike" cap="none" dirty="0"/>
                     </a:p>
                   </a:txBody>
                   <a:tcPr marL="91450" marR="91450" marT="45725" marB="45725"/>
@@ -19052,7 +19459,15 @@
                         </a:spcAft>
                         <a:buNone/>
                       </a:pPr>
-                      <a:endParaRPr sz="1800" u="none" strike="noStrike" cap="none"/>
+                      <a:r>
+                        <a:rPr lang="es-ES" sz="1800" u="none" strike="noStrike" cap="none" dirty="0" smtClean="0"/>
+                        <a:t>2 meses o</a:t>
+                      </a:r>
+                      <a:r>
+                        <a:rPr lang="es-ES" sz="1800" u="none" strike="noStrike" cap="none" baseline="0" dirty="0" smtClean="0"/>
+                        <a:t> 3 para empresas de más de 25 trabajadores</a:t>
+                      </a:r>
+                      <a:endParaRPr sz="1800" u="none" strike="noStrike" cap="none" dirty="0"/>
                     </a:p>
                   </a:txBody>
                   <a:tcPr marL="91450" marR="91450" marT="45725" marB="45725"/>
@@ -19111,7 +19526,11 @@
                         <a:buFont typeface="Arial"/>
                         <a:buNone/>
                       </a:pPr>
-                      <a:endParaRPr sz="1800" u="none" strike="noStrike" cap="none"/>
+                      <a:r>
+                        <a:rPr lang="es-ES" sz="1800" u="none" strike="noStrike" cap="none" dirty="0" smtClean="0"/>
+                        <a:t>1 mes máximo</a:t>
+                      </a:r>
+                      <a:endParaRPr sz="1800" u="none" strike="noStrike" cap="none" dirty="0"/>
                     </a:p>
                   </a:txBody>
                   <a:tcPr marL="91450" marR="91450" marT="45725" marB="45725"/>
@@ -19165,7 +19584,11 @@
                         </a:spcAft>
                         <a:buNone/>
                       </a:pPr>
-                      <a:endParaRPr sz="1800" u="none" strike="noStrike" cap="none"/>
+                      <a:r>
+                        <a:rPr lang="es-ES" sz="1800" u="none" strike="noStrike" cap="none" dirty="0" smtClean="0"/>
+                        <a:t>1 mes (sino establece otra cosa el convenio colectivo)</a:t>
+                      </a:r>
+                      <a:endParaRPr sz="1800" u="none" strike="noStrike" cap="none" dirty="0"/>
                     </a:p>
                   </a:txBody>
                   <a:tcPr marL="91450" marR="91450" marT="45725" marB="45725"/>
@@ -19266,14 +19689,14 @@
           <p:nvPr>
             <p:extLst>
               <p:ext uri="{D42A27DB-BD31-4B8C-83A1-F6EECF244321}">
-                <p14:modId xmlns:p14="http://schemas.microsoft.com/office/powerpoint/2010/main" val="2695975209"/>
+                <p14:modId xmlns:p14="http://schemas.microsoft.com/office/powerpoint/2010/main" val="1442949420"/>
               </p:ext>
             </p:extLst>
           </p:nvPr>
         </p:nvGraphicFramePr>
         <p:xfrm>
-          <a:off x="1096961" y="1417638"/>
-          <a:ext cx="9995125" cy="4903650"/>
+          <a:off x="413238" y="1019911"/>
+          <a:ext cx="11403624" cy="5421061"/>
         </p:xfrm>
         <a:graphic>
           <a:graphicData uri="http://schemas.openxmlformats.org/drawingml/2006/table">
@@ -19283,21 +19706,21 @@
                 <a:tableStyleId>{18298452-14B4-4BBF-95C9-77AAFB38D6AA}</a:tableStyleId>
               </a:tblPr>
               <a:tblGrid>
-                <a:gridCol w="2481125">
+                <a:gridCol w="2646145">
                   <a:extLst>
                     <a:ext uri="{9D8B030D-6E8A-4147-A177-3AD203B41FA5}">
                       <a16:colId xmlns:a16="http://schemas.microsoft.com/office/drawing/2014/main" val="20000"/>
                     </a:ext>
                   </a:extLst>
                 </a:gridCol>
-                <a:gridCol w="3970250">
+                <a:gridCol w="4095224">
                   <a:extLst>
                     <a:ext uri="{9D8B030D-6E8A-4147-A177-3AD203B41FA5}">
                       <a16:colId xmlns:a16="http://schemas.microsoft.com/office/drawing/2014/main" val="20001"/>
                     </a:ext>
                   </a:extLst>
                 </a:gridCol>
-                <a:gridCol w="3543750">
+                <a:gridCol w="4662255">
                   <a:extLst>
                     <a:ext uri="{9D8B030D-6E8A-4147-A177-3AD203B41FA5}">
                       <a16:colId xmlns:a16="http://schemas.microsoft.com/office/drawing/2014/main" val="20002"/>
@@ -19305,7 +19728,7 @@
                   </a:extLst>
                 </a:gridCol>
               </a:tblGrid>
-              <a:tr h="553650">
+              <a:tr h="574731">
                 <a:tc>
                   <a:txBody>
                     <a:bodyPr/>
@@ -19447,7 +19870,7 @@
                   </a:ext>
                 </a:extLst>
               </a:tr>
-              <a:tr h="4350000">
+              <a:tr h="4515634">
                 <a:tc>
                   <a:txBody>
                     <a:bodyPr/>
@@ -19462,7 +19885,7 @@
                         </a:spcAft>
                         <a:buNone/>
                       </a:pPr>
-                      <a:endParaRPr sz="1800"/>
+                      <a:endParaRPr sz="1800" dirty="0"/>
                     </a:p>
                     <a:p>
                       <a:pPr marL="0" marR="0" lvl="0" indent="0" algn="l" rtl="0">
@@ -19475,10 +19898,64 @@
                         <a:buNone/>
                       </a:pPr>
                       <a:r>
-                        <a:rPr lang="es-ES" sz="1800"/>
-                        <a:t>Para imponer sanciones</a:t>
+                        <a:rPr lang="es-ES" sz="1400" dirty="0"/>
+                        <a:t>Para imponer </a:t>
                       </a:r>
-                      <a:endParaRPr/>
+                      <a:r>
+                        <a:rPr lang="es-ES" sz="1400" dirty="0" smtClean="0"/>
+                        <a:t>sanciones</a:t>
+                      </a:r>
+                    </a:p>
+                    <a:p>
+                      <a:pPr marL="0" marR="0" lvl="0" indent="0" algn="l" rtl="0">
+                        <a:spcBef>
+                          <a:spcPts val="0"/>
+                        </a:spcBef>
+                        <a:spcAft>
+                          <a:spcPts val="0"/>
+                        </a:spcAft>
+                        <a:buNone/>
+                      </a:pPr>
+                      <a:r>
+                        <a:rPr lang="es-ES" sz="1400" dirty="0" smtClean="0">
+                          <a:solidFill>
+                            <a:schemeClr val="accent2"/>
+                          </a:solidFill>
+                        </a:rPr>
+                        <a:t>Cuando se cometa infracción. Tienen</a:t>
+                      </a:r>
+                      <a:r>
+                        <a:rPr lang="es-ES" sz="1400" baseline="0" dirty="0" smtClean="0">
+                          <a:solidFill>
+                            <a:schemeClr val="accent2"/>
+                          </a:solidFill>
+                        </a:rPr>
+                        <a:t> que estar justificadas.</a:t>
+                      </a:r>
+                    </a:p>
+                    <a:p>
+                      <a:pPr marL="0" marR="0" lvl="0" indent="0" algn="l" rtl="0">
+                        <a:spcBef>
+                          <a:spcPts val="0"/>
+                        </a:spcBef>
+                        <a:spcAft>
+                          <a:spcPts val="0"/>
+                        </a:spcAft>
+                        <a:buNone/>
+                      </a:pPr>
+                      <a:r>
+                        <a:rPr lang="es-ES" sz="1400" baseline="0" dirty="0" smtClean="0">
+                          <a:solidFill>
+                            <a:schemeClr val="accent2"/>
+                          </a:solidFill>
+                        </a:rPr>
+                        <a:t>Van desde infracciones leves (apercibimiento) hasta las más graves, que provocaría el despido disciplinario.</a:t>
+                      </a:r>
+                      <a:endParaRPr sz="1400" dirty="0">
+                        <a:solidFill>
+                          <a:schemeClr val="accent2"/>
+                        </a:solidFill>
+                      </a:endParaRPr>
                     </a:p>
                   </a:txBody>
                   <a:tcPr marL="91450" marR="91450" marT="45725" marB="45725">
@@ -19534,10 +20011,10 @@
                         <a:buChar char="⮚"/>
                       </a:pPr>
                       <a:r>
-                        <a:rPr lang="es-ES" sz="1800" dirty="0"/>
+                        <a:rPr lang="es-ES" sz="1400" dirty="0"/>
                         <a:t>Dar órdenes e instrucciones.</a:t>
                       </a:r>
-                      <a:endParaRPr sz="1800" dirty="0"/>
+                      <a:endParaRPr sz="1400" dirty="0"/>
                     </a:p>
                     <a:p>
                       <a:pPr marL="285750" marR="0" lvl="0" indent="-171450" algn="l" rtl="0">
@@ -19554,7 +20031,7 @@
                         <a:buFont typeface="Noto Sans Symbols"/>
                         <a:buNone/>
                       </a:pPr>
-                      <a:endParaRPr sz="1800" dirty="0"/>
+                      <a:endParaRPr sz="1400" dirty="0"/>
                     </a:p>
                     <a:p>
                       <a:pPr marL="285750" marR="0" lvl="0" indent="-285750" algn="l" rtl="0">
@@ -19572,10 +20049,58 @@
                         <a:buChar char="⮚"/>
                       </a:pPr>
                       <a:r>
-                        <a:rPr lang="es-ES" sz="1800" dirty="0"/>
-                        <a:t>Presunción de legitimidad</a:t>
+                        <a:rPr lang="es-ES" sz="1400" dirty="0"/>
+                        <a:t>Presunción de </a:t>
                       </a:r>
-                      <a:endParaRPr dirty="0"/>
+                      <a:r>
+                        <a:rPr lang="es-ES" sz="1400" dirty="0" smtClean="0"/>
+                        <a:t>legitimidad </a:t>
+                      </a:r>
+                      <a:r>
+                        <a:rPr lang="es-ES" sz="1400" dirty="0" smtClean="0">
+                          <a:solidFill>
+                            <a:schemeClr val="accent2"/>
+                          </a:solidFill>
+                        </a:rPr>
+                        <a:t>(se entiende que está legitimado</a:t>
+                      </a:r>
+                      <a:r>
+                        <a:rPr lang="es-ES" sz="1400" baseline="0" dirty="0" smtClean="0">
+                          <a:solidFill>
+                            <a:schemeClr val="accent2"/>
+                          </a:solidFill>
+                        </a:rPr>
+                        <a:t> para dártela)</a:t>
+                      </a:r>
+                    </a:p>
+                    <a:p>
+                      <a:pPr marL="0" marR="0" lvl="0" indent="0" algn="l" rtl="0">
+                        <a:spcBef>
+                          <a:spcPts val="0"/>
+                        </a:spcBef>
+                        <a:spcAft>
+                          <a:spcPts val="0"/>
+                        </a:spcAft>
+                        <a:buClr>
+                          <a:schemeClr val="dk1"/>
+                        </a:buClr>
+                        <a:buSzPts val="1800"/>
+                        <a:buFont typeface="Noto Sans Symbols"/>
+                        <a:buNone/>
+                      </a:pPr>
+                      <a:r>
+                        <a:rPr lang="es-ES" sz="1400" baseline="0" dirty="0" smtClean="0">
+                          <a:solidFill>
+                            <a:schemeClr val="accent2"/>
+                          </a:solidFill>
+                        </a:rPr>
+                        <a:t>Derecho a la desconexión digital: No tengo que contestar un correo fuera de mi horario laboral.</a:t>
+                      </a:r>
+                      <a:endParaRPr sz="1400" dirty="0">
+                        <a:solidFill>
+                          <a:schemeClr val="accent2"/>
+                        </a:solidFill>
+                      </a:endParaRPr>
                     </a:p>
                     <a:p>
                       <a:pPr marL="285750" marR="0" lvl="0" indent="-171450" algn="l" rtl="0">
@@ -19592,7 +20117,7 @@
                         <a:buFont typeface="Noto Sans Symbols"/>
                         <a:buNone/>
                       </a:pPr>
-                      <a:endParaRPr sz="1800" dirty="0"/>
+                      <a:endParaRPr sz="1400" dirty="0"/>
                     </a:p>
                     <a:p>
                       <a:pPr marL="285750" marR="0" lvl="0" indent="-285750" algn="l" rtl="0">
@@ -19610,18 +20135,18 @@
                         <a:buChar char="⮚"/>
                       </a:pPr>
                       <a:r>
-                        <a:rPr lang="es-ES" sz="1800" dirty="0"/>
+                        <a:rPr lang="es-ES" sz="1400" dirty="0"/>
                         <a:t>¿Cuándo se puede </a:t>
                       </a:r>
                       <a:r>
-                        <a:rPr lang="es-ES" sz="1800" b="1" dirty="0"/>
+                        <a:rPr lang="es-ES" sz="1400" b="1" dirty="0"/>
                         <a:t>desobedecer</a:t>
                       </a:r>
                       <a:r>
-                        <a:rPr lang="es-ES" sz="1800" dirty="0"/>
+                        <a:rPr lang="es-ES" sz="1400" dirty="0"/>
                         <a:t> una orden?</a:t>
                       </a:r>
-                      <a:endParaRPr sz="1800" dirty="0"/>
+                      <a:endParaRPr sz="1400" dirty="0"/>
                     </a:p>
                     <a:p>
                       <a:pPr marL="0" marR="0" lvl="0" indent="0" algn="l" rtl="0">
@@ -19633,7 +20158,7 @@
                         </a:spcAft>
                         <a:buNone/>
                       </a:pPr>
-                      <a:endParaRPr sz="1800" dirty="0"/>
+                      <a:endParaRPr sz="1400" dirty="0"/>
                     </a:p>
                     <a:p>
                       <a:pPr marL="1200150" marR="0" lvl="2" indent="-285750" algn="l" rtl="0">
@@ -19651,10 +20176,10 @@
                         <a:buChar char="▪"/>
                       </a:pPr>
                       <a:r>
-                        <a:rPr lang="es-ES" sz="1800" u="none" strike="noStrike" cap="none" dirty="0"/>
+                        <a:rPr lang="es-ES" sz="1400" u="none" strike="noStrike" cap="none" dirty="0"/>
                         <a:t>Afecte vida privada</a:t>
                       </a:r>
-                      <a:endParaRPr dirty="0"/>
+                      <a:endParaRPr sz="1400" dirty="0"/>
                     </a:p>
                     <a:p>
                       <a:pPr marL="1200150" marR="0" lvl="2" indent="-285750" algn="l" rtl="0">
@@ -19672,10 +20197,10 @@
                         <a:buChar char="▪"/>
                       </a:pPr>
                       <a:r>
-                        <a:rPr lang="es-ES" sz="1800" u="none" strike="noStrike" cap="none" dirty="0"/>
+                        <a:rPr lang="es-ES" sz="1400" u="none" strike="noStrike" cap="none" dirty="0"/>
                         <a:t>Peligrosas y riesgo grave</a:t>
                       </a:r>
-                      <a:endParaRPr sz="1800" u="none" strike="noStrike" cap="none" dirty="0"/>
+                      <a:endParaRPr sz="1400" u="none" strike="noStrike" cap="none" dirty="0"/>
                     </a:p>
                     <a:p>
                       <a:pPr marL="1200150" marR="0" lvl="2" indent="-285750" algn="l" rtl="0">
@@ -19693,10 +20218,10 @@
                         <a:buChar char="▪"/>
                       </a:pPr>
                       <a:r>
-                        <a:rPr lang="es-ES" sz="1800" u="none" strike="noStrike" cap="none" dirty="0"/>
+                        <a:rPr lang="es-ES" sz="1400" u="none" strike="noStrike" cap="none" dirty="0"/>
                         <a:t>Afecten a la dignidad</a:t>
                       </a:r>
-                      <a:endParaRPr sz="1800" u="none" strike="noStrike" cap="none" dirty="0"/>
+                      <a:endParaRPr sz="1400" u="none" strike="noStrike" cap="none" dirty="0"/>
                     </a:p>
                     <a:p>
                       <a:pPr marL="1200150" marR="0" lvl="2" indent="-285750" algn="l" rtl="0">
@@ -19714,10 +20239,10 @@
                         <a:buChar char="▪"/>
                       </a:pPr>
                       <a:r>
-                        <a:rPr lang="es-ES" sz="1800" u="none" strike="noStrike" cap="none" dirty="0"/>
+                        <a:rPr lang="es-ES" sz="1400" u="none" strike="noStrike" cap="none" dirty="0"/>
                         <a:t>Ilegales</a:t>
                       </a:r>
-                      <a:endParaRPr dirty="0"/>
+                      <a:endParaRPr sz="1400" dirty="0"/>
                     </a:p>
                     <a:p>
                       <a:pPr marL="0" marR="0" lvl="0" indent="0" algn="l" rtl="0">
@@ -19794,10 +20319,10 @@
                         <a:buChar char="⮚"/>
                       </a:pPr>
                       <a:r>
-                        <a:rPr lang="es-ES" sz="1800" dirty="0"/>
+                        <a:rPr lang="es-ES" sz="1400" dirty="0"/>
                         <a:t>Se deberá respetar la dignidad e intimidad de los trabajadores. </a:t>
                       </a:r>
-                      <a:endParaRPr dirty="0"/>
+                      <a:endParaRPr sz="1400" dirty="0"/>
                     </a:p>
                     <a:p>
                       <a:pPr marL="0" marR="0" lvl="0" indent="0" algn="l" rtl="0">
@@ -19809,7 +20334,126 @@
                         </a:spcAft>
                         <a:buNone/>
                       </a:pPr>
-                      <a:endParaRPr sz="1800" dirty="0"/>
+                      <a:endParaRPr sz="1400" dirty="0"/>
+                    </a:p>
+                    <a:p>
+                      <a:pPr marL="800100" marR="0" lvl="1" indent="-342900" algn="just" rtl="0">
+                        <a:spcBef>
+                          <a:spcPts val="0"/>
+                        </a:spcBef>
+                        <a:spcAft>
+                          <a:spcPts val="0"/>
+                        </a:spcAft>
+                        <a:buClr>
+                          <a:schemeClr val="dk1"/>
+                        </a:buClr>
+                        <a:buSzPts val="1800"/>
+                        <a:buFont typeface="Arial" panose="020B0604020202020204" pitchFamily="34" charset="0"/>
+                        <a:buChar char="•"/>
+                      </a:pPr>
+                      <a:r>
+                        <a:rPr lang="es-ES" sz="1400" b="1" u="none" strike="noStrike" cap="none" dirty="0"/>
+                        <a:t>Video </a:t>
+                      </a:r>
+                      <a:r>
+                        <a:rPr lang="es-ES" sz="1400" b="1" u="none" strike="noStrike" cap="none" dirty="0" smtClean="0"/>
+                        <a:t>vigilancia: </a:t>
+                      </a:r>
+                      <a:r>
+                        <a:rPr lang="es-ES" sz="1400" b="0" u="none" strike="noStrike" cap="none" dirty="0" smtClean="0">
+                          <a:solidFill>
+                            <a:schemeClr val="accent2"/>
+                          </a:solidFill>
+                        </a:rPr>
+                        <a:t>Las puede poner el empresario,</a:t>
+                      </a:r>
+                      <a:r>
+                        <a:rPr lang="es-ES" sz="1400" b="0" u="none" strike="noStrike" cap="none" baseline="0" dirty="0" smtClean="0">
+                          <a:solidFill>
+                            <a:schemeClr val="accent2"/>
+                          </a:solidFill>
+                        </a:rPr>
+                        <a:t> pero no puede grabar audio, situadas en zonas de producción y deben ser informados “Áreas video-vigiladas”.</a:t>
+                      </a:r>
+                      <a:endParaRPr sz="1400" b="1" u="none" strike="noStrike" cap="none" dirty="0"/>
+                    </a:p>
+                    <a:p>
+                      <a:pPr marL="800100" marR="0" lvl="1" indent="-342900" algn="just" rtl="0">
+                        <a:spcBef>
+                          <a:spcPts val="0"/>
+                        </a:spcBef>
+                        <a:spcAft>
+                          <a:spcPts val="0"/>
+                        </a:spcAft>
+                        <a:buClr>
+                          <a:schemeClr val="dk1"/>
+                        </a:buClr>
+                        <a:buSzPts val="1800"/>
+                        <a:buFont typeface="Arial" panose="020B0604020202020204" pitchFamily="34" charset="0"/>
+                        <a:buChar char="•"/>
+                      </a:pPr>
+                      <a:r>
+                        <a:rPr lang="es-ES" sz="1400" b="1" u="none" strike="noStrike" cap="none" dirty="0" smtClean="0"/>
+                        <a:t>Registros: </a:t>
+                      </a:r>
+                      <a:r>
+                        <a:rPr lang="es-ES" sz="1400" b="0" u="none" strike="noStrike" cap="none" dirty="0" smtClean="0">
+                          <a:solidFill>
+                            <a:schemeClr val="accent2"/>
+                          </a:solidFill>
+                        </a:rPr>
+                        <a:t>“Se puede, cumpliendo requisitos: indicios de delito,</a:t>
+                      </a:r>
+                      <a:r>
+                        <a:rPr lang="es-ES" sz="1400" b="0" u="none" strike="noStrike" cap="none" baseline="0" dirty="0" smtClean="0">
+                          <a:solidFill>
+                            <a:schemeClr val="accent2"/>
+                          </a:solidFill>
+                        </a:rPr>
+                        <a:t> delante de un representante sindical u otra persona y respetando la dignidad de la persona”</a:t>
+                      </a:r>
+                      <a:endParaRPr sz="1400" b="1" u="none" strike="noStrike" cap="none" dirty="0"/>
+                    </a:p>
+                    <a:p>
+                      <a:pPr marL="800100" marR="0" lvl="1" indent="-342900" algn="just" rtl="0">
+                        <a:spcBef>
+                          <a:spcPts val="0"/>
+                        </a:spcBef>
+                        <a:spcAft>
+                          <a:spcPts val="0"/>
+                        </a:spcAft>
+                        <a:buClr>
+                          <a:schemeClr val="dk1"/>
+                        </a:buClr>
+                        <a:buSzPts val="1800"/>
+                        <a:buFont typeface="Arial" panose="020B0604020202020204" pitchFamily="34" charset="0"/>
+                        <a:buChar char="•"/>
+                      </a:pPr>
+                      <a:r>
+                        <a:rPr lang="es-ES" sz="1400" b="1" u="none" strike="noStrike" cap="none" dirty="0"/>
+                        <a:t>E-mail y </a:t>
+                      </a:r>
+                      <a:r>
+                        <a:rPr lang="es-ES" sz="1400" b="1" u="none" strike="noStrike" cap="none" dirty="0" smtClean="0"/>
+                        <a:t>ordenadores: </a:t>
+                      </a:r>
+                      <a:r>
+                        <a:rPr lang="es-ES" sz="1400" b="0" u="none" strike="noStrike" cap="none" dirty="0" smtClean="0">
+                          <a:solidFill>
+                            <a:schemeClr val="accent2"/>
+                          </a:solidFill>
+                        </a:rPr>
+                        <a:t>“Los corporativos son de la empresa, por</a:t>
+                      </a:r>
+                      <a:r>
+                        <a:rPr lang="es-ES" sz="1400" b="0" u="none" strike="noStrike" cap="none" baseline="0" dirty="0" smtClean="0">
+                          <a:solidFill>
+                            <a:schemeClr val="accent2"/>
+                          </a:solidFill>
+                        </a:rPr>
+                        <a:t> lo que ante un indicio de malas practicas, el empresario podrá registrarlo”.</a:t>
+                      </a:r>
+                      <a:endParaRPr sz="1400" b="1" u="none" strike="noStrike" cap="none" dirty="0"/>
                     </a:p>
                     <a:p>
                       <a:pPr marL="800100" marR="0" lvl="1" indent="-342900" algn="l" rtl="0">
@@ -19827,124 +20471,38 @@
                         <a:buChar char="•"/>
                       </a:pPr>
                       <a:r>
-                        <a:rPr lang="es-ES" sz="1800" b="1" u="none" strike="noStrike" cap="none" dirty="0"/>
-                        <a:t>Video vigilancia</a:t>
-                      </a:r>
-                      <a:endParaRPr dirty="0"/>
-                    </a:p>
-                    <a:p>
-                      <a:pPr marL="857250" marR="0" lvl="1" indent="-285750" algn="l" rtl="0">
-                        <a:spcBef>
-                          <a:spcPts val="0"/>
-                        </a:spcBef>
-                        <a:spcAft>
-                          <a:spcPts val="0"/>
-                        </a:spcAft>
-                        <a:buClr>
-                          <a:schemeClr val="dk1"/>
-                        </a:buClr>
-                        <a:buSzPts val="1800"/>
-                        <a:buFont typeface="Arial" panose="020B0604020202020204" pitchFamily="34" charset="0"/>
-                        <a:buChar char="•"/>
-                      </a:pPr>
-                      <a:endParaRPr sz="1800" b="1" u="none" strike="noStrike" cap="none" dirty="0"/>
-                    </a:p>
-                    <a:p>
-                      <a:pPr marL="800100" marR="0" lvl="1" indent="-342900" algn="l" rtl="0">
-                        <a:spcBef>
-                          <a:spcPts val="0"/>
-                        </a:spcBef>
-                        <a:spcAft>
-                          <a:spcPts val="0"/>
-                        </a:spcAft>
-                        <a:buClr>
-                          <a:schemeClr val="dk1"/>
-                        </a:buClr>
-                        <a:buSzPts val="1800"/>
-                        <a:buFont typeface="Arial" panose="020B0604020202020204" pitchFamily="34" charset="0"/>
-                        <a:buChar char="•"/>
-                      </a:pPr>
-                      <a:r>
-                        <a:rPr lang="es-ES" sz="1800" b="1" u="none" strike="noStrike" cap="none" dirty="0"/>
-                        <a:t>Registros</a:t>
-                      </a:r>
-                      <a:endParaRPr dirty="0"/>
-                    </a:p>
-                    <a:p>
-                      <a:pPr marL="857250" marR="0" lvl="1" indent="-285750" algn="l" rtl="0">
-                        <a:spcBef>
-                          <a:spcPts val="0"/>
-                        </a:spcBef>
-                        <a:spcAft>
-                          <a:spcPts val="0"/>
-                        </a:spcAft>
-                        <a:buClr>
-                          <a:schemeClr val="dk1"/>
-                        </a:buClr>
-                        <a:buSzPts val="1800"/>
-                        <a:buFont typeface="Arial" panose="020B0604020202020204" pitchFamily="34" charset="0"/>
-                        <a:buChar char="•"/>
-                      </a:pPr>
-                      <a:endParaRPr sz="1800" b="1" u="none" strike="noStrike" cap="none" dirty="0"/>
-                    </a:p>
-                    <a:p>
-                      <a:pPr marL="800100" marR="0" lvl="1" indent="-342900" algn="l" rtl="0">
-                        <a:spcBef>
-                          <a:spcPts val="0"/>
-                        </a:spcBef>
-                        <a:spcAft>
-                          <a:spcPts val="0"/>
-                        </a:spcAft>
-                        <a:buClr>
-                          <a:schemeClr val="dk1"/>
-                        </a:buClr>
-                        <a:buSzPts val="1800"/>
-                        <a:buFont typeface="Arial" panose="020B0604020202020204" pitchFamily="34" charset="0"/>
-                        <a:buChar char="•"/>
-                      </a:pPr>
-                      <a:r>
-                        <a:rPr lang="es-ES" sz="1800" b="1" u="none" strike="noStrike" cap="none" dirty="0"/>
-                        <a:t>E-mail y ordenadores</a:t>
-                      </a:r>
-                      <a:endParaRPr dirty="0"/>
-                    </a:p>
-                    <a:p>
-                      <a:pPr marL="857250" marR="0" lvl="1" indent="-285750" algn="l" rtl="0">
-                        <a:spcBef>
-                          <a:spcPts val="0"/>
-                        </a:spcBef>
-                        <a:spcAft>
-                          <a:spcPts val="0"/>
-                        </a:spcAft>
-                        <a:buClr>
-                          <a:schemeClr val="dk1"/>
-                        </a:buClr>
-                        <a:buSzPts val="1800"/>
-                        <a:buFont typeface="Arial" panose="020B0604020202020204" pitchFamily="34" charset="0"/>
-                        <a:buChar char="•"/>
-                      </a:pPr>
-                      <a:endParaRPr sz="1800" b="1" u="none" strike="noStrike" cap="none" dirty="0"/>
-                    </a:p>
-                    <a:p>
-                      <a:pPr marL="800100" marR="0" lvl="1" indent="-342900" algn="l" rtl="0">
-                        <a:spcBef>
-                          <a:spcPts val="0"/>
-                        </a:spcBef>
-                        <a:spcAft>
-                          <a:spcPts val="0"/>
-                        </a:spcAft>
-                        <a:buClr>
-                          <a:schemeClr val="dk1"/>
-                        </a:buClr>
-                        <a:buSzPts val="1800"/>
-                        <a:buFont typeface="Arial" panose="020B0604020202020204" pitchFamily="34" charset="0"/>
-                        <a:buChar char="•"/>
-                      </a:pPr>
-                      <a:r>
-                        <a:rPr lang="es-ES" sz="1800" b="1" u="none" strike="noStrike" cap="none" dirty="0"/>
+                        <a:rPr lang="es-ES" sz="1400" b="1" u="none" strike="sngStrike" cap="none" dirty="0" smtClean="0"/>
                         <a:t>Enfermedad</a:t>
                       </a:r>
-                      <a:endParaRPr dirty="0"/>
+                      <a:r>
+                        <a:rPr lang="es-ES" sz="1400" b="1" u="none" strike="noStrike" cap="none" dirty="0" smtClean="0"/>
+                        <a:t>: </a:t>
+                      </a:r>
+                      <a:r>
+                        <a:rPr lang="es-ES" sz="1400" b="1" u="none" strike="noStrike" cap="none" dirty="0" smtClean="0">
+                          <a:solidFill>
+                            <a:schemeClr val="accent2"/>
+                          </a:solidFill>
+                        </a:rPr>
+                        <a:t>“Vigilancia</a:t>
+                      </a:r>
+                      <a:r>
+                        <a:rPr lang="es-ES" sz="1400" b="1" u="none" strike="noStrike" cap="none" baseline="0" dirty="0" smtClean="0">
+                          <a:solidFill>
+                            <a:schemeClr val="accent2"/>
+                          </a:solidFill>
+                        </a:rPr>
+                        <a:t> de la salud: </a:t>
+                      </a:r>
+                      <a:r>
+                        <a:rPr lang="es-ES" sz="1400" b="0" u="none" strike="noStrike" cap="none" baseline="0" dirty="0" smtClean="0">
+                          <a:solidFill>
+                            <a:schemeClr val="accent2"/>
+                          </a:solidFill>
+                        </a:rPr>
+                        <a:t>Reconocimientos médicos para comprobación de aptitud para poder realizar el trabajo. ¡Ojo! Si te da positivo en estupefacientes, la mutua sólo avisará al empresario si se firma expresamente o hay trabajos en los que pueda verse afectado (ejemplo, conducción).</a:t>
+                      </a:r>
+                      <a:endParaRPr sz="1400" b="0" dirty="0"/>
                     </a:p>
                   </a:txBody>
                   <a:tcPr marL="91450" marR="91450" marT="45725" marB="45725">
@@ -20051,10 +20609,10 @@
               <a:buChar char="•"/>
             </a:pPr>
             <a:r>
-              <a:rPr lang="es-ES" sz="1960" b="1"/>
+              <a:rPr lang="es-ES" sz="1960" b="1" dirty="0"/>
               <a:t>1. Indica si las siguientes relaciones son contrato de trabajo</a:t>
             </a:r>
-            <a:endParaRPr sz="1960" b="1"/>
+            <a:endParaRPr sz="1960" b="1" dirty="0"/>
           </a:p>
           <a:p>
             <a:pPr marL="578358" lvl="1" indent="-285750" algn="l" rtl="0">
@@ -20075,10 +20633,10 @@
               <a:buChar char="•"/>
             </a:pPr>
             <a:r>
-              <a:rPr lang="es-ES" sz="1679"/>
+              <a:rPr lang="es-ES" sz="1679" dirty="0"/>
               <a:t>Una hija que trabaja como dependienta en el negocio familiar de sus padres </a:t>
             </a:r>
-            <a:endParaRPr/>
+            <a:endParaRPr dirty="0"/>
           </a:p>
           <a:p>
             <a:pPr marL="578358" lvl="1" indent="-285750" algn="l" rtl="0">
@@ -20099,10 +20657,10 @@
               <a:buChar char="•"/>
             </a:pPr>
             <a:r>
-              <a:rPr lang="es-ES" sz="1679"/>
+              <a:rPr lang="es-ES" sz="1679" dirty="0"/>
               <a:t>Un auxiliar de clínica que trabaja en un centro de salud privado de su comunidad autónoma.</a:t>
             </a:r>
-            <a:endParaRPr sz="1679"/>
+            <a:endParaRPr sz="1679" dirty="0"/>
           </a:p>
           <a:p>
             <a:pPr marL="578358" lvl="1" indent="-285750" algn="l" rtl="0">
@@ -20123,10 +20681,10 @@
               <a:buChar char="•"/>
             </a:pPr>
             <a:r>
-              <a:rPr lang="es-ES" sz="1679"/>
+              <a:rPr lang="es-ES" sz="1679" dirty="0"/>
               <a:t>Un joven que aprobó la oposición de oficial administrativo y trabaja en el Ministerio de Hacienda y Administraciones Públicas.</a:t>
             </a:r>
-            <a:endParaRPr/>
+            <a:endParaRPr dirty="0"/>
           </a:p>
           <a:p>
             <a:pPr marL="578358" lvl="1" indent="-285750" algn="l" rtl="0">
@@ -20147,10 +20705,10 @@
               <a:buChar char="•"/>
             </a:pPr>
             <a:r>
-              <a:rPr lang="es-ES" sz="1679"/>
+              <a:rPr lang="es-ES" sz="1679" dirty="0"/>
               <a:t>Un Técnico superior que trabaja durante 6 meses para el IMD de Sevilla</a:t>
             </a:r>
-            <a:endParaRPr/>
+            <a:endParaRPr dirty="0"/>
           </a:p>
           <a:p>
             <a:pPr marL="0" lvl="0" indent="0" algn="l" rtl="0">
@@ -20170,18 +20728,18 @@
               <a:buNone/>
             </a:pPr>
             <a:r>
-              <a:rPr lang="es-ES" sz="1960" b="1"/>
+              <a:rPr lang="es-ES" sz="1960" b="1" dirty="0"/>
               <a:t>2.Una directiva de la Unión Europea sobre seguridad en el trabajo establece la obligación de que el nivel no supere los 140 decibelios de nivel pico.</a:t>
             </a:r>
             <a:r>
-              <a:rPr lang="es-ES" sz="1960"/>
+              <a:rPr lang="es-ES" sz="1960" dirty="0"/>
               <a:t> </a:t>
             </a:r>
             <a:r>
-              <a:rPr lang="es-ES" sz="1960" b="1"/>
+              <a:rPr lang="es-ES" sz="1960" b="1" dirty="0"/>
               <a:t>La norma de origen español ¿puede establecer un nivel de ruido superior al mencionado? ¿Por qué?</a:t>
             </a:r>
-            <a:endParaRPr/>
+            <a:endParaRPr dirty="0"/>
           </a:p>
           <a:p>
             <a:pPr marL="0" lvl="0" indent="0" algn="l" rtl="0">
@@ -20201,10 +20759,10 @@
               <a:buNone/>
             </a:pPr>
             <a:r>
-              <a:rPr lang="es-ES" sz="1960" b="1"/>
+              <a:rPr lang="es-ES" sz="1960" b="1" dirty="0"/>
               <a:t>3. Ordena jerárquicamente las siguientes normas. Convenio colectivo, contrato de trabajo de una trabajadora, Ley del Estatuto de los Trabajadores, Directiva de la Unión Europea, Reglamento,.</a:t>
             </a:r>
-            <a:endParaRPr/>
+            <a:endParaRPr dirty="0"/>
           </a:p>
           <a:p>
             <a:pPr marL="0" lvl="0" indent="0" algn="l" rtl="0">
@@ -20224,10 +20782,10 @@
               <a:buNone/>
             </a:pPr>
             <a:r>
-              <a:rPr lang="es-ES" sz="1960" b="1"/>
+              <a:rPr lang="es-ES" sz="1960" b="1" dirty="0"/>
               <a:t>4.-Luis es propietario de una gestoría en la que trabajan, además de él, su hermano y uno de sus hijos, de 28 años.  ¿Puede contratarlos con un contrato laboral? Comenta todas las opciones.</a:t>
             </a:r>
-            <a:endParaRPr/>
+            <a:endParaRPr dirty="0"/>
           </a:p>
           <a:p>
             <a:pPr marL="0" lvl="0" indent="0" algn="l" rtl="0">
@@ -20246,7 +20804,7 @@
               <a:buSzPts val="1960"/>
               <a:buNone/>
             </a:pPr>
-            <a:endParaRPr sz="1960" b="1"/>
+            <a:endParaRPr sz="1960" b="1" dirty="0"/>
           </a:p>
           <a:p>
             <a:pPr marL="228600" lvl="0" indent="-104140" algn="l" rtl="0">
@@ -20265,7 +20823,7 @@
               <a:buSzPts val="1960"/>
               <a:buNone/>
             </a:pPr>
-            <a:endParaRPr sz="1960"/>
+            <a:endParaRPr sz="1960" dirty="0"/>
           </a:p>
         </p:txBody>
       </p:sp>
@@ -20342,10 +20900,10 @@
               <a:buChar char="•"/>
             </a:pPr>
             <a:r>
-              <a:rPr lang="es-ES" sz="2380" b="1"/>
+              <a:rPr lang="es-ES" sz="2380" b="1" dirty="0"/>
               <a:t>5. Determina la validez de los siguientes periodos de prueba: </a:t>
             </a:r>
-            <a:endParaRPr/>
+            <a:endParaRPr dirty="0"/>
           </a:p>
           <a:p>
             <a:pPr marL="228600" lvl="0" indent="-228600" algn="just" rtl="0">
@@ -20365,10 +20923,18 @@
               <a:buChar char="•"/>
             </a:pPr>
             <a:r>
-              <a:rPr lang="es-ES" sz="2380"/>
-              <a:t>a) Óscar, técnico superior en Administración y Finanzas, celebró un contrato indefinido con la empresa Rehusa, S.A., para ocupar el puesto de contable. En este contrato se estipuló un periodo de prueba de seis meses. Óscar es un cualificado profesional que lleva quince años trabajando como contable en otras empresas. </a:t>
+              <a:rPr lang="es-ES" sz="2380" dirty="0"/>
+              <a:t>a) Óscar, técnico superior en Administración y Finanzas, celebró un contrato indefinido con la empresa </a:t>
             </a:r>
-            <a:endParaRPr/>
+            <a:r>
+              <a:rPr lang="es-ES" sz="2380" dirty="0" err="1"/>
+              <a:t>Rehusa</a:t>
+            </a:r>
+            <a:r>
+              <a:rPr lang="es-ES" sz="2380" dirty="0"/>
+              <a:t>, S.A., para ocupar el puesto de contable. En este contrato se estipuló un periodo de prueba de seis meses. Óscar es un cualificado profesional que lleva quince años trabajando como contable en otras empresas. </a:t>
+            </a:r>
+            <a:endParaRPr dirty="0"/>
           </a:p>
           <a:p>
             <a:pPr marL="228600" lvl="0" indent="-228600" algn="just" rtl="0">
@@ -20388,10 +20954,10 @@
               <a:buChar char="•"/>
             </a:pPr>
             <a:r>
-              <a:rPr lang="es-ES" sz="2380"/>
+              <a:rPr lang="es-ES" sz="2380" dirty="0"/>
               <a:t>b) Amaya celebró un contrato indefinido con la empresa MEC, S.A., para ocupar un puesto de auxiliar administrativo, estipulándose un periodo de prueba de seis meses. Amaya trabajó en 2015, y durante seis meses, en esta misma empresa, ocupando idéntico puesto, con un contrato eventual por circunstancias de la producción. </a:t>
             </a:r>
-            <a:endParaRPr/>
+            <a:endParaRPr dirty="0"/>
           </a:p>
           <a:p>
             <a:pPr marL="228600" lvl="0" indent="-228600" algn="just" rtl="0">
@@ -20411,10 +20977,10 @@
               <a:buChar char="•"/>
             </a:pPr>
             <a:r>
-              <a:rPr lang="es-ES" sz="2380"/>
+              <a:rPr lang="es-ES" sz="2380" dirty="0"/>
               <a:t>c) Rosario fue contratada en julio de 2015 bajo la modalidad de obra o servicio. La categoría y funciones a realizar fueron las de auxiliar de clínica, pactándose verbalmente un periodo de prueba de dos meses. </a:t>
             </a:r>
-            <a:endParaRPr/>
+            <a:endParaRPr dirty="0"/>
           </a:p>
         </p:txBody>
       </p:sp>
@@ -20679,9 +21245,25 @@
             </a:pPr>
             <a:r>
               <a:rPr lang="es-ES" sz="1550" dirty="0"/>
-              <a:t>TEMA 2: Tipos de contrato.</a:t>
+              <a:t>TEMA 2: Tipos de contrato</a:t>
             </a:r>
-            <a:endParaRPr dirty="0"/>
+            <a:r>
+              <a:rPr lang="es-ES" sz="1550" dirty="0" smtClean="0"/>
+              <a:t>. </a:t>
+            </a:r>
+            <a:r>
+              <a:rPr lang="es-ES" sz="1550" dirty="0" smtClean="0">
+                <a:solidFill>
+                  <a:schemeClr val="accent2"/>
+                </a:solidFill>
+              </a:rPr>
+              <a:t>(No entra en el examen)</a:t>
+            </a:r>
+            <a:endParaRPr dirty="0">
+              <a:solidFill>
+                <a:schemeClr val="accent2"/>
+              </a:solidFill>
+            </a:endParaRPr>
           </a:p>
           <a:p>
             <a:pPr marL="228600" lvl="0" indent="-228600" algn="l" rtl="0">
@@ -23408,23 +23990,7 @@
                   <a:schemeClr val="tx1"/>
                 </a:solidFill>
               </a:rPr>
-              <a:t>ACUERDO ENTRE EMPRESARIO Y </a:t>
-            </a:r>
-            <a:r>
-              <a:rPr lang="es-ES" sz="1200" b="1" dirty="0" smtClean="0">
-                <a:solidFill>
-                  <a:schemeClr val="tx1"/>
-                </a:solidFill>
-              </a:rPr>
-              <a:t>TRABAJADOR QUE </a:t>
-            </a:r>
-            <a:r>
-              <a:rPr lang="es-ES" sz="1200" b="1" dirty="0" smtClean="0">
-                <a:solidFill>
-                  <a:schemeClr val="tx1"/>
-                </a:solidFill>
-              </a:rPr>
-              <a:t>REGULA LAS CONDICIONES DE TRABAJO</a:t>
+              <a:t>ACUERDO ENTRE EMPRESARIO Y TRABAJADOR QUE REGULA LAS CONDICIONES DE TRABAJO</a:t>
             </a:r>
             <a:endParaRPr sz="1200" b="1" dirty="0">
               <a:solidFill>
@@ -23486,21 +24052,8 @@
                   <a:schemeClr val="tx1"/>
                 </a:solidFill>
               </a:rPr>
-              <a:t>- </a:t>
+              <a:t>- VOLUNTARIO </a:t>
             </a:r>
-            <a:r>
-              <a:rPr lang="es-ES" sz="1800" b="1" dirty="0" smtClean="0">
-                <a:solidFill>
-                  <a:schemeClr val="tx1"/>
-                </a:solidFill>
-              </a:rPr>
-              <a:t>VOLUNTARIO </a:t>
-            </a:r>
-            <a:endParaRPr lang="es-ES" sz="1800" b="1" dirty="0" smtClean="0">
-              <a:solidFill>
-                <a:schemeClr val="tx1"/>
-              </a:solidFill>
-            </a:endParaRPr>
           </a:p>
           <a:p>
             <a:pPr marL="228600" lvl="0" indent="-228600" algn="l" rtl="0">
@@ -23608,15 +24161,7 @@
                   <a:schemeClr val="tx1"/>
                 </a:solidFill>
               </a:rPr>
-              <a:t>- POR CUENTA </a:t>
-            </a:r>
-            <a:r>
-              <a:rPr lang="es-ES" sz="1800" b="1" dirty="0" smtClean="0">
-                <a:solidFill>
-                  <a:schemeClr val="tx1"/>
-                </a:solidFill>
-              </a:rPr>
-              <a:t>AJENA: </a:t>
+              <a:t>- POR CUENTA AJENA: </a:t>
             </a:r>
             <a:r>
               <a:rPr lang="es-ES" sz="1100" b="1" dirty="0" smtClean="0">
@@ -24811,15 +25356,7 @@
                   <a:srgbClr val="C55A11"/>
                 </a:solidFill>
               </a:rPr>
-              <a:t>(R</a:t>
-            </a:r>
-            <a:r>
-              <a:rPr lang="es-ES" sz="1200" dirty="0" smtClean="0">
-                <a:solidFill>
-                  <a:srgbClr val="C55A11"/>
-                </a:solidFill>
-              </a:rPr>
-              <a:t>equieren ley propia y si esa ley no regula algo, supletoriamente se le aplica la LET)</a:t>
+              <a:t>(Requieren ley propia y si esa ley no regula algo, supletoriamente se le aplica la LET)</a:t>
             </a:r>
             <a:endParaRPr sz="1200" dirty="0"/>
           </a:p>

--- a/PROGRAMACION/FOL/TEMA 1 FOL ALUMNOS.pptx
+++ b/PROGRAMACION/FOL/TEMA 1 FOL ALUMNOS.pptx
@@ -264,7 +264,7 @@
       <p15:sldGuideLst xmlns:p15="http://schemas.microsoft.com/office/powerpoint/2012/main"/>
     </p:ext>
     <p:ext uri="http://customooxmlschemas.google.com/">
-      <go:slidesCustomData xmlns="" xmlns:mc="http://schemas.openxmlformats.org/markup-compatibility/2006" xmlns:mv="urn:schemas-microsoft-com:mac:vml" xmlns:c="http://schemas.openxmlformats.org/drawingml/2006/chart" xmlns:dgm="http://schemas.openxmlformats.org/drawingml/2006/diagram" xmlns:o="urn:schemas-microsoft-com:office:office" xmlns:v="urn:schemas-microsoft-com:vml" xmlns:pvml="urn:schemas-microsoft-com:office:powerpoint" xmlns:com="http://schemas.openxmlformats.org/drawingml/2006/compatibility" xmlns:p14="http://schemas.microsoft.com/office/powerpoint/2010/main" xmlns:p15="http://schemas.microsoft.com/office/powerpoint/2012/main" xmlns:ahyp="http://schemas.microsoft.com/office/drawing/2018/hyperlinkcolor" xmlns:go="http://customooxmlschemas.google.com/" r:id="rId26" roundtripDataSignature="AMtx7mj7n5HUuEFIm90kBBpDjxwRYlDioQ=="/>
+      <go:slidesCustomData xmlns:go="http://customooxmlschemas.google.com/" xmlns:ahyp="http://schemas.microsoft.com/office/drawing/2018/hyperlinkcolor" xmlns:p15="http://schemas.microsoft.com/office/powerpoint/2012/main" xmlns:p14="http://schemas.microsoft.com/office/powerpoint/2010/main" xmlns:com="http://schemas.openxmlformats.org/drawingml/2006/compatibility" xmlns:pvml="urn:schemas-microsoft-com:office:powerpoint" xmlns:v="urn:schemas-microsoft-com:vml" xmlns:o="urn:schemas-microsoft-com:office:office" xmlns:dgm="http://schemas.openxmlformats.org/drawingml/2006/diagram" xmlns:c="http://schemas.openxmlformats.org/drawingml/2006/chart" xmlns:mv="urn:schemas-microsoft-com:mac:vml" xmlns:mc="http://schemas.openxmlformats.org/markup-compatibility/2006" xmlns="" r:id="rId26" roundtripDataSignature="AMtx7mj7n5HUuEFIm90kBBpDjxwRYlDioQ=="/>
     </p:ext>
   </p:extLst>
 </p:presentation>
@@ -20574,7 +20574,7 @@
         <p:spPr>
           <a:xfrm>
             <a:off x="569843" y="530087"/>
-            <a:ext cx="11039061" cy="5339007"/>
+            <a:ext cx="11039061" cy="5615736"/>
           </a:xfrm>
           <a:prstGeom prst="rect">
             <a:avLst/>
@@ -20588,7 +20588,7 @@
         </p:spPr>
         <p:txBody>
           <a:bodyPr spcFirstLastPara="1" wrap="square" lIns="91425" tIns="45700" rIns="91425" bIns="45700" anchor="t" anchorCtr="0">
-            <a:normAutofit/>
+            <a:normAutofit fontScale="70000" lnSpcReduction="20000"/>
           </a:bodyPr>
           <a:lstStyle/>
           <a:p>
@@ -20634,7 +20634,27 @@
             </a:pPr>
             <a:r>
               <a:rPr lang="es-ES" sz="1679" dirty="0"/>
-              <a:t>Una hija que trabaja como dependienta en el negocio familiar de sus padres </a:t>
+              <a:t>Una hija que trabaja como dependienta en el negocio familiar de sus </a:t>
+            </a:r>
+            <a:r>
+              <a:rPr lang="es-ES" sz="1679" dirty="0" smtClean="0"/>
+              <a:t>padres: </a:t>
+            </a:r>
+            <a:r>
+              <a:rPr lang="es-ES" sz="1679" dirty="0" smtClean="0">
+                <a:solidFill>
+                  <a:schemeClr val="accent2"/>
+                </a:solidFill>
+              </a:rPr>
+              <a:t>S</a:t>
+            </a:r>
+            <a:r>
+              <a:rPr lang="es-ES" sz="1679" dirty="0" smtClean="0">
+                <a:solidFill>
+                  <a:schemeClr val="accent2"/>
+                </a:solidFill>
+              </a:rPr>
+              <a:t>i vive fuera= contrato normal, si vive dentro, si es menor de 30 años, contrato sin desempleo y mayor de 30 Autónomo colaborador.</a:t>
             </a:r>
             <a:endParaRPr dirty="0"/>
           </a:p>
@@ -20658,9 +20678,25 @@
             </a:pPr>
             <a:r>
               <a:rPr lang="es-ES" sz="1679" dirty="0"/>
-              <a:t>Un auxiliar de clínica que trabaja en un centro de salud privado de su comunidad autónoma.</a:t>
+              <a:t>Un auxiliar de clínica que trabaja en un centro de salud privado de su comunidad autónoma</a:t>
             </a:r>
-            <a:endParaRPr sz="1679" dirty="0"/>
+            <a:r>
+              <a:rPr lang="es-ES" sz="1679" dirty="0" smtClean="0"/>
+              <a:t>. </a:t>
+            </a:r>
+            <a:r>
+              <a:rPr lang="es-ES" sz="1679" dirty="0" smtClean="0">
+                <a:solidFill>
+                  <a:schemeClr val="accent2"/>
+                </a:solidFill>
+              </a:rPr>
+              <a:t>No hay inconveniente.</a:t>
+            </a:r>
+            <a:endParaRPr sz="1679" dirty="0">
+              <a:solidFill>
+                <a:schemeClr val="accent2"/>
+              </a:solidFill>
+            </a:endParaRPr>
           </a:p>
           <a:p>
             <a:pPr marL="578358" lvl="1" indent="-285750" algn="l" rtl="0">
@@ -20682,9 +20718,25 @@
             </a:pPr>
             <a:r>
               <a:rPr lang="es-ES" sz="1679" dirty="0"/>
-              <a:t>Un joven que aprobó la oposición de oficial administrativo y trabaja en el Ministerio de Hacienda y Administraciones Públicas.</a:t>
+              <a:t>Un joven que aprobó la oposición de oficial administrativo y trabaja en el Ministerio de Hacienda y Administraciones Públicas</a:t>
             </a:r>
-            <a:endParaRPr dirty="0"/>
+            <a:r>
+              <a:rPr lang="es-ES" sz="1679" dirty="0" smtClean="0"/>
+              <a:t>. </a:t>
+            </a:r>
+            <a:r>
+              <a:rPr lang="es-ES" sz="1679" dirty="0" smtClean="0">
+                <a:solidFill>
+                  <a:schemeClr val="accent2"/>
+                </a:solidFill>
+              </a:rPr>
+              <a:t>Los funcionarios no tienen contrato, sino que es por nombramiento.</a:t>
+            </a:r>
+            <a:endParaRPr dirty="0">
+              <a:solidFill>
+                <a:schemeClr val="accent2"/>
+              </a:solidFill>
+            </a:endParaRPr>
           </a:p>
           <a:p>
             <a:pPr marL="578358" lvl="1" indent="-285750" algn="l" rtl="0">
@@ -20706,24 +20758,27 @@
             </a:pPr>
             <a:r>
               <a:rPr lang="es-ES" sz="1679" dirty="0"/>
-              <a:t>Un Técnico superior que trabaja durante 6 meses para el IMD de Sevilla</a:t>
+              <a:t>Un Técnico superior que trabaja durante 6 meses para el IMD de </a:t>
+            </a:r>
+            <a:r>
+              <a:rPr lang="es-ES" sz="1679" dirty="0" smtClean="0"/>
+              <a:t>Sevilla: </a:t>
+            </a:r>
+            <a:r>
+              <a:rPr lang="es-ES" sz="1679" dirty="0" smtClean="0">
+                <a:solidFill>
+                  <a:schemeClr val="accent2"/>
+                </a:solidFill>
+              </a:rPr>
+              <a:t>Sin problema.</a:t>
             </a:r>
             <a:endParaRPr dirty="0"/>
           </a:p>
           <a:p>
-            <a:pPr marL="0" lvl="0" indent="0" algn="l" rtl="0">
+            <a:pPr marL="0" lvl="0" indent="0" algn="just">
               <a:lnSpc>
                 <a:spcPct val="110000"/>
               </a:lnSpc>
-              <a:spcBef>
-                <a:spcPts val="1000"/>
-              </a:spcBef>
-              <a:spcAft>
-                <a:spcPts val="0"/>
-              </a:spcAft>
-              <a:buClr>
-                <a:schemeClr val="dk1"/>
-              </a:buClr>
               <a:buSzPts val="1960"/>
               <a:buNone/>
             </a:pPr>
@@ -20737,7 +20792,68 @@
             </a:r>
             <a:r>
               <a:rPr lang="es-ES" sz="1960" b="1" dirty="0"/>
-              <a:t>La norma de origen español ¿puede establecer un nivel de ruido superior al mencionado? ¿Por qué?</a:t>
+              <a:t>La norma de origen español ¿puede establecer un nivel de ruido superior al mencionado? ¿Por qué</a:t>
+            </a:r>
+            <a:r>
+              <a:rPr lang="es-ES" sz="1960" b="1" dirty="0" smtClean="0"/>
+              <a:t>? </a:t>
+            </a:r>
+            <a:r>
+              <a:rPr lang="es-ES" sz="2000" dirty="0">
+                <a:solidFill>
+                  <a:schemeClr val="accent2"/>
+                </a:solidFill>
+              </a:rPr>
+              <a:t>Entiendo que no. Por una parte, por el principio de jerarquía y el de condición más beneficiosa  la normativa a más decibelios empeoraría las condiciones de la Unión Europea, y se supone que más de 140 decibelios empeora las condiciones por más contaminación acústica. </a:t>
+            </a:r>
+            <a:endParaRPr sz="2000" dirty="0">
+              <a:solidFill>
+                <a:schemeClr val="accent2"/>
+              </a:solidFill>
+            </a:endParaRPr>
+          </a:p>
+          <a:p>
+            <a:pPr marL="0" lvl="0" indent="0" algn="l" rtl="0">
+              <a:lnSpc>
+                <a:spcPct val="110000"/>
+              </a:lnSpc>
+              <a:spcBef>
+                <a:spcPts val="1000"/>
+              </a:spcBef>
+              <a:spcAft>
+                <a:spcPts val="0"/>
+              </a:spcAft>
+              <a:buClr>
+                <a:schemeClr val="dk1"/>
+              </a:buClr>
+              <a:buSzPts val="1960"/>
+              <a:buNone/>
+            </a:pPr>
+            <a:r>
+              <a:rPr lang="es-ES" sz="1960" b="1" dirty="0"/>
+              <a:t>3. Ordena jerárquicamente las siguientes normas. Convenio colectivo, contrato de trabajo de una trabajadora, Ley del Estatuto de los Trabajadores, Directiva de la Unión Europea, Reglamento</a:t>
+            </a:r>
+            <a:r>
+              <a:rPr lang="es-ES" sz="1960" b="1" dirty="0" smtClean="0"/>
+              <a:t>,.</a:t>
+            </a:r>
+          </a:p>
+          <a:p>
+            <a:r>
+              <a:rPr lang="es-ES" sz="2100" b="1" dirty="0">
+                <a:solidFill>
+                  <a:schemeClr val="accent2"/>
+                </a:solidFill>
+              </a:rPr>
+              <a:t>Directiva de la Unión Europea &gt; Ley del Estatuto de los Trabajadores &gt; Reglamento&gt;Convenio colectivo&gt;Contrato de trabajo de una </a:t>
+            </a:r>
+            <a:r>
+              <a:rPr lang="es-ES" sz="2100" b="1" dirty="0" smtClean="0">
+                <a:solidFill>
+                  <a:schemeClr val="accent2"/>
+                </a:solidFill>
+              </a:rPr>
+              <a:t>trabajadora</a:t>
             </a:r>
             <a:endParaRPr dirty="0"/>
           </a:p>
@@ -20760,70 +20876,74 @@
             </a:pPr>
             <a:r>
               <a:rPr lang="es-ES" sz="1960" b="1" dirty="0"/>
-              <a:t>3. Ordena jerárquicamente las siguientes normas. Convenio colectivo, contrato de trabajo de una trabajadora, Ley del Estatuto de los Trabajadores, Directiva de la Unión Europea, Reglamento,.</a:t>
+              <a:t>4.-Luis es propietario de una gestoría en la que trabajan, además de él, su hermano y uno de sus hijos, de 28 años.  ¿Puede contratarlos con un contrato laboral? Comenta todas las opciones</a:t>
             </a:r>
-            <a:endParaRPr dirty="0"/>
+            <a:r>
+              <a:rPr lang="es-ES" sz="1960" b="1" dirty="0" smtClean="0"/>
+              <a:t>.</a:t>
+            </a:r>
           </a:p>
           <a:p>
-            <a:pPr marL="0" lvl="0" indent="0" algn="l" rtl="0">
-              <a:lnSpc>
-                <a:spcPct val="110000"/>
-              </a:lnSpc>
-              <a:spcBef>
-                <a:spcPts val="1000"/>
-              </a:spcBef>
-              <a:spcAft>
-                <a:spcPts val="0"/>
-              </a:spcAft>
-              <a:buClr>
-                <a:schemeClr val="dk1"/>
-              </a:buClr>
-              <a:buSzPts val="1960"/>
+            <a:pPr marL="114300" indent="0">
               <a:buNone/>
             </a:pPr>
             <a:r>
-              <a:rPr lang="es-ES" sz="1960" b="1" dirty="0"/>
-              <a:t>4.-Luis es propietario de una gestoría en la que trabajan, además de él, su hermano y uno de sus hijos, de 28 años.  ¿Puede contratarlos con un contrato laboral? Comenta todas las opciones.</a:t>
+              <a:rPr lang="es-ES" dirty="0">
+                <a:solidFill>
+                  <a:schemeClr val="accent2"/>
+                </a:solidFill>
+              </a:rPr>
+              <a:t>Luis tendrá que ser autónomo. </a:t>
             </a:r>
-            <a:endParaRPr dirty="0"/>
+            <a:endParaRPr lang="es-ES" dirty="0">
+              <a:solidFill>
+                <a:schemeClr val="accent2"/>
+              </a:solidFill>
+            </a:endParaRPr>
           </a:p>
           <a:p>
-            <a:pPr marL="0" lvl="0" indent="0" algn="l" rtl="0">
-              <a:lnSpc>
-                <a:spcPct val="70000"/>
-              </a:lnSpc>
-              <a:spcBef>
-                <a:spcPts val="1000"/>
-              </a:spcBef>
-              <a:spcAft>
-                <a:spcPts val="0"/>
-              </a:spcAft>
-              <a:buClr>
-                <a:schemeClr val="dk1"/>
-              </a:buClr>
-              <a:buSzPts val="1960"/>
+            <a:pPr marL="114300" indent="0">
               <a:buNone/>
             </a:pPr>
-            <a:endParaRPr sz="1960" b="1" dirty="0"/>
+            <a:r>
+              <a:rPr lang="es-ES" dirty="0">
+                <a:solidFill>
+                  <a:schemeClr val="accent2"/>
+                </a:solidFill>
+              </a:rPr>
+              <a:t>Su hermano, podrá tenerlo siempre que viva fuera del hogar familiar de Luis y por sus propios medios, sino es el caso, tendrá que darse de alta como autónomo colaborador (por su relación de segundo grado con Luis)</a:t>
+            </a:r>
+            <a:endParaRPr lang="es-ES" dirty="0">
+              <a:solidFill>
+                <a:schemeClr val="accent2"/>
+              </a:solidFill>
+            </a:endParaRPr>
           </a:p>
           <a:p>
-            <a:pPr marL="228600" lvl="0" indent="-104140" algn="l" rtl="0">
-              <a:lnSpc>
-                <a:spcPct val="70000"/>
-              </a:lnSpc>
-              <a:spcBef>
-                <a:spcPts val="1000"/>
-              </a:spcBef>
-              <a:spcAft>
-                <a:spcPts val="0"/>
-              </a:spcAft>
-              <a:buClr>
-                <a:schemeClr val="dk1"/>
-              </a:buClr>
-              <a:buSzPts val="1960"/>
+            <a:pPr marL="114300" indent="0">
               <a:buNone/>
             </a:pPr>
-            <a:endParaRPr sz="1960" dirty="0"/>
+            <a:r>
+              <a:rPr lang="es-ES" dirty="0">
+                <a:solidFill>
+                  <a:schemeClr val="accent2"/>
+                </a:solidFill>
+              </a:rPr>
+              <a:t>El hijo de Luis, si vive dentro del mismo hogar familiar,  podrá tener un contrato laboral, pero sin desempleo. Si vive fuera del hogar familiar, por sus propios medios, si podrá tener un contrato laboral</a:t>
+            </a:r>
+            <a:r>
+              <a:rPr lang="es-ES" dirty="0" smtClean="0">
+                <a:solidFill>
+                  <a:schemeClr val="accent2"/>
+                </a:solidFill>
+              </a:rPr>
+              <a:t>.</a:t>
+            </a:r>
+            <a:endParaRPr dirty="0">
+              <a:solidFill>
+                <a:schemeClr val="accent2"/>
+              </a:solidFill>
+            </a:endParaRPr>
           </a:p>
         </p:txBody>
       </p:sp>
@@ -20879,7 +20999,7 @@
         </p:spPr>
         <p:txBody>
           <a:bodyPr spcFirstLastPara="1" wrap="square" lIns="91425" tIns="45700" rIns="91425" bIns="45700" anchor="t" anchorCtr="0">
-            <a:normAutofit/>
+            <a:normAutofit fontScale="92500" lnSpcReduction="20000"/>
           </a:bodyPr>
           <a:lstStyle/>
           <a:p>
@@ -20934,7 +21054,42 @@
               <a:rPr lang="es-ES" sz="2380" dirty="0"/>
               <a:t>, S.A., para ocupar el puesto de contable. En este contrato se estipuló un periodo de prueba de seis meses. Óscar es un cualificado profesional que lleva quince años trabajando como contable en otras empresas. </a:t>
             </a:r>
-            <a:endParaRPr dirty="0"/>
+            <a:endParaRPr lang="es-ES" sz="2380" dirty="0" smtClean="0"/>
+          </a:p>
+          <a:p>
+            <a:pPr marL="0" lvl="0" indent="0" algn="just" rtl="0">
+              <a:lnSpc>
+                <a:spcPct val="110000"/>
+              </a:lnSpc>
+              <a:spcBef>
+                <a:spcPts val="1000"/>
+              </a:spcBef>
+              <a:spcAft>
+                <a:spcPts val="0"/>
+              </a:spcAft>
+              <a:buClr>
+                <a:schemeClr val="dk1"/>
+              </a:buClr>
+              <a:buSzPts val="2380"/>
+              <a:buNone/>
+            </a:pPr>
+            <a:r>
+              <a:rPr lang="es-ES" sz="1400" dirty="0" smtClean="0"/>
+              <a:t>      </a:t>
+            </a:r>
+            <a:r>
+              <a:rPr lang="es-ES" sz="1400" dirty="0" smtClean="0">
+                <a:solidFill>
+                  <a:schemeClr val="accent2"/>
+                </a:solidFill>
+              </a:rPr>
+              <a:t>No depende de la experiencia, sino de que la empresa lo conozca, por tanto, está bien que tenga el periodo de prueba. Si podría mantener el periodo de prueba.</a:t>
+            </a:r>
+            <a:endParaRPr sz="1400" dirty="0">
+              <a:solidFill>
+                <a:schemeClr val="accent2"/>
+              </a:solidFill>
+            </a:endParaRPr>
           </a:p>
           <a:p>
             <a:pPr marL="228600" lvl="0" indent="-228600" algn="just" rtl="0">
@@ -20957,7 +21112,38 @@
               <a:rPr lang="es-ES" sz="2380" dirty="0"/>
               <a:t>b) Amaya celebró un contrato indefinido con la empresa MEC, S.A., para ocupar un puesto de auxiliar administrativo, estipulándose un periodo de prueba de seis meses. Amaya trabajó en 2015, y durante seis meses, en esta misma empresa, ocupando idéntico puesto, con un contrato eventual por circunstancias de la producción. </a:t>
             </a:r>
-            <a:endParaRPr dirty="0"/>
+            <a:endParaRPr lang="es-ES" sz="2380" dirty="0" smtClean="0"/>
+          </a:p>
+          <a:p>
+            <a:pPr marL="0" lvl="0" indent="0" algn="just" rtl="0">
+              <a:lnSpc>
+                <a:spcPct val="110000"/>
+              </a:lnSpc>
+              <a:spcBef>
+                <a:spcPts val="1000"/>
+              </a:spcBef>
+              <a:spcAft>
+                <a:spcPts val="0"/>
+              </a:spcAft>
+              <a:buClr>
+                <a:schemeClr val="dk1"/>
+              </a:buClr>
+              <a:buSzPts val="2380"/>
+              <a:buNone/>
+            </a:pPr>
+            <a:r>
+              <a:rPr lang="es-ES" sz="1500" dirty="0" smtClean="0">
+                <a:solidFill>
+                  <a:schemeClr val="accent2"/>
+                </a:solidFill>
+              </a:rPr>
+              <a:t>No es aplicable, ya que lleva tiempo en la empresa en la misma categoría.</a:t>
+            </a:r>
+            <a:endParaRPr sz="1500" dirty="0">
+              <a:solidFill>
+                <a:schemeClr val="accent2"/>
+              </a:solidFill>
+            </a:endParaRPr>
           </a:p>
           <a:p>
             <a:pPr marL="228600" lvl="0" indent="-228600" algn="just" rtl="0">
@@ -20980,7 +21166,38 @@
               <a:rPr lang="es-ES" sz="2380" dirty="0"/>
               <a:t>c) Rosario fue contratada en julio de 2015 bajo la modalidad de obra o servicio. La categoría y funciones a realizar fueron las de auxiliar de clínica, pactándose verbalmente un periodo de prueba de dos meses. </a:t>
             </a:r>
-            <a:endParaRPr dirty="0"/>
+            <a:endParaRPr lang="es-ES" sz="2380" dirty="0" smtClean="0"/>
+          </a:p>
+          <a:p>
+            <a:pPr marL="0" lvl="0" indent="0" algn="just" rtl="0">
+              <a:lnSpc>
+                <a:spcPct val="110000"/>
+              </a:lnSpc>
+              <a:spcBef>
+                <a:spcPts val="1000"/>
+              </a:spcBef>
+              <a:spcAft>
+                <a:spcPts val="0"/>
+              </a:spcAft>
+              <a:buClr>
+                <a:schemeClr val="dk1"/>
+              </a:buClr>
+              <a:buSzPts val="2380"/>
+              <a:buNone/>
+            </a:pPr>
+            <a:r>
+              <a:rPr lang="es-ES" sz="2380" dirty="0" smtClean="0">
+                <a:solidFill>
+                  <a:schemeClr val="accent2"/>
+                </a:solidFill>
+              </a:rPr>
+              <a:t>No es válido, porque no se lo han estipulado en el contrato, solo verbalmente.</a:t>
+            </a:r>
+            <a:endParaRPr dirty="0">
+              <a:solidFill>
+                <a:schemeClr val="accent2"/>
+              </a:solidFill>
+            </a:endParaRPr>
           </a:p>
         </p:txBody>
       </p:sp>

--- a/PROGRAMACION/FOL/TEMA 1 FOL ALUMNOS.pptx
+++ b/PROGRAMACION/FOL/TEMA 1 FOL ALUMNOS.pptx
@@ -264,7 +264,7 @@
       <p15:sldGuideLst xmlns:p15="http://schemas.microsoft.com/office/powerpoint/2012/main"/>
     </p:ext>
     <p:ext uri="http://customooxmlschemas.google.com/">
-      <go:slidesCustomData xmlns:go="http://customooxmlschemas.google.com/" xmlns:ahyp="http://schemas.microsoft.com/office/drawing/2018/hyperlinkcolor" xmlns:p15="http://schemas.microsoft.com/office/powerpoint/2012/main" xmlns:p14="http://schemas.microsoft.com/office/powerpoint/2010/main" xmlns:com="http://schemas.openxmlformats.org/drawingml/2006/compatibility" xmlns:pvml="urn:schemas-microsoft-com:office:powerpoint" xmlns:v="urn:schemas-microsoft-com:vml" xmlns:o="urn:schemas-microsoft-com:office:office" xmlns:dgm="http://schemas.openxmlformats.org/drawingml/2006/diagram" xmlns:c="http://schemas.openxmlformats.org/drawingml/2006/chart" xmlns:mv="urn:schemas-microsoft-com:mac:vml" xmlns:mc="http://schemas.openxmlformats.org/markup-compatibility/2006" xmlns="" r:id="rId26" roundtripDataSignature="AMtx7mj7n5HUuEFIm90kBBpDjxwRYlDioQ=="/>
+      <go:slidesCustomData xmlns="" xmlns:mc="http://schemas.openxmlformats.org/markup-compatibility/2006" xmlns:mv="urn:schemas-microsoft-com:mac:vml" xmlns:c="http://schemas.openxmlformats.org/drawingml/2006/chart" xmlns:dgm="http://schemas.openxmlformats.org/drawingml/2006/diagram" xmlns:o="urn:schemas-microsoft-com:office:office" xmlns:v="urn:schemas-microsoft-com:vml" xmlns:pvml="urn:schemas-microsoft-com:office:powerpoint" xmlns:com="http://schemas.openxmlformats.org/drawingml/2006/compatibility" xmlns:p14="http://schemas.microsoft.com/office/powerpoint/2010/main" xmlns:p15="http://schemas.microsoft.com/office/powerpoint/2012/main" xmlns:ahyp="http://schemas.microsoft.com/office/drawing/2018/hyperlinkcolor" xmlns:go="http://customooxmlschemas.google.com/" r:id="rId26" roundtripDataSignature="AMtx7mj7n5HUuEFIm90kBBpDjxwRYlDioQ=="/>
     </p:ext>
   </p:extLst>
 </p:presentation>
@@ -20646,15 +20646,7 @@
                   <a:schemeClr val="accent2"/>
                 </a:solidFill>
               </a:rPr>
-              <a:t>S</a:t>
-            </a:r>
-            <a:r>
-              <a:rPr lang="es-ES" sz="1679" dirty="0" smtClean="0">
-                <a:solidFill>
-                  <a:schemeClr val="accent2"/>
-                </a:solidFill>
-              </a:rPr>
-              <a:t>i vive fuera= contrato normal, si vive dentro, si es menor de 30 años, contrato sin desempleo y mayor de 30 Autónomo colaborador.</a:t>
+              <a:t>Si vive fuera= contrato normal, si vive dentro, si es menor de 30 años, contrato sin desempleo y mayor de 30 Autónomo colaborador.</a:t>
             </a:r>
             <a:endParaRPr dirty="0"/>
           </a:p>
@@ -20895,11 +20887,6 @@
               </a:rPr>
               <a:t>Luis tendrá que ser autónomo. </a:t>
             </a:r>
-            <a:endParaRPr lang="es-ES" dirty="0">
-              <a:solidFill>
-                <a:schemeClr val="accent2"/>
-              </a:solidFill>
-            </a:endParaRPr>
           </a:p>
           <a:p>
             <a:pPr marL="114300" indent="0">
@@ -20913,11 +20900,6 @@
               </a:rPr>
               <a:t>Su hermano, podrá tenerlo siempre que viva fuera del hogar familiar de Luis y por sus propios medios, sino es el caso, tendrá que darse de alta como autónomo colaborador (por su relación de segundo grado con Luis)</a:t>
             </a:r>
-            <a:endParaRPr lang="es-ES" dirty="0">
-              <a:solidFill>
-                <a:schemeClr val="accent2"/>
-              </a:solidFill>
-            </a:endParaRPr>
           </a:p>
           <a:p>
             <a:pPr marL="114300" indent="0">
@@ -25417,7 +25399,15 @@
             </a:r>
             <a:r>
               <a:rPr lang="es-ES" sz="2590" dirty="0" smtClean="0"/>
-              <a:t>ONG (FALRA REMUNERACION)</a:t>
+              <a:t>ONG (</a:t>
+            </a:r>
+            <a:r>
+              <a:rPr lang="es-ES" sz="2590" dirty="0" smtClean="0"/>
+              <a:t>FALTA </a:t>
+            </a:r>
+            <a:r>
+              <a:rPr lang="es-ES" sz="2590" dirty="0" smtClean="0"/>
+              <a:t>REMUNERACION)</a:t>
             </a:r>
             <a:endParaRPr dirty="0"/>
           </a:p>

--- a/PROGRAMACION/FOL/TEMA 1 FOL ALUMNOS.pptx
+++ b/PROGRAMACION/FOL/TEMA 1 FOL ALUMNOS.pptx
@@ -264,7 +264,7 @@
       <p15:sldGuideLst xmlns:p15="http://schemas.microsoft.com/office/powerpoint/2012/main"/>
     </p:ext>
     <p:ext uri="http://customooxmlschemas.google.com/">
-      <go:slidesCustomData xmlns="" xmlns:mc="http://schemas.openxmlformats.org/markup-compatibility/2006" xmlns:mv="urn:schemas-microsoft-com:mac:vml" xmlns:c="http://schemas.openxmlformats.org/drawingml/2006/chart" xmlns:dgm="http://schemas.openxmlformats.org/drawingml/2006/diagram" xmlns:o="urn:schemas-microsoft-com:office:office" xmlns:v="urn:schemas-microsoft-com:vml" xmlns:pvml="urn:schemas-microsoft-com:office:powerpoint" xmlns:com="http://schemas.openxmlformats.org/drawingml/2006/compatibility" xmlns:p14="http://schemas.microsoft.com/office/powerpoint/2010/main" xmlns:p15="http://schemas.microsoft.com/office/powerpoint/2012/main" xmlns:ahyp="http://schemas.microsoft.com/office/drawing/2018/hyperlinkcolor" xmlns:go="http://customooxmlschemas.google.com/" r:id="rId26" roundtripDataSignature="AMtx7mj7n5HUuEFIm90kBBpDjxwRYlDioQ=="/>
+      <go:slidesCustomData xmlns:go="http://customooxmlschemas.google.com/" xmlns:ahyp="http://schemas.microsoft.com/office/drawing/2018/hyperlinkcolor" xmlns:p15="http://schemas.microsoft.com/office/powerpoint/2012/main" xmlns:p14="http://schemas.microsoft.com/office/powerpoint/2010/main" xmlns:com="http://schemas.openxmlformats.org/drawingml/2006/compatibility" xmlns:pvml="urn:schemas-microsoft-com:office:powerpoint" xmlns:v="urn:schemas-microsoft-com:vml" xmlns:o="urn:schemas-microsoft-com:office:office" xmlns:dgm="http://schemas.openxmlformats.org/drawingml/2006/diagram" xmlns:c="http://schemas.openxmlformats.org/drawingml/2006/chart" xmlns:mv="urn:schemas-microsoft-com:mac:vml" xmlns:mc="http://schemas.openxmlformats.org/markup-compatibility/2006" xmlns="" r:id="rId26" roundtripDataSignature="AMtx7mj7n5HUuEFIm90kBBpDjxwRYlDioQ=="/>
     </p:ext>
   </p:extLst>
 </p:presentation>
@@ -16624,18 +16624,10 @@
                   <a:schemeClr val="dk1"/>
                 </a:solidFill>
               </a:rPr>
-              <a:t>A Patricia –la más veterana- lleva 10 años trabajando en la empresa, se le concedía un tiempo para desayunar de media hora, derecho que venía recogido en contrato. No obstante, el nuevo gerente quiere modificarle el contrato y suprimir esa pausa a 15 minutos, que es lo que establece la ley</a:t>
+              <a:t>A Patricia –la más veterana- lleva 10 años trabajando en la empresa, se le concedía un tiempo para desayunar de media hora, derecho que venía recogido en contrato. No obstante, el nuevo gerente quiere modificarle el contrato y suprimir esa pausa a 15 minutos, que es lo que establece la ley. </a:t>
             </a:r>
             <a:r>
-              <a:rPr lang="es-ES" sz="1600" dirty="0" smtClean="0">
-                <a:solidFill>
-                  <a:schemeClr val="dk1"/>
-                </a:solidFill>
-              </a:rPr>
-              <a:t>. </a:t>
-            </a:r>
-            <a:r>
-              <a:rPr lang="es-ES" sz="1600" dirty="0" smtClean="0">
+              <a:rPr lang="es-ES" sz="1600" dirty="0">
                 <a:solidFill>
                   <a:schemeClr val="accent2"/>
                 </a:solidFill>
@@ -16648,18 +16640,10 @@
                   <a:schemeClr val="tx1"/>
                 </a:solidFill>
               </a:rPr>
-              <a:t>PRINCIPIO DE CONDICIÓN MÁS </a:t>
+              <a:t>PRINCIPIO DE CONDICIÓN MÁS BENEFICIOSA (se puede quedar con sus 30 minutos de descanso) aunque si se siguiera el principio de </a:t>
             </a:r>
             <a:r>
-              <a:rPr lang="es-ES" sz="1600" b="1" dirty="0" smtClean="0">
-                <a:solidFill>
-                  <a:schemeClr val="tx1"/>
-                </a:solidFill>
-              </a:rPr>
-              <a:t>BENEFICIOSA (se puede quedar con sus 30 minutos de descanso) aunque si se siguiera el principio de </a:t>
-            </a:r>
-            <a:r>
-              <a:rPr lang="es-ES" sz="1600" b="1" dirty="0" err="1" smtClean="0">
+              <a:rPr lang="es-ES" sz="1600" b="1" dirty="0" err="1">
                 <a:solidFill>
                   <a:schemeClr val="tx1"/>
                 </a:solidFill>
@@ -16667,7 +16651,7 @@
               <a:t>irrenunciabilidad</a:t>
             </a:r>
             <a:r>
-              <a:rPr lang="es-ES" sz="1600" b="1" dirty="0" smtClean="0">
+              <a:rPr lang="es-ES" sz="1600" b="1" dirty="0">
                 <a:solidFill>
                   <a:schemeClr val="tx1"/>
                 </a:solidFill>
@@ -16697,18 +16681,10 @@
                   <a:schemeClr val="dk1"/>
                 </a:solidFill>
               </a:rPr>
-              <a:t>Juan, ante la cercanía del verano, quiere renunciar a 10 días de vacaciones de los 30 que le corresponden, y cambiar esos días por una compensación económica</a:t>
+              <a:t>Juan, ante la cercanía del verano, quiere renunciar a 10 días de vacaciones de los 30 que le corresponden, y cambiar esos días por una compensación económica.</a:t>
             </a:r>
             <a:r>
-              <a:rPr lang="es-ES" sz="1600" dirty="0" smtClean="0">
-                <a:solidFill>
-                  <a:schemeClr val="dk1"/>
-                </a:solidFill>
-              </a:rPr>
-              <a:t>.</a:t>
-            </a:r>
-            <a:r>
-              <a:rPr lang="es-ES" sz="1600" dirty="0" smtClean="0">
+              <a:rPr lang="es-ES" sz="1600" dirty="0">
                 <a:solidFill>
                   <a:schemeClr val="accent2"/>
                 </a:solidFill>
@@ -16746,34 +16722,10 @@
                   <a:schemeClr val="dk1"/>
                 </a:solidFill>
               </a:rPr>
-              <a:t>Pedro tiene recogido por contrato un salario bruto de 850 euros mientras el Convenio establece 910 </a:t>
-            </a:r>
-            <a:r>
-              <a:rPr lang="es-ES" sz="1600" dirty="0" smtClean="0">
-                <a:solidFill>
-                  <a:schemeClr val="dk1"/>
-                </a:solidFill>
-              </a:rPr>
-              <a:t>euros y el salario mínimo interprofesional a 1080 euros. </a:t>
+              <a:t>Pedro tiene recogido por contrato un salario bruto de 850 euros mientras el Convenio establece 910 euros y el salario mínimo interprofesional a 1080 euros. ¿Crees que puede reclamar algo? </a:t>
             </a:r>
             <a:r>
               <a:rPr lang="es-ES" sz="1600" dirty="0">
-                <a:solidFill>
-                  <a:schemeClr val="dk1"/>
-                </a:solidFill>
-              </a:rPr>
-              <a:t>¿Crees que puede reclamar algo</a:t>
-            </a:r>
-            <a:r>
-              <a:rPr lang="es-ES" sz="1600" dirty="0" smtClean="0">
-                <a:solidFill>
-                  <a:schemeClr val="dk1"/>
-                </a:solidFill>
-              </a:rPr>
-              <a:t>? </a:t>
-            </a:r>
-            <a:r>
-              <a:rPr lang="es-ES" sz="1600" dirty="0" smtClean="0">
                 <a:solidFill>
                   <a:schemeClr val="accent2"/>
                 </a:solidFill>
@@ -17063,19 +17015,7 @@
                   <a:cs typeface="Calibri"/>
                   <a:sym typeface="Calibri"/>
                 </a:rPr>
-                <a:t>NORMA </a:t>
-              </a:r>
-              <a:r>
-                <a:rPr lang="es-ES" sz="2000" b="1" i="0" u="none" strike="noStrike" cap="none" dirty="0" smtClean="0">
-                  <a:solidFill>
-                    <a:schemeClr val="tx1"/>
-                  </a:solidFill>
-                  <a:latin typeface="Calibri"/>
-                  <a:ea typeface="Calibri"/>
-                  <a:cs typeface="Calibri"/>
-                  <a:sym typeface="Calibri"/>
-                </a:rPr>
-                <a:t>MÍNIMA: Una norma superior establece un mínimo que la norma inferior puede mejorar, pero nunca empeorar.</a:t>
+                <a:t>NORMA MÍNIMA: Una norma superior establece un mínimo que la norma inferior puede mejorar, pero nunca empeorar.</a:t>
               </a:r>
               <a:endParaRPr sz="2000" b="1" i="0" u="none" strike="noStrike" cap="none" dirty="0">
                 <a:solidFill>
@@ -17193,19 +17133,7 @@
                   <a:cs typeface="Calibri"/>
                   <a:sym typeface="Calibri"/>
                 </a:rPr>
-                <a:t>PRINCIPIO DE CONDICIÓN MÁS </a:t>
-              </a:r>
-              <a:r>
-                <a:rPr lang="es-ES" sz="2000" b="1" i="0" u="none" strike="noStrike" cap="none" dirty="0" smtClean="0">
-                  <a:solidFill>
-                    <a:schemeClr val="tx1"/>
-                  </a:solidFill>
-                  <a:latin typeface="Calibri"/>
-                  <a:ea typeface="Calibri"/>
-                  <a:cs typeface="Calibri"/>
-                  <a:sym typeface="Calibri"/>
-                </a:rPr>
-                <a:t>BENEFICIOSA: Un trabajador tendrá derecho a conservar sus condiciones laborales pactadas incluso cuando esas condiciones no se ajusten a lo que la ley diga.</a:t>
+                <a:t>PRINCIPIO DE CONDICIÓN MÁS BENEFICIOSA: Un trabajador tendrá derecho a conservar sus condiciones laborales pactadas incluso cuando esas condiciones no se ajusten a lo que la ley diga.</a:t>
               </a:r>
               <a:endParaRPr sz="2000" b="1" i="0" u="none" strike="noStrike" cap="none" dirty="0">
                 <a:solidFill>
@@ -17323,19 +17251,7 @@
                   <a:cs typeface="Calibri"/>
                   <a:sym typeface="Calibri"/>
                 </a:rPr>
-                <a:t>PRINCIPIO DE IRRENUNCIABILIDAD DE </a:t>
-              </a:r>
-              <a:r>
-                <a:rPr lang="es-ES" sz="2000" b="1" i="0" u="none" strike="noStrike" cap="none" dirty="0" smtClean="0">
-                  <a:solidFill>
-                    <a:schemeClr val="tx1"/>
-                  </a:solidFill>
-                  <a:latin typeface="Calibri"/>
-                  <a:ea typeface="Calibri"/>
-                  <a:cs typeface="Calibri"/>
-                  <a:sym typeface="Calibri"/>
-                </a:rPr>
-                <a:t>DERECHOS: Un trabajador no puede renunciar a los derechos recogidos en una ley pero si podrá renunciar a aquellos derechos reconocidos en su contrato que supongan un exceso de lo que marca la ley. </a:t>
+                <a:t>PRINCIPIO DE IRRENUNCIABILIDAD DE DERECHOS: Un trabajador no puede renunciar a los derechos recogidos en una ley pero si podrá renunciar a aquellos derechos reconocidos en su contrato que supongan un exceso de lo que marca la ley. </a:t>
               </a:r>
               <a:endParaRPr dirty="0">
                 <a:solidFill>
@@ -17835,11 +17751,7 @@
             </a:pPr>
             <a:r>
               <a:rPr lang="es-ES" sz="1800" dirty="0"/>
-              <a:t>Plena capacidad de </a:t>
-            </a:r>
-            <a:r>
-              <a:rPr lang="es-ES" sz="1800" dirty="0" smtClean="0"/>
-              <a:t>obrar.</a:t>
+              <a:t>Plena capacidad de obrar.</a:t>
             </a:r>
           </a:p>
           <a:p>
@@ -17860,7 +17772,7 @@
               <a:buNone/>
             </a:pPr>
             <a:r>
-              <a:rPr lang="es-ES" sz="1800" dirty="0" smtClean="0">
+              <a:rPr lang="es-ES" sz="1800" dirty="0">
                 <a:solidFill>
                   <a:schemeClr val="accent2"/>
                 </a:solidFill>
@@ -17892,16 +17804,8 @@
               <a:buChar char="⮚"/>
             </a:pPr>
             <a:r>
-              <a:rPr lang="es-ES" sz="1800" dirty="0" smtClean="0"/>
-              <a:t>Las </a:t>
-            </a:r>
-            <a:r>
               <a:rPr lang="es-ES" sz="1800" dirty="0"/>
-              <a:t>personas &gt; 16 años, si cuentan con la autorización de los padres</a:t>
-            </a:r>
-            <a:r>
-              <a:rPr lang="es-ES" sz="1800" dirty="0" smtClean="0"/>
-              <a:t>.</a:t>
+              <a:t>Las personas &gt; 16 años, si cuentan con la autorización de los padres.</a:t>
             </a:r>
           </a:p>
           <a:p>
@@ -17922,7 +17826,7 @@
               <a:buNone/>
             </a:pPr>
             <a:r>
-              <a:rPr lang="es-ES" sz="1800" dirty="0" smtClean="0">
+              <a:rPr lang="es-ES" sz="1800" dirty="0">
                 <a:solidFill>
                   <a:schemeClr val="accent2"/>
                 </a:solidFill>
@@ -17954,11 +17858,7 @@
             </a:pPr>
             <a:r>
               <a:rPr lang="es-ES" sz="1800" dirty="0"/>
-              <a:t>¿Qué trabajo no puede hacer un menor de edad</a:t>
-            </a:r>
-            <a:r>
-              <a:rPr lang="es-ES" sz="1800" dirty="0" smtClean="0"/>
-              <a:t>?</a:t>
+              <a:t>¿Qué trabajo no puede hacer un menor de edad?</a:t>
             </a:r>
           </a:p>
           <a:p>
@@ -17979,7 +17879,7 @@
               <a:buNone/>
             </a:pPr>
             <a:r>
-              <a:rPr lang="es-ES" sz="1800" dirty="0" smtClean="0">
+              <a:rPr lang="es-ES" sz="1800" dirty="0">
                 <a:solidFill>
                   <a:schemeClr val="accent2"/>
                 </a:solidFill>
@@ -18005,7 +17905,7 @@
               <a:buNone/>
             </a:pPr>
             <a:r>
-              <a:rPr lang="es-ES" sz="1800" dirty="0" smtClean="0">
+              <a:rPr lang="es-ES" sz="1800" dirty="0">
                 <a:solidFill>
                   <a:schemeClr val="accent2"/>
                 </a:solidFill>
@@ -18062,14 +17962,10 @@
             </a:pPr>
             <a:r>
               <a:rPr lang="es-ES" sz="1800" dirty="0"/>
-              <a:t>Si son de la </a:t>
+              <a:t>Si son de la UE: </a:t>
             </a:r>
             <a:r>
-              <a:rPr lang="es-ES" sz="1800" dirty="0" smtClean="0"/>
-              <a:t>UE: </a:t>
-            </a:r>
-            <a:r>
-              <a:rPr lang="es-ES" sz="1800" dirty="0" smtClean="0">
+              <a:rPr lang="es-ES" sz="1800" dirty="0">
                 <a:solidFill>
                   <a:schemeClr val="accent2"/>
                 </a:solidFill>
@@ -18102,14 +17998,10 @@
             </a:pPr>
             <a:r>
               <a:rPr lang="es-ES" sz="1800" dirty="0"/>
-              <a:t>Si no son de la </a:t>
+              <a:t>Si no son de la UE: </a:t>
             </a:r>
             <a:r>
-              <a:rPr lang="es-ES" sz="1800" dirty="0" smtClean="0"/>
-              <a:t>UE: </a:t>
-            </a:r>
-            <a:r>
-              <a:rPr lang="es-ES" sz="1800" dirty="0" smtClean="0">
+              <a:rPr lang="es-ES" sz="1800" dirty="0">
                 <a:solidFill>
                   <a:schemeClr val="accent2"/>
                 </a:solidFill>
@@ -18286,51 +18178,30 @@
               <a:buNone/>
             </a:pPr>
             <a:r>
-              <a:rPr lang="es-ES" sz="1500" dirty="0" smtClean="0">
+              <a:rPr lang="es-ES" sz="1500" dirty="0">
                 <a:solidFill>
                   <a:schemeClr val="accent2"/>
                 </a:solidFill>
               </a:rPr>
-              <a:t>Ojo: El </a:t>
+              <a:t>Ojo: El contrato de apoderamiento entre torero y apoderado puede hacerse con un apretón de manos.</a:t>
             </a:r>
+          </a:p>
+          <a:p>
+            <a:pPr marL="228600" indent="-50800" algn="just">
+              <a:spcBef>
+                <a:spcPts val="0"/>
+              </a:spcBef>
+              <a:buSzPts val="2800"/>
+              <a:buNone/>
+            </a:pPr>
             <a:r>
               <a:rPr lang="es-ES" sz="1500" dirty="0">
                 <a:solidFill>
                   <a:schemeClr val="accent2"/>
                 </a:solidFill>
               </a:rPr>
-              <a:t>contrato de apoderamiento entre torero y apoderado puede hacerse con un apretón de manos</a:t>
-            </a:r>
-            <a:r>
-              <a:rPr lang="es-ES" sz="1500" dirty="0" smtClean="0">
-                <a:solidFill>
-                  <a:schemeClr val="accent2"/>
-                </a:solidFill>
-              </a:rPr>
-              <a:t>.</a:t>
-            </a:r>
-          </a:p>
-          <a:p>
-            <a:pPr marL="228600" indent="-50800" algn="just">
-              <a:spcBef>
-                <a:spcPts val="0"/>
-              </a:spcBef>
-              <a:buSzPts val="2800"/>
-              <a:buNone/>
-            </a:pPr>
-            <a:r>
-              <a:rPr lang="es-ES" sz="1500" dirty="0" smtClean="0">
-                <a:solidFill>
-                  <a:schemeClr val="accent2"/>
-                </a:solidFill>
-              </a:rPr>
               <a:t>El alta en la seguridad social “demuestra” que ya estoy “contratada” aunque aun no tenga el contrato físico.</a:t>
             </a:r>
-            <a:endParaRPr lang="es-ES" sz="1500" dirty="0">
-              <a:solidFill>
-                <a:schemeClr val="accent2"/>
-              </a:solidFill>
-            </a:endParaRPr>
           </a:p>
           <a:p>
             <a:pPr marL="228600" lvl="0" indent="-50800" algn="ctr" rtl="0">
@@ -18370,11 +18241,7 @@
             </a:pPr>
             <a:r>
               <a:rPr lang="es-ES" sz="2800" b="1" dirty="0"/>
-              <a:t>¿Permiten nuestras leyes los contratos verbales</a:t>
-            </a:r>
-            <a:r>
-              <a:rPr lang="es-ES" sz="2800" b="1" dirty="0" smtClean="0"/>
-              <a:t>?</a:t>
+              <a:t>¿Permiten nuestras leyes los contratos verbales?</a:t>
             </a:r>
           </a:p>
           <a:p>
@@ -18395,7 +18262,7 @@
               <a:buNone/>
             </a:pPr>
             <a:r>
-              <a:rPr lang="es-ES" dirty="0" smtClean="0">
+              <a:rPr lang="es-ES" dirty="0">
                 <a:solidFill>
                   <a:schemeClr val="accent2"/>
                 </a:solidFill>
@@ -18421,28 +18288,12 @@
               <a:buNone/>
             </a:pPr>
             <a:r>
-              <a:rPr lang="es-ES" sz="900" dirty="0" smtClean="0">
-                <a:solidFill>
-                  <a:schemeClr val="accent2"/>
-                </a:solidFill>
-              </a:rPr>
-              <a:t>Documental sobre </a:t>
-            </a:r>
-            <a:r>
               <a:rPr lang="es-ES" sz="900" dirty="0">
                 <a:solidFill>
                   <a:schemeClr val="accent2"/>
                 </a:solidFill>
               </a:rPr>
-              <a:t>A</a:t>
-            </a:r>
-            <a:r>
-              <a:rPr lang="es-ES" sz="900" dirty="0" smtClean="0">
-                <a:solidFill>
-                  <a:schemeClr val="accent2"/>
-                </a:solidFill>
-              </a:rPr>
-              <a:t>gapito</a:t>
+              <a:t>Documental sobre Agapito</a:t>
             </a:r>
             <a:endParaRPr sz="900" dirty="0">
               <a:solidFill>
@@ -18626,7 +18477,7 @@
               <a:buSzPts val="1800"/>
             </a:pPr>
             <a:r>
-              <a:rPr lang="es-ES" sz="1800" b="0" i="0" u="none" strike="noStrike" cap="none" dirty="0" smtClean="0">
+              <a:rPr lang="es-ES" sz="1800" b="0" i="0" u="none" strike="noStrike" cap="none" dirty="0">
                 <a:solidFill>
                   <a:schemeClr val="accent2"/>
                 </a:solidFill>
@@ -18655,7 +18506,7 @@
               <a:buSzPts val="1800"/>
             </a:pPr>
             <a:r>
-              <a:rPr lang="es-ES" sz="1800" b="0" i="0" u="none" strike="noStrike" cap="none" dirty="0" smtClean="0">
+              <a:rPr lang="es-ES" sz="1800" b="0" i="0" u="none" strike="noStrike" cap="none" dirty="0">
                 <a:solidFill>
                   <a:schemeClr val="accent2"/>
                 </a:solidFill>
@@ -18683,7 +18534,7 @@
               </a:buClr>
               <a:buSzPts val="1800"/>
             </a:pPr>
-            <a:endParaRPr lang="es-ES" sz="1800" b="0" i="0" u="none" strike="noStrike" cap="none" dirty="0" smtClean="0">
+            <a:endParaRPr lang="es-ES" sz="1800" b="0" i="0" u="none" strike="noStrike" cap="none" dirty="0">
               <a:solidFill>
                 <a:schemeClr val="accent2"/>
               </a:solidFill>
@@ -18712,18 +18563,6 @@
               <a:buChar char="⮚"/>
             </a:pPr>
             <a:r>
-              <a:rPr lang="es-ES" sz="1800" b="0" i="0" u="none" strike="noStrike" cap="none" dirty="0" smtClean="0">
-                <a:solidFill>
-                  <a:srgbClr val="000000"/>
-                </a:solidFill>
-                <a:latin typeface="Calibri"/>
-                <a:ea typeface="Calibri"/>
-                <a:cs typeface="Calibri"/>
-                <a:sym typeface="Calibri"/>
-              </a:rPr>
-              <a:t>Pacto </a:t>
-            </a:r>
-            <a:r>
               <a:rPr lang="es-ES" sz="1800" b="0" i="0" u="none" strike="noStrike" cap="none" dirty="0">
                 <a:solidFill>
                   <a:srgbClr val="000000"/>
@@ -18733,22 +18572,10 @@
                 <a:cs typeface="Calibri"/>
                 <a:sym typeface="Calibri"/>
               </a:rPr>
-              <a:t>de plena </a:t>
+              <a:t>Pacto de plena dedicación: </a:t>
             </a:r>
             <a:r>
-              <a:rPr lang="es-ES" sz="1800" b="0" i="0" u="none" strike="noStrike" cap="none" dirty="0" smtClean="0">
-                <a:solidFill>
-                  <a:srgbClr val="000000"/>
-                </a:solidFill>
-                <a:latin typeface="Calibri"/>
-                <a:ea typeface="Calibri"/>
-                <a:cs typeface="Calibri"/>
-                <a:sym typeface="Calibri"/>
-              </a:rPr>
-              <a:t>dedicación: </a:t>
-            </a:r>
-            <a:r>
-              <a:rPr lang="es-ES" sz="1800" b="0" i="0" u="none" strike="noStrike" cap="none" dirty="0" smtClean="0">
+              <a:rPr lang="es-ES" sz="1800" b="0" i="0" u="none" strike="noStrike" cap="none" dirty="0">
                 <a:solidFill>
                   <a:schemeClr val="accent2"/>
                 </a:solidFill>
@@ -18784,18 +18611,6 @@
               <a:buChar char="⮚"/>
             </a:pPr>
             <a:r>
-              <a:rPr lang="es-ES" sz="1800" b="0" i="0" u="none" strike="noStrike" cap="none" dirty="0" smtClean="0">
-                <a:solidFill>
-                  <a:srgbClr val="000000"/>
-                </a:solidFill>
-                <a:latin typeface="Calibri"/>
-                <a:ea typeface="Calibri"/>
-                <a:cs typeface="Calibri"/>
-                <a:sym typeface="Calibri"/>
-              </a:rPr>
-              <a:t>Pacto </a:t>
-            </a:r>
-            <a:r>
               <a:rPr lang="es-ES" sz="1800" b="0" i="0" u="none" strike="noStrike" cap="none" dirty="0">
                 <a:solidFill>
                   <a:srgbClr val="000000"/>
@@ -18805,22 +18620,10 @@
                 <a:cs typeface="Calibri"/>
                 <a:sym typeface="Calibri"/>
               </a:rPr>
-              <a:t>de no </a:t>
+              <a:t>Pacto de no competencia</a:t>
             </a:r>
             <a:r>
-              <a:rPr lang="es-ES" sz="1800" b="0" i="0" u="none" strike="noStrike" cap="none" dirty="0" smtClean="0">
-                <a:solidFill>
-                  <a:srgbClr val="000000"/>
-                </a:solidFill>
-                <a:latin typeface="Calibri"/>
-                <a:ea typeface="Calibri"/>
-                <a:cs typeface="Calibri"/>
-                <a:sym typeface="Calibri"/>
-              </a:rPr>
-              <a:t>competencia</a:t>
-            </a:r>
-            <a:r>
-              <a:rPr lang="es-ES" sz="1800" dirty="0" smtClean="0">
+              <a:rPr lang="es-ES" sz="1800" dirty="0">
                 <a:latin typeface="Calibri"/>
                 <a:ea typeface="Calibri"/>
                 <a:cs typeface="Calibri"/>
@@ -18829,7 +18632,7 @@
               <a:t>: </a:t>
             </a:r>
             <a:r>
-              <a:rPr lang="es-ES" sz="1800" dirty="0" smtClean="0">
+              <a:rPr lang="es-ES" sz="1800" dirty="0">
                 <a:solidFill>
                   <a:schemeClr val="accent2"/>
                 </a:solidFill>
@@ -18867,22 +18670,10 @@
                 <a:cs typeface="Calibri"/>
                 <a:sym typeface="Calibri"/>
               </a:rPr>
-              <a:t>Duración. Técnicos y demás trabajadores</a:t>
+              <a:t>Duración. Técnicos y demás trabajadores. </a:t>
             </a:r>
             <a:r>
-              <a:rPr lang="es-ES" sz="1800" b="0" i="0" u="none" strike="noStrike" cap="none" dirty="0" smtClean="0">
-                <a:solidFill>
-                  <a:srgbClr val="000000"/>
-                </a:solidFill>
-                <a:latin typeface="Calibri"/>
-                <a:ea typeface="Calibri"/>
-                <a:cs typeface="Calibri"/>
-                <a:sym typeface="Calibri"/>
-              </a:rPr>
-              <a:t>. </a:t>
-            </a:r>
-            <a:r>
-              <a:rPr lang="es-ES" sz="1800" b="0" i="0" u="none" strike="noStrike" cap="none" dirty="0" smtClean="0">
+              <a:rPr lang="es-ES" sz="1800" b="0" i="0" u="none" strike="noStrike" cap="none" dirty="0">
                 <a:solidFill>
                   <a:schemeClr val="accent2"/>
                 </a:solidFill>
@@ -18922,18 +18713,6 @@
               <a:buChar char="⮚"/>
             </a:pPr>
             <a:r>
-              <a:rPr lang="es-ES" sz="1800" b="0" i="0" u="none" strike="noStrike" cap="none" dirty="0" smtClean="0">
-                <a:solidFill>
-                  <a:srgbClr val="000000"/>
-                </a:solidFill>
-                <a:latin typeface="Calibri"/>
-                <a:ea typeface="Calibri"/>
-                <a:cs typeface="Calibri"/>
-                <a:sym typeface="Calibri"/>
-              </a:rPr>
-              <a:t>Pacto </a:t>
-            </a:r>
-            <a:r>
               <a:rPr lang="es-ES" sz="1800" b="0" i="0" u="none" strike="noStrike" cap="none" dirty="0">
                 <a:solidFill>
                   <a:srgbClr val="000000"/>
@@ -18943,22 +18722,10 @@
                 <a:cs typeface="Calibri"/>
                 <a:sym typeface="Calibri"/>
               </a:rPr>
-              <a:t>de permanencia. Duración</a:t>
+              <a:t>Pacto de permanencia. Duración. </a:t>
             </a:r>
             <a:r>
-              <a:rPr lang="es-ES" sz="1800" b="0" i="0" u="none" strike="noStrike" cap="none" dirty="0" smtClean="0">
-                <a:solidFill>
-                  <a:srgbClr val="000000"/>
-                </a:solidFill>
-                <a:latin typeface="Calibri"/>
-                <a:ea typeface="Calibri"/>
-                <a:cs typeface="Calibri"/>
-                <a:sym typeface="Calibri"/>
-              </a:rPr>
-              <a:t>. </a:t>
-            </a:r>
-            <a:r>
-              <a:rPr lang="es-ES" sz="1800" b="0" i="0" u="none" strike="noStrike" cap="none" dirty="0" smtClean="0">
+              <a:rPr lang="es-ES" sz="1800" b="0" i="0" u="none" strike="noStrike" cap="none" dirty="0">
                 <a:solidFill>
                   <a:schemeClr val="accent2"/>
                 </a:solidFill>
@@ -19103,20 +18870,12 @@
               <a:buChar char="⮚"/>
             </a:pPr>
             <a:r>
-              <a:rPr lang="es-ES" b="1" dirty="0" smtClean="0">
-                <a:solidFill>
-                  <a:schemeClr val="accent2"/>
-                </a:solidFill>
-              </a:rPr>
-              <a:t>Concepto </a:t>
-            </a:r>
-            <a:r>
               <a:rPr lang="es-ES" b="1" dirty="0">
                 <a:solidFill>
                   <a:schemeClr val="accent2"/>
                 </a:solidFill>
               </a:rPr>
-              <a:t>y requisito.</a:t>
+              <a:t>Concepto y requisito.</a:t>
             </a:r>
             <a:endParaRPr dirty="0"/>
           </a:p>
@@ -19402,7 +19161,7 @@
                         <a:buNone/>
                       </a:pPr>
                       <a:r>
-                        <a:rPr lang="es-ES" sz="1800" u="none" strike="noStrike" cap="none" dirty="0" smtClean="0"/>
+                        <a:rPr lang="es-ES" sz="1800" u="none" strike="noStrike" cap="none" dirty="0"/>
                         <a:t>6 meses</a:t>
                       </a:r>
                       <a:endParaRPr sz="1800" u="none" strike="noStrike" cap="none" dirty="0"/>
@@ -19460,11 +19219,11 @@
                         <a:buNone/>
                       </a:pPr>
                       <a:r>
-                        <a:rPr lang="es-ES" sz="1800" u="none" strike="noStrike" cap="none" dirty="0" smtClean="0"/>
+                        <a:rPr lang="es-ES" sz="1800" u="none" strike="noStrike" cap="none" dirty="0"/>
                         <a:t>2 meses o</a:t>
                       </a:r>
                       <a:r>
-                        <a:rPr lang="es-ES" sz="1800" u="none" strike="noStrike" cap="none" baseline="0" dirty="0" smtClean="0"/>
+                        <a:rPr lang="es-ES" sz="1800" u="none" strike="noStrike" cap="none" baseline="0" dirty="0"/>
                         <a:t> 3 para empresas de más de 25 trabajadores</a:t>
                       </a:r>
                       <a:endParaRPr sz="1800" u="none" strike="noStrike" cap="none" dirty="0"/>
@@ -19527,7 +19286,7 @@
                         <a:buNone/>
                       </a:pPr>
                       <a:r>
-                        <a:rPr lang="es-ES" sz="1800" u="none" strike="noStrike" cap="none" dirty="0" smtClean="0"/>
+                        <a:rPr lang="es-ES" sz="1800" u="none" strike="noStrike" cap="none" dirty="0"/>
                         <a:t>1 mes máximo</a:t>
                       </a:r>
                       <a:endParaRPr sz="1800" u="none" strike="noStrike" cap="none" dirty="0"/>
@@ -19585,7 +19344,7 @@
                         <a:buNone/>
                       </a:pPr>
                       <a:r>
-                        <a:rPr lang="es-ES" sz="1800" u="none" strike="noStrike" cap="none" dirty="0" smtClean="0"/>
+                        <a:rPr lang="es-ES" sz="1800" u="none" strike="noStrike" cap="none" dirty="0"/>
                         <a:t>1 mes (sino establece otra cosa el convenio colectivo)</a:t>
                       </a:r>
                       <a:endParaRPr sz="1800" u="none" strike="noStrike" cap="none" dirty="0"/>
@@ -19899,11 +19658,7 @@
                       </a:pPr>
                       <a:r>
                         <a:rPr lang="es-ES" sz="1400" dirty="0"/>
-                        <a:t>Para imponer </a:t>
-                      </a:r>
-                      <a:r>
-                        <a:rPr lang="es-ES" sz="1400" dirty="0" smtClean="0"/>
-                        <a:t>sanciones</a:t>
+                        <a:t>Para imponer sanciones</a:t>
                       </a:r>
                     </a:p>
                     <a:p>
@@ -19917,7 +19672,7 @@
                         <a:buNone/>
                       </a:pPr>
                       <a:r>
-                        <a:rPr lang="es-ES" sz="1400" dirty="0" smtClean="0">
+                        <a:rPr lang="es-ES" sz="1400" dirty="0">
                           <a:solidFill>
                             <a:schemeClr val="accent2"/>
                           </a:solidFill>
@@ -19925,7 +19680,7 @@
                         <a:t>Cuando se cometa infracción. Tienen</a:t>
                       </a:r>
                       <a:r>
-                        <a:rPr lang="es-ES" sz="1400" baseline="0" dirty="0" smtClean="0">
+                        <a:rPr lang="es-ES" sz="1400" baseline="0" dirty="0">
                           <a:solidFill>
                             <a:schemeClr val="accent2"/>
                           </a:solidFill>
@@ -19944,7 +19699,7 @@
                         <a:buNone/>
                       </a:pPr>
                       <a:r>
-                        <a:rPr lang="es-ES" sz="1400" baseline="0" dirty="0" smtClean="0">
+                        <a:rPr lang="es-ES" sz="1400" baseline="0" dirty="0">
                           <a:solidFill>
                             <a:schemeClr val="accent2"/>
                           </a:solidFill>
@@ -20050,14 +19805,10 @@
                       </a:pPr>
                       <a:r>
                         <a:rPr lang="es-ES" sz="1400" dirty="0"/>
-                        <a:t>Presunción de </a:t>
+                        <a:t>Presunción de legitimidad </a:t>
                       </a:r>
                       <a:r>
-                        <a:rPr lang="es-ES" sz="1400" dirty="0" smtClean="0"/>
-                        <a:t>legitimidad </a:t>
-                      </a:r>
-                      <a:r>
-                        <a:rPr lang="es-ES" sz="1400" dirty="0" smtClean="0">
+                        <a:rPr lang="es-ES" sz="1400" dirty="0">
                           <a:solidFill>
                             <a:schemeClr val="accent2"/>
                           </a:solidFill>
@@ -20065,7 +19816,7 @@
                         <a:t>(se entiende que está legitimado</a:t>
                       </a:r>
                       <a:r>
-                        <a:rPr lang="es-ES" sz="1400" baseline="0" dirty="0" smtClean="0">
+                        <a:rPr lang="es-ES" sz="1400" baseline="0" dirty="0">
                           <a:solidFill>
                             <a:schemeClr val="accent2"/>
                           </a:solidFill>
@@ -20089,7 +19840,7 @@
                         <a:buNone/>
                       </a:pPr>
                       <a:r>
-                        <a:rPr lang="es-ES" sz="1400" baseline="0" dirty="0" smtClean="0">
+                        <a:rPr lang="es-ES" sz="1400" baseline="0" dirty="0">
                           <a:solidFill>
                             <a:schemeClr val="accent2"/>
                           </a:solidFill>
@@ -20353,14 +20104,10 @@
                       </a:pPr>
                       <a:r>
                         <a:rPr lang="es-ES" sz="1400" b="1" u="none" strike="noStrike" cap="none" dirty="0"/>
-                        <a:t>Video </a:t>
+                        <a:t>Video vigilancia: </a:t>
                       </a:r>
                       <a:r>
-                        <a:rPr lang="es-ES" sz="1400" b="1" u="none" strike="noStrike" cap="none" dirty="0" smtClean="0"/>
-                        <a:t>vigilancia: </a:t>
-                      </a:r>
-                      <a:r>
-                        <a:rPr lang="es-ES" sz="1400" b="0" u="none" strike="noStrike" cap="none" dirty="0" smtClean="0">
+                        <a:rPr lang="es-ES" sz="1400" b="0" u="none" strike="noStrike" cap="none" dirty="0">
                           <a:solidFill>
                             <a:schemeClr val="accent2"/>
                           </a:solidFill>
@@ -20368,7 +20115,7 @@
                         <a:t>Las puede poner el empresario,</a:t>
                       </a:r>
                       <a:r>
-                        <a:rPr lang="es-ES" sz="1400" b="0" u="none" strike="noStrike" cap="none" baseline="0" dirty="0" smtClean="0">
+                        <a:rPr lang="es-ES" sz="1400" b="0" u="none" strike="noStrike" cap="none" baseline="0" dirty="0">
                           <a:solidFill>
                             <a:schemeClr val="accent2"/>
                           </a:solidFill>
@@ -20393,11 +20140,11 @@
                         <a:buChar char="•"/>
                       </a:pPr>
                       <a:r>
-                        <a:rPr lang="es-ES" sz="1400" b="1" u="none" strike="noStrike" cap="none" dirty="0" smtClean="0"/>
+                        <a:rPr lang="es-ES" sz="1400" b="1" u="none" strike="noStrike" cap="none" dirty="0"/>
                         <a:t>Registros: </a:t>
                       </a:r>
                       <a:r>
-                        <a:rPr lang="es-ES" sz="1400" b="0" u="none" strike="noStrike" cap="none" dirty="0" smtClean="0">
+                        <a:rPr lang="es-ES" sz="1400" b="0" u="none" strike="noStrike" cap="none" dirty="0">
                           <a:solidFill>
                             <a:schemeClr val="accent2"/>
                           </a:solidFill>
@@ -20405,7 +20152,7 @@
                         <a:t>“Se puede, cumpliendo requisitos: indicios de delito,</a:t>
                       </a:r>
                       <a:r>
-                        <a:rPr lang="es-ES" sz="1400" b="0" u="none" strike="noStrike" cap="none" baseline="0" dirty="0" smtClean="0">
+                        <a:rPr lang="es-ES" sz="1400" b="0" u="none" strike="noStrike" cap="none" baseline="0" dirty="0">
                           <a:solidFill>
                             <a:schemeClr val="accent2"/>
                           </a:solidFill>
@@ -20431,14 +20178,10 @@
                       </a:pPr>
                       <a:r>
                         <a:rPr lang="es-ES" sz="1400" b="1" u="none" strike="noStrike" cap="none" dirty="0"/>
-                        <a:t>E-mail y </a:t>
+                        <a:t>E-mail y ordenadores: </a:t>
                       </a:r>
                       <a:r>
-                        <a:rPr lang="es-ES" sz="1400" b="1" u="none" strike="noStrike" cap="none" dirty="0" smtClean="0"/>
-                        <a:t>ordenadores: </a:t>
-                      </a:r>
-                      <a:r>
-                        <a:rPr lang="es-ES" sz="1400" b="0" u="none" strike="noStrike" cap="none" dirty="0" smtClean="0">
+                        <a:rPr lang="es-ES" sz="1400" b="0" u="none" strike="noStrike" cap="none" dirty="0">
                           <a:solidFill>
                             <a:schemeClr val="accent2"/>
                           </a:solidFill>
@@ -20446,7 +20189,7 @@
                         <a:t>“Los corporativos son de la empresa, por</a:t>
                       </a:r>
                       <a:r>
-                        <a:rPr lang="es-ES" sz="1400" b="0" u="none" strike="noStrike" cap="none" baseline="0" dirty="0" smtClean="0">
+                        <a:rPr lang="es-ES" sz="1400" b="0" u="none" strike="noStrike" cap="none" baseline="0" dirty="0">
                           <a:solidFill>
                             <a:schemeClr val="accent2"/>
                           </a:solidFill>
@@ -20471,15 +20214,15 @@
                         <a:buChar char="•"/>
                       </a:pPr>
                       <a:r>
-                        <a:rPr lang="es-ES" sz="1400" b="1" u="none" strike="sngStrike" cap="none" dirty="0" smtClean="0"/>
+                        <a:rPr lang="es-ES" sz="1400" b="1" u="none" strike="sngStrike" cap="none" dirty="0"/>
                         <a:t>Enfermedad</a:t>
                       </a:r>
                       <a:r>
-                        <a:rPr lang="es-ES" sz="1400" b="1" u="none" strike="noStrike" cap="none" dirty="0" smtClean="0"/>
+                        <a:rPr lang="es-ES" sz="1400" b="1" u="none" strike="noStrike" cap="none" dirty="0"/>
                         <a:t>: </a:t>
                       </a:r>
                       <a:r>
-                        <a:rPr lang="es-ES" sz="1400" b="1" u="none" strike="noStrike" cap="none" dirty="0" smtClean="0">
+                        <a:rPr lang="es-ES" sz="1400" b="1" u="none" strike="noStrike" cap="none" dirty="0">
                           <a:solidFill>
                             <a:schemeClr val="accent2"/>
                           </a:solidFill>
@@ -20487,7 +20230,7 @@
                         <a:t>“Vigilancia</a:t>
                       </a:r>
                       <a:r>
-                        <a:rPr lang="es-ES" sz="1400" b="1" u="none" strike="noStrike" cap="none" baseline="0" dirty="0" smtClean="0">
+                        <a:rPr lang="es-ES" sz="1400" b="1" u="none" strike="noStrike" cap="none" baseline="0" dirty="0">
                           <a:solidFill>
                             <a:schemeClr val="accent2"/>
                           </a:solidFill>
@@ -20495,7 +20238,7 @@
                         <a:t> de la salud: </a:t>
                       </a:r>
                       <a:r>
-                        <a:rPr lang="es-ES" sz="1400" b="0" u="none" strike="noStrike" cap="none" baseline="0" dirty="0" smtClean="0">
+                        <a:rPr lang="es-ES" sz="1400" b="0" u="none" strike="noStrike" cap="none" baseline="0" dirty="0">
                           <a:solidFill>
                             <a:schemeClr val="accent2"/>
                           </a:solidFill>
@@ -20634,14 +20377,10 @@
             </a:pPr>
             <a:r>
               <a:rPr lang="es-ES" sz="1679" dirty="0"/>
-              <a:t>Una hija que trabaja como dependienta en el negocio familiar de sus </a:t>
+              <a:t>Una hija que trabaja como dependienta en el negocio familiar de sus padres: </a:t>
             </a:r>
             <a:r>
-              <a:rPr lang="es-ES" sz="1679" dirty="0" smtClean="0"/>
-              <a:t>padres: </a:t>
-            </a:r>
-            <a:r>
-              <a:rPr lang="es-ES" sz="1679" dirty="0" smtClean="0">
+              <a:rPr lang="es-ES" sz="1679" dirty="0">
                 <a:solidFill>
                   <a:schemeClr val="accent2"/>
                 </a:solidFill>
@@ -20670,14 +20409,10 @@
             </a:pPr>
             <a:r>
               <a:rPr lang="es-ES" sz="1679" dirty="0"/>
-              <a:t>Un auxiliar de clínica que trabaja en un centro de salud privado de su comunidad autónoma</a:t>
+              <a:t>Un auxiliar de clínica que trabaja en un centro de salud privado de su comunidad autónoma. </a:t>
             </a:r>
             <a:r>
-              <a:rPr lang="es-ES" sz="1679" dirty="0" smtClean="0"/>
-              <a:t>. </a:t>
-            </a:r>
-            <a:r>
-              <a:rPr lang="es-ES" sz="1679" dirty="0" smtClean="0">
+              <a:rPr lang="es-ES" sz="1679" dirty="0">
                 <a:solidFill>
                   <a:schemeClr val="accent2"/>
                 </a:solidFill>
@@ -20710,14 +20445,10 @@
             </a:pPr>
             <a:r>
               <a:rPr lang="es-ES" sz="1679" dirty="0"/>
-              <a:t>Un joven que aprobó la oposición de oficial administrativo y trabaja en el Ministerio de Hacienda y Administraciones Públicas</a:t>
+              <a:t>Un joven que aprobó la oposición de oficial administrativo y trabaja en el Ministerio de Hacienda y Administraciones Públicas. </a:t>
             </a:r>
             <a:r>
-              <a:rPr lang="es-ES" sz="1679" dirty="0" smtClean="0"/>
-              <a:t>. </a:t>
-            </a:r>
-            <a:r>
-              <a:rPr lang="es-ES" sz="1679" dirty="0" smtClean="0">
+              <a:rPr lang="es-ES" sz="1679" dirty="0">
                 <a:solidFill>
                   <a:schemeClr val="accent2"/>
                 </a:solidFill>
@@ -20750,14 +20481,10 @@
             </a:pPr>
             <a:r>
               <a:rPr lang="es-ES" sz="1679" dirty="0"/>
-              <a:t>Un Técnico superior que trabaja durante 6 meses para el IMD de </a:t>
+              <a:t>Un Técnico superior que trabaja durante 6 meses para el IMD de Sevilla: </a:t>
             </a:r>
             <a:r>
-              <a:rPr lang="es-ES" sz="1679" dirty="0" smtClean="0"/>
-              <a:t>Sevilla: </a:t>
-            </a:r>
-            <a:r>
-              <a:rPr lang="es-ES" sz="1679" dirty="0" smtClean="0">
+              <a:rPr lang="es-ES" sz="1679" dirty="0">
                 <a:solidFill>
                   <a:schemeClr val="accent2"/>
                 </a:solidFill>
@@ -20784,11 +20511,7 @@
             </a:r>
             <a:r>
               <a:rPr lang="es-ES" sz="1960" b="1" dirty="0"/>
-              <a:t>La norma de origen español ¿puede establecer un nivel de ruido superior al mencionado? ¿Por qué</a:t>
-            </a:r>
-            <a:r>
-              <a:rPr lang="es-ES" sz="1960" b="1" dirty="0" smtClean="0"/>
-              <a:t>? </a:t>
+              <a:t>La norma de origen español ¿puede establecer un nivel de ruido superior al mencionado? ¿Por qué? </a:t>
             </a:r>
             <a:r>
               <a:rPr lang="es-ES" sz="2000" dirty="0">
@@ -20823,11 +20546,7 @@
             </a:pPr>
             <a:r>
               <a:rPr lang="es-ES" sz="1960" b="1" dirty="0"/>
-              <a:t>3. Ordena jerárquicamente las siguientes normas. Convenio colectivo, contrato de trabajo de una trabajadora, Ley del Estatuto de los Trabajadores, Directiva de la Unión Europea, Reglamento</a:t>
-            </a:r>
-            <a:r>
-              <a:rPr lang="es-ES" sz="1960" b="1" dirty="0" smtClean="0"/>
-              <a:t>,.</a:t>
+              <a:t>3. Ordena jerárquicamente las siguientes normas. Convenio colectivo, contrato de trabajo de una trabajadora, Ley del Estatuto de los Trabajadores, Directiva de la Unión Europea, Reglamento,.</a:t>
             </a:r>
           </a:p>
           <a:p>
@@ -20837,15 +20556,7 @@
                   <a:schemeClr val="accent2"/>
                 </a:solidFill>
               </a:rPr>
-              <a:t>Directiva de la Unión Europea &gt; Ley del Estatuto de los Trabajadores &gt; Reglamento&gt;Convenio colectivo&gt;Contrato de trabajo de una </a:t>
-            </a:r>
-            <a:r>
-              <a:rPr lang="es-ES" sz="2100" b="1" dirty="0" smtClean="0">
-                <a:solidFill>
-                  <a:schemeClr val="accent2"/>
-                </a:solidFill>
-              </a:rPr>
-              <a:t>trabajadora</a:t>
+              <a:t>Directiva de la Unión Europea &gt; Ley del Estatuto de los Trabajadores &gt; Reglamento&gt;Convenio colectivo&gt;Contrato de trabajo de una trabajadora</a:t>
             </a:r>
             <a:endParaRPr dirty="0"/>
           </a:p>
@@ -20868,11 +20579,7 @@
             </a:pPr>
             <a:r>
               <a:rPr lang="es-ES" sz="1960" b="1" dirty="0"/>
-              <a:t>4.-Luis es propietario de una gestoría en la que trabajan, además de él, su hermano y uno de sus hijos, de 28 años.  ¿Puede contratarlos con un contrato laboral? Comenta todas las opciones</a:t>
-            </a:r>
-            <a:r>
-              <a:rPr lang="es-ES" sz="1960" b="1" dirty="0" smtClean="0"/>
-              <a:t>.</a:t>
+              <a:t>4.-Luis es propietario de una gestoría en la que trabajan, además de él, su hermano y uno de sus hijos, de 28 años.  ¿Puede contratarlos con un contrato laboral? Comenta todas las opciones.</a:t>
             </a:r>
           </a:p>
           <a:p>
@@ -20911,15 +20618,7 @@
                   <a:schemeClr val="accent2"/>
                 </a:solidFill>
               </a:rPr>
-              <a:t>El hijo de Luis, si vive dentro del mismo hogar familiar,  podrá tener un contrato laboral, pero sin desempleo. Si vive fuera del hogar familiar, por sus propios medios, si podrá tener un contrato laboral</a:t>
-            </a:r>
-            <a:r>
-              <a:rPr lang="es-ES" dirty="0" smtClean="0">
-                <a:solidFill>
-                  <a:schemeClr val="accent2"/>
-                </a:solidFill>
-              </a:rPr>
-              <a:t>.</a:t>
+              <a:t>El hijo de Luis, si vive dentro del mismo hogar familiar,  podrá tener un contrato laboral, pero sin desempleo. Si vive fuera del hogar familiar, por sus propios medios, si podrá tener un contrato laboral.</a:t>
             </a:r>
             <a:endParaRPr dirty="0">
               <a:solidFill>
@@ -21036,7 +20735,6 @@
               <a:rPr lang="es-ES" sz="2380" dirty="0"/>
               <a:t>, S.A., para ocupar el puesto de contable. En este contrato se estipuló un periodo de prueba de seis meses. Óscar es un cualificado profesional que lleva quince años trabajando como contable en otras empresas. </a:t>
             </a:r>
-            <a:endParaRPr lang="es-ES" sz="2380" dirty="0" smtClean="0"/>
           </a:p>
           <a:p>
             <a:pPr marL="0" lvl="0" indent="0" algn="just" rtl="0">
@@ -21056,11 +20754,11 @@
               <a:buNone/>
             </a:pPr>
             <a:r>
-              <a:rPr lang="es-ES" sz="1400" dirty="0" smtClean="0"/>
+              <a:rPr lang="es-ES" sz="1400" dirty="0"/>
               <a:t>      </a:t>
             </a:r>
             <a:r>
-              <a:rPr lang="es-ES" sz="1400" dirty="0" smtClean="0">
+              <a:rPr lang="es-ES" sz="1400" dirty="0">
                 <a:solidFill>
                   <a:schemeClr val="accent2"/>
                 </a:solidFill>
@@ -21094,7 +20792,6 @@
               <a:rPr lang="es-ES" sz="2380" dirty="0"/>
               <a:t>b) Amaya celebró un contrato indefinido con la empresa MEC, S.A., para ocupar un puesto de auxiliar administrativo, estipulándose un periodo de prueba de seis meses. Amaya trabajó en 2015, y durante seis meses, en esta misma empresa, ocupando idéntico puesto, con un contrato eventual por circunstancias de la producción. </a:t>
             </a:r>
-            <a:endParaRPr lang="es-ES" sz="2380" dirty="0" smtClean="0"/>
           </a:p>
           <a:p>
             <a:pPr marL="0" lvl="0" indent="0" algn="just" rtl="0">
@@ -21114,7 +20811,7 @@
               <a:buNone/>
             </a:pPr>
             <a:r>
-              <a:rPr lang="es-ES" sz="1500" dirty="0" smtClean="0">
+              <a:rPr lang="es-ES" sz="1500" dirty="0">
                 <a:solidFill>
                   <a:schemeClr val="accent2"/>
                 </a:solidFill>
@@ -21148,7 +20845,6 @@
               <a:rPr lang="es-ES" sz="2380" dirty="0"/>
               <a:t>c) Rosario fue contratada en julio de 2015 bajo la modalidad de obra o servicio. La categoría y funciones a realizar fueron las de auxiliar de clínica, pactándose verbalmente un periodo de prueba de dos meses. </a:t>
             </a:r>
-            <a:endParaRPr lang="es-ES" sz="2380" dirty="0" smtClean="0"/>
           </a:p>
           <a:p>
             <a:pPr marL="0" lvl="0" indent="0" algn="just" rtl="0">
@@ -21168,7 +20864,7 @@
               <a:buNone/>
             </a:pPr>
             <a:r>
-              <a:rPr lang="es-ES" sz="2380" dirty="0" smtClean="0">
+              <a:rPr lang="es-ES" sz="2380" dirty="0">
                 <a:solidFill>
                   <a:schemeClr val="accent2"/>
                 </a:solidFill>
@@ -21444,14 +21140,10 @@
             </a:pPr>
             <a:r>
               <a:rPr lang="es-ES" sz="1550" dirty="0"/>
-              <a:t>TEMA 2: Tipos de contrato</a:t>
+              <a:t>TEMA 2: Tipos de contrato. </a:t>
             </a:r>
             <a:r>
-              <a:rPr lang="es-ES" sz="1550" dirty="0" smtClean="0"/>
-              <a:t>. </a:t>
-            </a:r>
-            <a:r>
-              <a:rPr lang="es-ES" sz="1550" dirty="0" smtClean="0">
+              <a:rPr lang="es-ES" sz="1550" dirty="0">
                 <a:solidFill>
                   <a:schemeClr val="accent2"/>
                 </a:solidFill>
@@ -22508,6 +22200,13 @@
               <a:noFill/>
             </a:ln>
           </p:spPr>
+          <p:txBody>
+            <a:bodyPr/>
+            <a:lstStyle/>
+            <a:p>
+              <a:endParaRPr lang="es-ES"/>
+            </a:p>
+          </p:txBody>
         </p:sp>
         <p:sp>
           <p:nvSpPr>
@@ -22554,6 +22253,13 @@
               <a:noFill/>
             </a:ln>
           </p:spPr>
+          <p:txBody>
+            <a:bodyPr/>
+            <a:lstStyle/>
+            <a:p>
+              <a:endParaRPr lang="es-ES"/>
+            </a:p>
+          </p:txBody>
         </p:sp>
         <p:sp>
           <p:nvSpPr>
@@ -22597,6 +22303,13 @@
               <a:noFill/>
             </a:ln>
           </p:spPr>
+          <p:txBody>
+            <a:bodyPr/>
+            <a:lstStyle/>
+            <a:p>
+              <a:endParaRPr lang="es-ES"/>
+            </a:p>
+          </p:txBody>
         </p:sp>
         <p:sp>
           <p:nvSpPr>
@@ -22640,6 +22353,13 @@
               <a:noFill/>
             </a:ln>
           </p:spPr>
+          <p:txBody>
+            <a:bodyPr/>
+            <a:lstStyle/>
+            <a:p>
+              <a:endParaRPr lang="es-ES"/>
+            </a:p>
+          </p:txBody>
         </p:sp>
         <p:sp>
           <p:nvSpPr>
@@ -22689,6 +22409,13 @@
               <a:noFill/>
             </a:ln>
           </p:spPr>
+          <p:txBody>
+            <a:bodyPr/>
+            <a:lstStyle/>
+            <a:p>
+              <a:endParaRPr lang="es-ES"/>
+            </a:p>
+          </p:txBody>
         </p:sp>
         <p:sp>
           <p:nvSpPr>
@@ -22750,6 +22477,13 @@
               <a:noFill/>
             </a:ln>
           </p:spPr>
+          <p:txBody>
+            <a:bodyPr/>
+            <a:lstStyle/>
+            <a:p>
+              <a:endParaRPr lang="es-ES"/>
+            </a:p>
+          </p:txBody>
         </p:sp>
       </p:grpSp>
       <p:sp>
@@ -23394,18 +23128,6 @@
                 <a:buChar char="•"/>
               </a:pPr>
               <a:r>
-                <a:rPr lang="es-ES" sz="1600" b="1" i="0" u="none" strike="noStrike" cap="none" dirty="0" smtClean="0">
-                  <a:solidFill>
-                    <a:schemeClr val="dk1"/>
-                  </a:solidFill>
-                  <a:latin typeface="Calibri"/>
-                  <a:ea typeface="Calibri"/>
-                  <a:cs typeface="Calibri"/>
-                  <a:sym typeface="Calibri"/>
-                </a:rPr>
-                <a:t>PRINCIPIOS </a:t>
-              </a:r>
-              <a:r>
                 <a:rPr lang="es-ES" sz="1600" b="1" i="0" u="none" strike="noStrike" cap="none" dirty="0">
                   <a:solidFill>
                     <a:schemeClr val="dk1"/>
@@ -23415,7 +23137,7 @@
                   <a:cs typeface="Calibri"/>
                   <a:sym typeface="Calibri"/>
                 </a:rPr>
-                <a:t>DEL DERECHO LABORAL</a:t>
+                <a:t>PRINCIPIOS DEL DERECHO LABORAL</a:t>
               </a:r>
               <a:endParaRPr sz="1600" b="0" i="0" u="none" strike="noStrike" cap="none" dirty="0">
                 <a:solidFill>
@@ -24083,14 +23805,6 @@
               <a:buFont typeface="Calibri"/>
               <a:buNone/>
             </a:pPr>
-            <a:r>
-              <a:rPr lang="es-ES" sz="1620" b="1">
-                <a:solidFill>
-                  <a:schemeClr val="dk1"/>
-                </a:solidFill>
-              </a:rPr>
-              <a:t/>
-            </a:r>
             <a:br>
               <a:rPr lang="es-ES" sz="1620" b="1">
                 <a:solidFill>
@@ -24098,14 +23812,6 @@
                 </a:solidFill>
               </a:rPr>
             </a:br>
-            <a:r>
-              <a:rPr lang="es-ES" sz="1620" b="1">
-                <a:solidFill>
-                  <a:schemeClr val="dk1"/>
-                </a:solidFill>
-              </a:rPr>
-              <a:t/>
-            </a:r>
             <a:br>
               <a:rPr lang="es-ES" sz="1620" b="1">
                 <a:solidFill>
@@ -24184,7 +23890,7 @@
               <a:buNone/>
             </a:pPr>
             <a:r>
-              <a:rPr lang="es-ES" sz="1200" b="1" dirty="0" smtClean="0">
+              <a:rPr lang="es-ES" sz="1200" b="1" dirty="0">
                 <a:solidFill>
                   <a:schemeClr val="tx1"/>
                 </a:solidFill>
@@ -24246,7 +23952,7 @@
               <a:buChar char="•"/>
             </a:pPr>
             <a:r>
-              <a:rPr lang="es-ES" sz="1800" b="1" dirty="0" smtClean="0">
+              <a:rPr lang="es-ES" sz="1800" b="1" dirty="0">
                 <a:solidFill>
                   <a:schemeClr val="tx1"/>
                 </a:solidFill>
@@ -24272,7 +23978,7 @@
               <a:buChar char="•"/>
             </a:pPr>
             <a:r>
-              <a:rPr lang="es-ES" sz="1800" b="1" dirty="0" smtClean="0">
+              <a:rPr lang="es-ES" sz="1800" b="1" dirty="0">
                 <a:solidFill>
                   <a:schemeClr val="tx1"/>
                 </a:solidFill>
@@ -24298,7 +24004,7 @@
               <a:buChar char="•"/>
             </a:pPr>
             <a:r>
-              <a:rPr lang="es-ES" sz="1800" b="1" dirty="0" smtClean="0">
+              <a:rPr lang="es-ES" sz="1800" b="1" dirty="0">
                 <a:solidFill>
                   <a:schemeClr val="tx1"/>
                 </a:solidFill>
@@ -24324,7 +24030,7 @@
               <a:buChar char="•"/>
             </a:pPr>
             <a:r>
-              <a:rPr lang="es-ES" sz="1800" b="1" dirty="0" smtClean="0">
+              <a:rPr lang="es-ES" sz="1800" b="1" dirty="0">
                 <a:solidFill>
                   <a:schemeClr val="tx1"/>
                 </a:solidFill>
@@ -24355,7 +24061,7 @@
               <a:buChar char="•"/>
             </a:pPr>
             <a:r>
-              <a:rPr lang="es-ES" sz="1800" b="1" dirty="0" smtClean="0">
+              <a:rPr lang="es-ES" sz="1800" b="1" dirty="0">
                 <a:solidFill>
                   <a:schemeClr val="tx1"/>
                 </a:solidFill>
@@ -24363,7 +24069,7 @@
               <a:t>- POR CUENTA AJENA: </a:t>
             </a:r>
             <a:r>
-              <a:rPr lang="es-ES" sz="1100" b="1" dirty="0" smtClean="0">
+              <a:rPr lang="es-ES" sz="1100" b="1" dirty="0">
                 <a:solidFill>
                   <a:schemeClr val="tx1"/>
                 </a:solidFill>
@@ -24389,7 +24095,7 @@
               <a:buNone/>
             </a:pPr>
             <a:r>
-              <a:rPr lang="es-ES" sz="1100" b="1" dirty="0" smtClean="0">
+              <a:rPr lang="es-ES" sz="1100" b="1" dirty="0">
                 <a:solidFill>
                   <a:schemeClr val="tx1"/>
                 </a:solidFill>
@@ -25273,7 +24979,7 @@
               <a:buNone/>
             </a:pPr>
             <a:r>
-              <a:rPr lang="es-ES" sz="2590" dirty="0" smtClean="0">
+              <a:rPr lang="es-ES" sz="2590" dirty="0">
                 <a:solidFill>
                   <a:srgbClr val="2F5496"/>
                 </a:solidFill>
@@ -25299,7 +25005,7 @@
               <a:buNone/>
             </a:pPr>
             <a:r>
-              <a:rPr lang="es-ES" sz="1300" dirty="0" smtClean="0">
+              <a:rPr lang="es-ES" sz="1300" dirty="0">
                 <a:solidFill>
                   <a:srgbClr val="2F5496"/>
                 </a:solidFill>
@@ -25307,7 +25013,7 @@
               <a:t>(LE FALTA 1 </a:t>
             </a:r>
             <a:r>
-              <a:rPr lang="es-ES" sz="1300" dirty="0" err="1" smtClean="0">
+              <a:rPr lang="es-ES" sz="1300" dirty="0" err="1">
                 <a:solidFill>
                   <a:srgbClr val="2F5496"/>
                 </a:solidFill>
@@ -25315,7 +25021,7 @@
               <a:t>ó</a:t>
             </a:r>
             <a:r>
-              <a:rPr lang="es-ES" sz="1300" dirty="0" smtClean="0">
+              <a:rPr lang="es-ES" sz="1300" dirty="0">
                 <a:solidFill>
                   <a:srgbClr val="2F5496"/>
                 </a:solidFill>
@@ -25327,15 +25033,15 @@
           <a:p>
             <a:pPr marL="228600" lvl="0" indent="-228600"/>
             <a:r>
-              <a:rPr lang="es-ES" sz="2590" dirty="0" smtClean="0"/>
+              <a:rPr lang="es-ES" sz="2590" dirty="0"/>
               <a:t>Autónomos </a:t>
             </a:r>
             <a:r>
-              <a:rPr lang="es-ES" sz="1200" dirty="0" smtClean="0"/>
+              <a:rPr lang="es-ES" sz="1200" dirty="0"/>
               <a:t>(falta </a:t>
             </a:r>
             <a:r>
-              <a:rPr lang="es-ES" sz="1200" b="1" dirty="0" smtClean="0">
+              <a:rPr lang="es-ES" sz="1200" b="1" dirty="0">
                 <a:solidFill>
                   <a:schemeClr val="tx1"/>
                 </a:solidFill>
@@ -25343,7 +25049,7 @@
               <a:t>RELACION DEPENDIENTE</a:t>
             </a:r>
             <a:r>
-              <a:rPr lang="es-ES" sz="1200" dirty="0" smtClean="0">
+              <a:rPr lang="es-ES" sz="1200" dirty="0">
                 <a:solidFill>
                   <a:schemeClr val="tx1"/>
                 </a:solidFill>
@@ -25351,28 +25057,12 @@
               <a:t> y </a:t>
             </a:r>
             <a:r>
-              <a:rPr lang="es-ES" sz="1200" b="1" dirty="0" smtClean="0">
-                <a:solidFill>
-                  <a:schemeClr val="tx1"/>
-                </a:solidFill>
-              </a:rPr>
-              <a:t>POR </a:t>
-            </a:r>
-            <a:r>
               <a:rPr lang="es-ES" sz="1200" b="1" dirty="0">
                 <a:solidFill>
                   <a:schemeClr val="tx1"/>
                 </a:solidFill>
               </a:rPr>
-              <a:t>CUENTA </a:t>
-            </a:r>
-            <a:r>
-              <a:rPr lang="es-ES" sz="1200" b="1" dirty="0" smtClean="0">
-                <a:solidFill>
-                  <a:schemeClr val="tx1"/>
-                </a:solidFill>
-              </a:rPr>
-              <a:t>AJENA)</a:t>
+              <a:t>POR CUENTA AJENA)</a:t>
             </a:r>
             <a:endParaRPr sz="1200" dirty="0"/>
           </a:p>
@@ -25395,19 +25085,7 @@
             </a:pPr>
             <a:r>
               <a:rPr lang="es-ES" sz="2590" dirty="0"/>
-              <a:t>Trabajo en </a:t>
-            </a:r>
-            <a:r>
-              <a:rPr lang="es-ES" sz="2590" dirty="0" smtClean="0"/>
-              <a:t>ONG (</a:t>
-            </a:r>
-            <a:r>
-              <a:rPr lang="es-ES" sz="2590" dirty="0" smtClean="0"/>
-              <a:t>FALTA </a:t>
-            </a:r>
-            <a:r>
-              <a:rPr lang="es-ES" sz="2590" dirty="0" smtClean="0"/>
-              <a:t>REMUNERACION)</a:t>
+              <a:t>Trabajo en ONG (FALTA REMUNERACION)</a:t>
             </a:r>
             <a:endParaRPr dirty="0"/>
           </a:p>
@@ -25430,11 +25108,7 @@
             </a:pPr>
             <a:r>
               <a:rPr lang="es-ES" sz="2590" dirty="0"/>
-              <a:t>Trabajos a la comunidad, representante en mesa </a:t>
-            </a:r>
-            <a:r>
-              <a:rPr lang="es-ES" sz="2590" dirty="0" smtClean="0"/>
-              <a:t>electoral(FALTA VOLUNTARIEDAD)</a:t>
+              <a:t>Trabajos a la comunidad, representante en mesa electoral(FALTA VOLUNTARIEDAD)</a:t>
             </a:r>
             <a:endParaRPr dirty="0"/>
           </a:p>
@@ -25532,7 +25206,7 @@
               <a:buNone/>
             </a:pPr>
             <a:r>
-              <a:rPr lang="es-ES" sz="2590" dirty="0" smtClean="0">
+              <a:rPr lang="es-ES" sz="2590" dirty="0">
                 <a:solidFill>
                   <a:srgbClr val="C55A11"/>
                 </a:solidFill>
@@ -25558,7 +25232,7 @@
               <a:buNone/>
             </a:pPr>
             <a:r>
-              <a:rPr lang="es-ES" sz="1200" dirty="0" smtClean="0">
+              <a:rPr lang="es-ES" sz="1200" dirty="0">
                 <a:solidFill>
                   <a:srgbClr val="C55A11"/>
                 </a:solidFill>
@@ -25791,6 +25465,13 @@
               <a:tailEnd type="none" w="sm" len="sm"/>
             </a:ln>
           </p:spPr>
+          <p:txBody>
+            <a:bodyPr/>
+            <a:lstStyle/>
+            <a:p>
+              <a:endParaRPr lang="es-ES"/>
+            </a:p>
+          </p:txBody>
         </p:sp>
         <p:sp>
           <p:nvSpPr>
@@ -25837,6 +25518,13 @@
               <a:tailEnd type="none" w="sm" len="sm"/>
             </a:ln>
           </p:spPr>
+          <p:txBody>
+            <a:bodyPr/>
+            <a:lstStyle/>
+            <a:p>
+              <a:endParaRPr lang="es-ES"/>
+            </a:p>
+          </p:txBody>
         </p:sp>
         <p:sp>
           <p:nvSpPr>
@@ -25880,6 +25568,13 @@
               <a:tailEnd type="none" w="sm" len="sm"/>
             </a:ln>
           </p:spPr>
+          <p:txBody>
+            <a:bodyPr/>
+            <a:lstStyle/>
+            <a:p>
+              <a:endParaRPr lang="es-ES"/>
+            </a:p>
+          </p:txBody>
         </p:sp>
         <p:sp>
           <p:nvSpPr>
@@ -25926,6 +25621,13 @@
               <a:tailEnd type="none" w="sm" len="sm"/>
             </a:ln>
           </p:spPr>
+          <p:txBody>
+            <a:bodyPr/>
+            <a:lstStyle/>
+            <a:p>
+              <a:endParaRPr lang="es-ES"/>
+            </a:p>
+          </p:txBody>
         </p:sp>
         <p:sp>
           <p:nvSpPr>
@@ -25972,6 +25674,13 @@
               <a:tailEnd type="none" w="sm" len="sm"/>
             </a:ln>
           </p:spPr>
+          <p:txBody>
+            <a:bodyPr/>
+            <a:lstStyle/>
+            <a:p>
+              <a:endParaRPr lang="es-ES"/>
+            </a:p>
+          </p:txBody>
         </p:sp>
         <p:sp>
           <p:nvSpPr>
@@ -26018,6 +25727,13 @@
               <a:tailEnd type="none" w="sm" len="sm"/>
             </a:ln>
           </p:spPr>
+          <p:txBody>
+            <a:bodyPr/>
+            <a:lstStyle/>
+            <a:p>
+              <a:endParaRPr lang="es-ES"/>
+            </a:p>
+          </p:txBody>
         </p:sp>
         <p:sp>
           <p:nvSpPr>
@@ -26784,7 +26500,7 @@
                 <a:buNone/>
               </a:pPr>
               <a:r>
-                <a:rPr lang="es-ES" sz="2000" b="1" i="0" u="none" strike="noStrike" cap="none" dirty="0" smtClean="0">
+                <a:rPr lang="es-ES" sz="2000" b="1" i="0" u="none" strike="noStrike" cap="none" dirty="0">
                   <a:solidFill>
                     <a:schemeClr val="tx1"/>
                   </a:solidFill>
@@ -26796,7 +26512,7 @@
                 <a:t>Tío </a:t>
               </a:r>
               <a:r>
-                <a:rPr lang="es-ES" sz="2000" b="1" i="0" u="none" strike="noStrike" cap="none" dirty="0" smtClean="0">
+                <a:rPr lang="es-ES" sz="2000" b="1" i="0" u="none" strike="noStrike" cap="none" dirty="0">
                   <a:solidFill>
                     <a:schemeClr val="accent1"/>
                   </a:solidFill>
@@ -26892,14 +26608,10 @@
             </a:pPr>
             <a:r>
               <a:rPr lang="es-ES" sz="2380" dirty="0"/>
-              <a:t>Hasta el segundo grado, no se considera trabajador con contrato </a:t>
+              <a:t>Hasta el segundo grado, no se considera trabajador con contrato laboral </a:t>
             </a:r>
             <a:r>
-              <a:rPr lang="es-ES" sz="2380" dirty="0" smtClean="0"/>
-              <a:t>laboral </a:t>
-            </a:r>
-            <a:r>
-              <a:rPr lang="es-ES" sz="1100" dirty="0" smtClean="0">
+              <a:rPr lang="es-ES" sz="1100" dirty="0">
                 <a:solidFill>
                   <a:srgbClr val="FF0000"/>
                 </a:solidFill>
@@ -26931,12 +26643,8 @@
               <a:buChar char="▪"/>
             </a:pPr>
             <a:r>
-              <a:rPr lang="es-ES" sz="1700" dirty="0" smtClean="0"/>
-              <a:t>Regla general: Tendrá </a:t>
-            </a:r>
-            <a:r>
               <a:rPr lang="es-ES" sz="1700" dirty="0"/>
-              <a:t>que darse de alta como </a:t>
+              <a:t>Regla general: Tendrá que darse de alta como </a:t>
             </a:r>
             <a:r>
               <a:rPr lang="es-ES" sz="1700" u="sng" dirty="0"/>
@@ -26963,7 +26671,7 @@
               <a:buChar char="▪"/>
             </a:pPr>
             <a:r>
-              <a:rPr lang="es-ES" sz="1700" dirty="0" smtClean="0">
+              <a:rPr lang="es-ES" sz="1700" dirty="0">
                 <a:solidFill>
                   <a:srgbClr val="FF0000"/>
                 </a:solidFill>
@@ -26971,12 +26679,8 @@
               <a:t>Primera excepción: </a:t>
             </a:r>
             <a:r>
-              <a:rPr lang="es-ES" sz="1700" dirty="0" smtClean="0"/>
-              <a:t>Salvo </a:t>
-            </a:r>
-            <a:r>
               <a:rPr lang="es-ES" sz="1700" dirty="0"/>
-              <a:t>prueba en contrario (que viva fuera del hogar familiar y por sus propios medios)</a:t>
+              <a:t>Salvo prueba en contrario (que viva fuera del hogar familiar y por sus propios medios)</a:t>
             </a:r>
             <a:endParaRPr dirty="0"/>
           </a:p>
@@ -26999,7 +26703,7 @@
               <a:buChar char="▪"/>
             </a:pPr>
             <a:r>
-              <a:rPr lang="es-ES" sz="1700" dirty="0" smtClean="0">
+              <a:rPr lang="es-ES" sz="1700" dirty="0">
                 <a:solidFill>
                   <a:srgbClr val="FF0000"/>
                 </a:solidFill>
@@ -27007,12 +26711,8 @@
               <a:t>Segunda excepción: </a:t>
             </a:r>
             <a:r>
-              <a:rPr lang="es-ES" sz="1700" dirty="0" smtClean="0"/>
-              <a:t>Los </a:t>
-            </a:r>
-            <a:r>
               <a:rPr lang="es-ES" sz="1700" dirty="0"/>
-              <a:t>hijos menores de 30 años que convivan con el empresario= contrato laboral, pero sin desempleo.</a:t>
+              <a:t>Los hijos menores de 30 años que convivan con el empresario= contrato laboral, pero sin desempleo.</a:t>
             </a:r>
             <a:endParaRPr dirty="0"/>
           </a:p>
@@ -27550,15 +27250,7 @@
                   <a:srgbClr val="000000"/>
                 </a:solidFill>
               </a:rPr>
-              <a:t>Juan tiene 25 años pero vive independizado desde hace 2 años siendo económicamente independiente</a:t>
-            </a:r>
-            <a:r>
-              <a:rPr lang="es-ES" sz="1800" dirty="0" smtClean="0">
-                <a:solidFill>
-                  <a:srgbClr val="000000"/>
-                </a:solidFill>
-              </a:rPr>
-              <a:t>.</a:t>
+              <a:t>Juan tiene 25 años pero vive independizado desde hace 2 años siendo económicamente independiente.</a:t>
             </a:r>
             <a:r>
               <a:rPr lang="es-ES" dirty="0">
@@ -27607,15 +27299,7 @@
                   <a:srgbClr val="000000"/>
                 </a:solidFill>
               </a:rPr>
-              <a:t>Pedro tiene 26 años pero convive en el hogar familiar con su padre y con su madre</a:t>
-            </a:r>
-            <a:r>
-              <a:rPr lang="es-ES" sz="1800" dirty="0" smtClean="0">
-                <a:solidFill>
-                  <a:srgbClr val="000000"/>
-                </a:solidFill>
-              </a:rPr>
-              <a:t>.</a:t>
+              <a:t>Pedro tiene 26 años pero convive en el hogar familiar con su padre y con su madre.</a:t>
             </a:r>
             <a:r>
               <a:rPr lang="es-ES" dirty="0">
@@ -27684,18 +27368,10 @@
                   <a:srgbClr val="000000"/>
                 </a:solidFill>
               </a:rPr>
-              <a:t>Luis tiene 31 años y al igual que Pedro convive en el hogar familiar con su padre y con su madre</a:t>
+              <a:t>Luis tiene 31 años y al igual que Pedro convive en el hogar familiar con su padre y con su madre. </a:t>
             </a:r>
             <a:r>
-              <a:rPr lang="es-ES" sz="1800" dirty="0" smtClean="0">
-                <a:solidFill>
-                  <a:srgbClr val="000000"/>
-                </a:solidFill>
-              </a:rPr>
-              <a:t>. </a:t>
-            </a:r>
-            <a:r>
-              <a:rPr lang="es-ES" sz="1800" dirty="0" smtClean="0">
+              <a:rPr lang="es-ES" sz="1800" dirty="0">
                 <a:solidFill>
                   <a:srgbClr val="FF0000"/>
                 </a:solidFill>
@@ -27780,34 +27456,7 @@
                   <a:srgbClr val="000000"/>
                 </a:solidFill>
               </a:rPr>
-              <a:t>¿Cuál de los 5 miembros de la familia reúne todos los requisitos para tener un contrato de trabajo</a:t>
-            </a:r>
-            <a:r>
-              <a:rPr lang="es-ES" sz="1800" dirty="0" smtClean="0">
-                <a:solidFill>
-                  <a:srgbClr val="000000"/>
-                </a:solidFill>
-              </a:rPr>
-              <a:t>?</a:t>
-            </a:r>
-          </a:p>
-          <a:p>
-            <a:pPr fontAlgn="base"/>
-            <a:r>
-              <a:rPr lang="es-ES" dirty="0" smtClean="0">
-                <a:solidFill>
-                  <a:srgbClr val="FF0000"/>
-                </a:solidFill>
-              </a:rPr>
-              <a:t>Autónomo</a:t>
-            </a:r>
-            <a:r>
-              <a:rPr lang="es-ES" dirty="0">
-                <a:solidFill>
-                  <a:srgbClr val="FF0000"/>
-                </a:solidFill>
-              </a:rPr>
-              <a:t>. Solo la madre.</a:t>
+              <a:t>¿Cuál de los 5 miembros de la familia reúne todos los requisitos para tener un contrato de trabajo?</a:t>
             </a:r>
           </a:p>
           <a:p>
@@ -27818,23 +27467,18 @@
                   <a:srgbClr val="FF0000"/>
                 </a:solidFill>
               </a:rPr>
-              <a:t>Autónomo colaborador. El padre </a:t>
+              <a:t>Autónomo. Solo la madre.</a:t>
             </a:r>
-            <a:r>
-              <a:rPr lang="es-ES" dirty="0" smtClean="0">
-                <a:solidFill>
-                  <a:srgbClr val="FF0000"/>
-                </a:solidFill>
-              </a:rPr>
-              <a:t>(</a:t>
-            </a:r>
+          </a:p>
+          <a:p>
+            <a:pPr fontAlgn="base"/>
             <a:r>
               <a:rPr lang="es-ES" dirty="0">
                 <a:solidFill>
                   <a:srgbClr val="FF0000"/>
                 </a:solidFill>
               </a:rPr>
-              <a:t>siguiendo la regla general).</a:t>
+              <a:t>Autónomo colaborador. El padre (siguiendo la regla general).</a:t>
             </a:r>
           </a:p>
           <a:p>
@@ -28016,14 +27660,6 @@
               <a:buFont typeface="Calibri"/>
               <a:buNone/>
             </a:pPr>
-            <a:r>
-              <a:rPr lang="es-ES" sz="3700" b="1">
-                <a:solidFill>
-                  <a:srgbClr val="FFFFFF"/>
-                </a:solidFill>
-              </a:rPr>
-              <a:t/>
-            </a:r>
             <a:br>
               <a:rPr lang="es-ES" sz="3700" b="1">
                 <a:solidFill>
@@ -28255,19 +27891,7 @@
                   <a:cs typeface="Calibri"/>
                   <a:sym typeface="Calibri"/>
                 </a:rPr>
-                <a:t>UNIÓN </a:t>
-              </a:r>
-              <a:r>
-                <a:rPr lang="es-ES" sz="1100" b="1" i="0" u="none" strike="noStrike" cap="none" dirty="0" smtClean="0">
-                  <a:solidFill>
-                    <a:schemeClr val="tx1"/>
-                  </a:solidFill>
-                  <a:latin typeface="Calibri"/>
-                  <a:ea typeface="Calibri"/>
-                  <a:cs typeface="Calibri"/>
-                  <a:sym typeface="Calibri"/>
-                </a:rPr>
-                <a:t>EUROPEA</a:t>
+                <a:t>UNIÓN EUROPEA</a:t>
               </a:r>
             </a:p>
             <a:p>
@@ -28289,7 +27913,7 @@
                 <a:buNone/>
               </a:pPr>
               <a:r>
-                <a:rPr lang="es-ES" sz="1100" b="1" dirty="0" smtClean="0">
+                <a:rPr lang="es-ES" sz="1100" b="1" dirty="0">
                   <a:solidFill>
                     <a:schemeClr val="tx1"/>
                   </a:solidFill>
@@ -28411,19 +28035,7 @@
                   <a:cs typeface="Calibri"/>
                   <a:sym typeface="Calibri"/>
                 </a:rPr>
-                <a:t>CONSTITUCIÓN </a:t>
-              </a:r>
-              <a:r>
-                <a:rPr lang="es-ES" sz="1100" b="1" i="0" u="none" strike="noStrike" cap="none" dirty="0" smtClean="0">
-                  <a:solidFill>
-                    <a:schemeClr val="tx1"/>
-                  </a:solidFill>
-                  <a:latin typeface="Calibri"/>
-                  <a:ea typeface="Calibri"/>
-                  <a:cs typeface="Calibri"/>
-                  <a:sym typeface="Calibri"/>
-                </a:rPr>
-                <a:t>ESPAÑOLA</a:t>
+                <a:t>CONSTITUCIÓN ESPAÑOLA</a:t>
               </a:r>
             </a:p>
             <a:p>
@@ -28445,7 +28057,7 @@
                 <a:buNone/>
               </a:pPr>
               <a:r>
-                <a:rPr lang="es-ES" sz="1100" b="1" dirty="0" smtClean="0">
+                <a:rPr lang="es-ES" sz="1100" b="1" dirty="0">
                   <a:solidFill>
                     <a:schemeClr val="tx1"/>
                   </a:solidFill>
@@ -28558,7 +28170,7 @@
                 <a:buNone/>
               </a:pPr>
               <a:r>
-                <a:rPr lang="es-ES" sz="1100" b="1" i="0" u="none" strike="noStrike" cap="none" dirty="0" smtClean="0">
+                <a:rPr lang="es-ES" sz="1100" b="1" i="0" u="none" strike="noStrike" cap="none" dirty="0">
                   <a:solidFill>
                     <a:schemeClr val="tx1"/>
                   </a:solidFill>
@@ -28589,7 +28201,7 @@
                 <a:buNone/>
               </a:pPr>
               <a:r>
-                <a:rPr lang="es-ES" sz="1100" b="1" dirty="0" smtClean="0">
+                <a:rPr lang="es-ES" sz="1100" b="1" dirty="0">
                   <a:solidFill>
                     <a:schemeClr val="tx1"/>
                   </a:solidFill>
@@ -28702,7 +28314,7 @@
                 <a:buNone/>
               </a:pPr>
               <a:r>
-                <a:rPr lang="es-ES" sz="1100" b="1" i="0" u="none" strike="noStrike" cap="none" dirty="0" smtClean="0">
+                <a:rPr lang="es-ES" sz="1100" b="1" i="0" u="none" strike="noStrike" cap="none" dirty="0">
                   <a:solidFill>
                     <a:schemeClr val="tx1"/>
                   </a:solidFill>
@@ -28733,7 +28345,7 @@
                 <a:buNone/>
               </a:pPr>
               <a:r>
-                <a:rPr lang="es-ES" sz="1100" b="1" dirty="0" smtClean="0">
+                <a:rPr lang="es-ES" sz="1100" b="1" dirty="0">
                   <a:solidFill>
                     <a:schemeClr val="tx1"/>
                   </a:solidFill>
@@ -28744,7 +28356,7 @@
                 </a:rPr>
                 <a:t>Normas que sirven para desarrollar una ley que se ha aprobado previamente</a:t>
               </a:r>
-              <a:endParaRPr lang="es-ES" sz="1100" b="1" i="0" u="none" strike="noStrike" cap="none" dirty="0" smtClean="0">
+              <a:endParaRPr lang="es-ES" sz="1100" b="1" i="0" u="none" strike="noStrike" cap="none" dirty="0">
                 <a:solidFill>
                   <a:schemeClr val="tx1"/>
                 </a:solidFill>
@@ -28884,19 +28496,7 @@
                   <a:cs typeface="Calibri"/>
                   <a:sym typeface="Calibri"/>
                 </a:rPr>
-                <a:t>CONVENIOS </a:t>
-              </a:r>
-              <a:r>
-                <a:rPr lang="es-ES" sz="1100" b="1" i="0" u="none" strike="noStrike" cap="none" dirty="0" smtClean="0">
-                  <a:solidFill>
-                    <a:schemeClr val="tx1"/>
-                  </a:solidFill>
-                  <a:latin typeface="Calibri"/>
-                  <a:ea typeface="Calibri"/>
-                  <a:cs typeface="Calibri"/>
-                  <a:sym typeface="Calibri"/>
-                </a:rPr>
-                <a:t>COLECTIVOS</a:t>
+                <a:t>CONVENIOS COLECTIVOS</a:t>
               </a:r>
             </a:p>
             <a:p>
@@ -28918,7 +28518,7 @@
                 <a:buNone/>
               </a:pPr>
               <a:r>
-                <a:rPr lang="es-ES" sz="1100" b="1" dirty="0" smtClean="0">
+                <a:rPr lang="es-ES" sz="1100" b="1" dirty="0">
                   <a:solidFill>
                     <a:schemeClr val="tx1"/>
                   </a:solidFill>
@@ -28929,7 +28529,7 @@
                 <a:t>(</a:t>
               </a:r>
               <a:r>
-                <a:rPr lang="es-ES" sz="1100" b="1" dirty="0" smtClean="0">
+                <a:rPr lang="es-ES" sz="1100" b="1" dirty="0">
                   <a:solidFill>
                     <a:srgbClr val="FF0000"/>
                   </a:solidFill>
@@ -28940,7 +28540,7 @@
                 <a:t>Solo en el derecho laboral. </a:t>
               </a:r>
               <a:r>
-                <a:rPr lang="es-ES" sz="1100" b="1" dirty="0" smtClean="0">
+                <a:rPr lang="es-ES" sz="1100" b="1" dirty="0">
                   <a:solidFill>
                     <a:schemeClr val="tx1"/>
                   </a:solidFill>
@@ -29052,7 +28652,7 @@
                 <a:buFont typeface="Calibri"/>
                 <a:buNone/>
               </a:pPr>
-              <a:endParaRPr lang="es-ES" sz="1100" b="1" i="0" u="none" strike="noStrike" cap="none" dirty="0" smtClean="0">
+              <a:endParaRPr lang="es-ES" sz="1100" b="1" i="0" u="none" strike="noStrike" cap="none" dirty="0">
                 <a:solidFill>
                   <a:schemeClr val="tx1"/>
                 </a:solidFill>
@@ -29081,7 +28681,7 @@
                 <a:buNone/>
               </a:pPr>
               <a:r>
-                <a:rPr lang="es-ES" sz="1100" b="1" i="0" u="none" strike="noStrike" cap="none" dirty="0" smtClean="0">
+                <a:rPr lang="es-ES" sz="1100" b="1" i="0" u="none" strike="noStrike" cap="none" dirty="0">
                   <a:solidFill>
                     <a:schemeClr val="tx1"/>
                   </a:solidFill>
@@ -29104,7 +28704,7 @@
                 <a:buSzPts val="1100"/>
               </a:pPr>
               <a:r>
-                <a:rPr lang="es-ES" b="1" dirty="0" smtClean="0">
+                <a:rPr lang="es-ES" b="1" dirty="0">
                   <a:solidFill>
                     <a:schemeClr val="tx1"/>
                   </a:solidFill>
@@ -29134,27 +28734,8 @@
                   <a:cs typeface="Calibri"/>
                   <a:sym typeface="Calibri"/>
                 </a:rPr>
-                <a:t>ACUERDO ENTRE EMPRESARIO Y TRABAJADOR QUE REGULA LAS CONDICIONES DE </a:t>
+                <a:t>ACUERDO ENTRE EMPRESARIO Y TRABAJADOR QUE REGULA LAS CONDICIONES DE TRABAJO)</a:t>
               </a:r>
-              <a:r>
-                <a:rPr lang="es-ES" sz="1200" dirty="0" smtClean="0">
-                  <a:solidFill>
-                    <a:schemeClr val="tx1"/>
-                  </a:solidFill>
-                  <a:latin typeface="Calibri"/>
-                  <a:cs typeface="Calibri"/>
-                  <a:sym typeface="Calibri"/>
-                </a:rPr>
-                <a:t>TRABAJO)</a:t>
-              </a:r>
-              <a:endParaRPr lang="es-ES" sz="1200" dirty="0">
-                <a:solidFill>
-                  <a:schemeClr val="tx1"/>
-                </a:solidFill>
-                <a:latin typeface="Calibri"/>
-                <a:cs typeface="Calibri"/>
-                <a:sym typeface="Calibri"/>
-              </a:endParaRPr>
             </a:p>
             <a:p>
               <a:pPr algn="ctr">
@@ -29166,7 +28747,7 @@
                 </a:buClr>
                 <a:buSzPts val="1100"/>
               </a:pPr>
-              <a:endParaRPr lang="es-ES" dirty="0" smtClean="0">
+              <a:endParaRPr lang="es-ES" dirty="0">
                 <a:solidFill>
                   <a:srgbClr val="FF0000"/>
                 </a:solidFill>

--- a/PROGRAMACION/FOL/TEMA 1 FOL ALUMNOS.pptx
+++ b/PROGRAMACION/FOL/TEMA 1 FOL ALUMNOS.pptx
@@ -264,7 +264,7 @@
       <p15:sldGuideLst xmlns:p15="http://schemas.microsoft.com/office/powerpoint/2012/main"/>
     </p:ext>
     <p:ext uri="http://customooxmlschemas.google.com/">
-      <go:slidesCustomData xmlns:go="http://customooxmlschemas.google.com/" xmlns:ahyp="http://schemas.microsoft.com/office/drawing/2018/hyperlinkcolor" xmlns:p15="http://schemas.microsoft.com/office/powerpoint/2012/main" xmlns:p14="http://schemas.microsoft.com/office/powerpoint/2010/main" xmlns:com="http://schemas.openxmlformats.org/drawingml/2006/compatibility" xmlns:pvml="urn:schemas-microsoft-com:office:powerpoint" xmlns:v="urn:schemas-microsoft-com:vml" xmlns:o="urn:schemas-microsoft-com:office:office" xmlns:dgm="http://schemas.openxmlformats.org/drawingml/2006/diagram" xmlns:c="http://schemas.openxmlformats.org/drawingml/2006/chart" xmlns:mv="urn:schemas-microsoft-com:mac:vml" xmlns:mc="http://schemas.openxmlformats.org/markup-compatibility/2006" xmlns="" r:id="rId26" roundtripDataSignature="AMtx7mj7n5HUuEFIm90kBBpDjxwRYlDioQ=="/>
+      <go:slidesCustomData xmlns="" xmlns:mc="http://schemas.openxmlformats.org/markup-compatibility/2006" xmlns:mv="urn:schemas-microsoft-com:mac:vml" xmlns:c="http://schemas.openxmlformats.org/drawingml/2006/chart" xmlns:dgm="http://schemas.openxmlformats.org/drawingml/2006/diagram" xmlns:o="urn:schemas-microsoft-com:office:office" xmlns:v="urn:schemas-microsoft-com:vml" xmlns:pvml="urn:schemas-microsoft-com:office:powerpoint" xmlns:com="http://schemas.openxmlformats.org/drawingml/2006/compatibility" xmlns:p14="http://schemas.microsoft.com/office/powerpoint/2010/main" xmlns:p15="http://schemas.microsoft.com/office/powerpoint/2012/main" xmlns:ahyp="http://schemas.microsoft.com/office/drawing/2018/hyperlinkcolor" xmlns:go="http://customooxmlschemas.google.com/" r:id="rId26" roundtripDataSignature="AMtx7mj7n5HUuEFIm90kBBpDjxwRYlDioQ=="/>
     </p:ext>
   </p:extLst>
 </p:presentation>
@@ -19032,7 +19032,7 @@
           <p:nvPr>
             <p:extLst>
               <p:ext uri="{D42A27DB-BD31-4B8C-83A1-F6EECF244321}">
-                <p14:modId xmlns:p14="http://schemas.microsoft.com/office/powerpoint/2010/main" val="3215575390"/>
+                <p14:modId xmlns:p14="http://schemas.microsoft.com/office/powerpoint/2010/main" val="1442637620"/>
               </p:ext>
             </p:extLst>
           </p:nvPr>
@@ -19224,7 +19224,7 @@
                       </a:r>
                       <a:r>
                         <a:rPr lang="es-ES" sz="1800" u="none" strike="noStrike" cap="none" baseline="0" dirty="0"/>
-                        <a:t> 3 para empresas de más de 25 trabajadores</a:t>
+                        <a:t> 3 para empresas de menos de 25 trabajadores</a:t>
                       </a:r>
                       <a:endParaRPr sz="1800" u="none" strike="noStrike" cap="none" dirty="0"/>
                     </a:p>
@@ -19258,10 +19258,10 @@
                         <a:buChar char="•"/>
                       </a:pPr>
                       <a:r>
-                        <a:rPr lang="es-ES" sz="1800" b="1" u="none" strike="noStrike" cap="none"/>
+                        <a:rPr lang="es-ES" sz="1800" b="1" u="none" strike="noStrike" cap="none" dirty="0"/>
                         <a:t>Contrato en prácticas</a:t>
                       </a:r>
-                      <a:endParaRPr sz="1800" b="1" u="none" strike="noStrike" cap="none"/>
+                      <a:endParaRPr sz="1800" b="1" u="none" strike="noStrike" cap="none" dirty="0"/>
                     </a:p>
                   </a:txBody>
                   <a:tcPr marL="91450" marR="91450" marT="45725" marB="45725" anchor="ctr"/>
